--- a/curso Data Science aula matplolib.pptx
+++ b/curso Data Science aula matplolib.pptx
@@ -24,15 +24,16 @@
     <p:sldId id="259" r:id="rId18"/>
     <p:sldId id="260" r:id="rId19"/>
     <p:sldId id="261" r:id="rId20"/>
-    <p:sldId id="307" r:id="rId21"/>
-    <p:sldId id="282" r:id="rId22"/>
-    <p:sldId id="283" r:id="rId23"/>
-    <p:sldId id="284" r:id="rId24"/>
-    <p:sldId id="285" r:id="rId25"/>
-    <p:sldId id="308" r:id="rId26"/>
-    <p:sldId id="286" r:id="rId27"/>
-    <p:sldId id="293" r:id="rId28"/>
-    <p:sldId id="309" r:id="rId29"/>
+    <p:sldId id="308" r:id="rId21"/>
+    <p:sldId id="310" r:id="rId22"/>
+    <p:sldId id="311" r:id="rId23"/>
+    <p:sldId id="286" r:id="rId24"/>
+    <p:sldId id="293" r:id="rId25"/>
+    <p:sldId id="309" r:id="rId26"/>
+    <p:sldId id="313" r:id="rId27"/>
+    <p:sldId id="312" r:id="rId28"/>
+    <p:sldId id="314" r:id="rId29"/>
+    <p:sldId id="315" r:id="rId30"/>
   </p:sldIdLst>
   <p:sldSz cx="12192000" cy="6858000"/>
   <p:notesSz cx="6858000" cy="9144000"/>
@@ -286,7 +287,7 @@
           <a:p>
             <a:fld id="{2760242C-9C04-406F-A461-D360C88D4EAB}" type="datetimeFigureOut">
               <a:rPr lang="pt-BR" smtClean="0"/>
-              <a:t>30/01/2023</a:t>
+              <a:t>31/01/2023</a:t>
             </a:fld>
             <a:endParaRPr lang="pt-BR"/>
           </a:p>
@@ -484,7 +485,7 @@
           <a:p>
             <a:fld id="{2760242C-9C04-406F-A461-D360C88D4EAB}" type="datetimeFigureOut">
               <a:rPr lang="pt-BR" smtClean="0"/>
-              <a:t>30/01/2023</a:t>
+              <a:t>31/01/2023</a:t>
             </a:fld>
             <a:endParaRPr lang="pt-BR"/>
           </a:p>
@@ -692,7 +693,7 @@
           <a:p>
             <a:fld id="{2760242C-9C04-406F-A461-D360C88D4EAB}" type="datetimeFigureOut">
               <a:rPr lang="pt-BR" smtClean="0"/>
-              <a:t>30/01/2023</a:t>
+              <a:t>31/01/2023</a:t>
             </a:fld>
             <a:endParaRPr lang="pt-BR"/>
           </a:p>
@@ -890,7 +891,7 @@
           <a:p>
             <a:fld id="{2760242C-9C04-406F-A461-D360C88D4EAB}" type="datetimeFigureOut">
               <a:rPr lang="pt-BR" smtClean="0"/>
-              <a:t>30/01/2023</a:t>
+              <a:t>31/01/2023</a:t>
             </a:fld>
             <a:endParaRPr lang="pt-BR"/>
           </a:p>
@@ -1165,7 +1166,7 @@
           <a:p>
             <a:fld id="{2760242C-9C04-406F-A461-D360C88D4EAB}" type="datetimeFigureOut">
               <a:rPr lang="pt-BR" smtClean="0"/>
-              <a:t>30/01/2023</a:t>
+              <a:t>31/01/2023</a:t>
             </a:fld>
             <a:endParaRPr lang="pt-BR"/>
           </a:p>
@@ -1430,7 +1431,7 @@
           <a:p>
             <a:fld id="{2760242C-9C04-406F-A461-D360C88D4EAB}" type="datetimeFigureOut">
               <a:rPr lang="pt-BR" smtClean="0"/>
-              <a:t>30/01/2023</a:t>
+              <a:t>31/01/2023</a:t>
             </a:fld>
             <a:endParaRPr lang="pt-BR"/>
           </a:p>
@@ -1842,7 +1843,7 @@
           <a:p>
             <a:fld id="{2760242C-9C04-406F-A461-D360C88D4EAB}" type="datetimeFigureOut">
               <a:rPr lang="pt-BR" smtClean="0"/>
-              <a:t>30/01/2023</a:t>
+              <a:t>31/01/2023</a:t>
             </a:fld>
             <a:endParaRPr lang="pt-BR"/>
           </a:p>
@@ -1983,7 +1984,7 @@
           <a:p>
             <a:fld id="{2760242C-9C04-406F-A461-D360C88D4EAB}" type="datetimeFigureOut">
               <a:rPr lang="pt-BR" smtClean="0"/>
-              <a:t>30/01/2023</a:t>
+              <a:t>31/01/2023</a:t>
             </a:fld>
             <a:endParaRPr lang="pt-BR"/>
           </a:p>
@@ -2096,7 +2097,7 @@
           <a:p>
             <a:fld id="{2760242C-9C04-406F-A461-D360C88D4EAB}" type="datetimeFigureOut">
               <a:rPr lang="pt-BR" smtClean="0"/>
-              <a:t>30/01/2023</a:t>
+              <a:t>31/01/2023</a:t>
             </a:fld>
             <a:endParaRPr lang="pt-BR"/>
           </a:p>
@@ -2407,7 +2408,7 @@
           <a:p>
             <a:fld id="{2760242C-9C04-406F-A461-D360C88D4EAB}" type="datetimeFigureOut">
               <a:rPr lang="pt-BR" smtClean="0"/>
-              <a:t>30/01/2023</a:t>
+              <a:t>31/01/2023</a:t>
             </a:fld>
             <a:endParaRPr lang="pt-BR"/>
           </a:p>
@@ -2695,7 +2696,7 @@
           <a:p>
             <a:fld id="{2760242C-9C04-406F-A461-D360C88D4EAB}" type="datetimeFigureOut">
               <a:rPr lang="pt-BR" smtClean="0"/>
-              <a:t>30/01/2023</a:t>
+              <a:t>31/01/2023</a:t>
             </a:fld>
             <a:endParaRPr lang="pt-BR"/>
           </a:p>
@@ -2936,7 +2937,7 @@
           <a:p>
             <a:fld id="{2760242C-9C04-406F-A461-D360C88D4EAB}" type="datetimeFigureOut">
               <a:rPr lang="pt-BR" smtClean="0"/>
-              <a:t>30/01/2023</a:t>
+              <a:t>31/01/2023</a:t>
             </a:fld>
             <a:endParaRPr lang="pt-BR"/>
           </a:p>
@@ -4391,10 +4392,10 @@
       </p:sp>
       <p:pic>
         <p:nvPicPr>
-          <p:cNvPr id="5" name="Imagem 4">
-            <a:extLst>
-              <a:ext uri="{FF2B5EF4-FFF2-40B4-BE49-F238E27FC236}">
-                <a16:creationId xmlns:a16="http://schemas.microsoft.com/office/drawing/2014/main" id="{B37D4DCD-FECA-4C5D-ACAB-ADBAECAC3E04}"/>
+          <p:cNvPr id="4" name="Imagem 3">
+            <a:extLst>
+              <a:ext uri="{FF2B5EF4-FFF2-40B4-BE49-F238E27FC236}">
+                <a16:creationId xmlns:a16="http://schemas.microsoft.com/office/drawing/2014/main" id="{49A88E7E-6626-877C-CCC0-086CD65884CB}"/>
               </a:ext>
             </a:extLst>
           </p:cNvPr>
@@ -4405,13 +4406,13 @@
         </p:nvPicPr>
         <p:blipFill rotWithShape="1">
           <a:blip r:embed="rId2"/>
-          <a:srcRect l="3663" t="26027" r="61487" b="8623"/>
+          <a:srcRect l="2391" t="26075" r="65000" b="6839"/>
           <a:stretch/>
         </p:blipFill>
         <p:spPr>
           <a:xfrm>
-            <a:off x="2080588" y="1952258"/>
-            <a:ext cx="6798367" cy="4540617"/>
+            <a:off x="1934816" y="1894370"/>
+            <a:ext cx="7354957" cy="4598505"/>
           </a:xfrm>
           <a:prstGeom prst="rect">
             <a:avLst/>
@@ -4482,10 +4483,10 @@
       </p:sp>
       <p:pic>
         <p:nvPicPr>
-          <p:cNvPr id="7" name="Imagem 6">
-            <a:extLst>
-              <a:ext uri="{FF2B5EF4-FFF2-40B4-BE49-F238E27FC236}">
-                <a16:creationId xmlns:a16="http://schemas.microsoft.com/office/drawing/2014/main" id="{21103EAB-AC35-A9DB-5417-B5139BBB0D24}"/>
+          <p:cNvPr id="4" name="Imagem 3">
+            <a:extLst>
+              <a:ext uri="{FF2B5EF4-FFF2-40B4-BE49-F238E27FC236}">
+                <a16:creationId xmlns:a16="http://schemas.microsoft.com/office/drawing/2014/main" id="{EB42A393-8B65-5897-009A-666DA4B9DCDD}"/>
               </a:ext>
             </a:extLst>
           </p:cNvPr>
@@ -4496,13 +4497,13 @@
         </p:nvPicPr>
         <p:blipFill rotWithShape="1">
           <a:blip r:embed="rId2"/>
-          <a:srcRect l="4022" t="39608" r="56196" b="8192"/>
+          <a:srcRect l="3152" t="27429" r="65000" b="16698"/>
           <a:stretch/>
         </p:blipFill>
         <p:spPr>
           <a:xfrm>
-            <a:off x="2292625" y="1827765"/>
-            <a:ext cx="6427305" cy="4741454"/>
+            <a:off x="1285460" y="1921566"/>
+            <a:ext cx="8799444" cy="4731796"/>
           </a:xfrm>
           <a:prstGeom prst="rect">
             <a:avLst/>
@@ -4581,10 +4582,10 @@
       </p:sp>
       <p:pic>
         <p:nvPicPr>
-          <p:cNvPr id="5" name="Imagem 4">
-            <a:extLst>
-              <a:ext uri="{FF2B5EF4-FFF2-40B4-BE49-F238E27FC236}">
-                <a16:creationId xmlns:a16="http://schemas.microsoft.com/office/drawing/2014/main" id="{03B77E38-42F5-7B7B-127A-FF4603DBE3C4}"/>
+          <p:cNvPr id="4" name="Imagem 3">
+            <a:extLst>
+              <a:ext uri="{FF2B5EF4-FFF2-40B4-BE49-F238E27FC236}">
+                <a16:creationId xmlns:a16="http://schemas.microsoft.com/office/drawing/2014/main" id="{A9C51B3C-7870-7A0D-477C-7A58FB64CF92}"/>
               </a:ext>
             </a:extLst>
           </p:cNvPr>
@@ -4595,13 +4596,13 @@
         </p:nvPicPr>
         <p:blipFill rotWithShape="1">
           <a:blip r:embed="rId2"/>
-          <a:srcRect l="3566" t="27481" r="64855" b="10658"/>
+          <a:srcRect l="3587" t="26075" r="60326" b="16699"/>
           <a:stretch/>
         </p:blipFill>
         <p:spPr>
           <a:xfrm>
-            <a:off x="1908311" y="1934817"/>
-            <a:ext cx="6917637" cy="4704521"/>
+            <a:off x="1921565" y="1690688"/>
+            <a:ext cx="7951304" cy="4876799"/>
           </a:xfrm>
           <a:prstGeom prst="rect">
             <a:avLst/>
@@ -5093,7 +5094,7 @@
           <p:cNvPr id="2" name="Título 1">
             <a:extLst>
               <a:ext uri="{FF2B5EF4-FFF2-40B4-BE49-F238E27FC236}">
-                <a16:creationId xmlns:a16="http://schemas.microsoft.com/office/drawing/2014/main" id="{F7C26CAB-815E-AACE-EE3E-EB1C817CBE9A}"/>
+                <a16:creationId xmlns:a16="http://schemas.microsoft.com/office/drawing/2014/main" id="{5B94005F-8804-3729-18B4-EAC3599CE71A}"/>
               </a:ext>
             </a:extLst>
           </p:cNvPr>
@@ -5106,7 +5107,10 @@
         </p:nvSpPr>
         <p:spPr>
           <a:solidFill>
-            <a:srgbClr val="FFFF00"/>
+            <a:schemeClr val="accent4">
+              <a:lumMod val="60000"/>
+              <a:lumOff val="40000"/>
+            </a:schemeClr>
           </a:solidFill>
         </p:spPr>
         <p:txBody>
@@ -5114,44 +5118,330 @@
           <a:lstStyle/>
           <a:p>
             <a:r>
+              <a:rPr lang="pt-BR" dirty="0" err="1"/>
+              <a:t>Boxplot</a:t>
+            </a:r>
+            <a:r>
               <a:rPr lang="pt-BR" dirty="0"/>
-              <a:t>Exercícios:</a:t>
-            </a:r>
-          </a:p>
-        </p:txBody>
-      </p:sp>
-      <p:sp>
-        <p:nvSpPr>
-          <p:cNvPr id="3" name="Espaço Reservado para Conteúdo 2">
-            <a:extLst>
-              <a:ext uri="{FF2B5EF4-FFF2-40B4-BE49-F238E27FC236}">
-                <a16:creationId xmlns:a16="http://schemas.microsoft.com/office/drawing/2014/main" id="{43A04FF2-E36F-3A08-DBD4-13B90853B5B2}"/>
-              </a:ext>
-            </a:extLst>
-          </p:cNvPr>
-          <p:cNvSpPr>
+              <a:t>. Gráfico estatístico</a:t>
+            </a:r>
+          </a:p>
+        </p:txBody>
+      </p:sp>
+      <p:pic>
+        <p:nvPicPr>
+          <p:cNvPr id="1026" name="Picture 2" descr="matplotlib.pyplot.boxplot — Matplotlib 3.1.2 documentation">
+            <a:extLst>
+              <a:ext uri="{FF2B5EF4-FFF2-40B4-BE49-F238E27FC236}">
+                <a16:creationId xmlns:a16="http://schemas.microsoft.com/office/drawing/2014/main" id="{28D71060-6D18-B735-E567-D14397B587FC}"/>
+              </a:ext>
+            </a:extLst>
+          </p:cNvPr>
+          <p:cNvPicPr>
+            <a:picLocks noChangeAspect="1" noChangeArrowheads="1"/>
+          </p:cNvPicPr>
+          <p:nvPr/>
+        </p:nvPicPr>
+        <p:blipFill>
+          <a:blip r:embed="rId2">
+            <a:extLst>
+              <a:ext uri="{28A0092B-C50C-407E-A947-70E740481C1C}">
+                <a14:useLocalDpi xmlns:a14="http://schemas.microsoft.com/office/drawing/2010/main" val="0"/>
+              </a:ext>
+            </a:extLst>
+          </a:blip>
+          <a:srcRect/>
+          <a:stretch>
+            <a:fillRect/>
+          </a:stretch>
+        </p:blipFill>
+        <p:spPr bwMode="auto">
+          <a:xfrm>
+            <a:off x="1142999" y="1825625"/>
+            <a:ext cx="6874565" cy="4812196"/>
+          </a:xfrm>
+          <a:prstGeom prst="rect">
+            <a:avLst/>
+          </a:prstGeom>
+          <a:noFill/>
+          <a:extLst>
+            <a:ext uri="{909E8E84-426E-40DD-AFC4-6F175D3DCCD1}">
+              <a14:hiddenFill xmlns:a14="http://schemas.microsoft.com/office/drawing/2010/main">
+                <a:solidFill>
+                  <a:srgbClr val="FFFFFF"/>
+                </a:solidFill>
+              </a14:hiddenFill>
+            </a:ext>
+          </a:extLst>
+        </p:spPr>
+      </p:pic>
+      <p:cxnSp>
+        <p:nvCxnSpPr>
+          <p:cNvPr id="5" name="Conector reto 4">
+            <a:extLst>
+              <a:ext uri="{FF2B5EF4-FFF2-40B4-BE49-F238E27FC236}">
+                <a16:creationId xmlns:a16="http://schemas.microsoft.com/office/drawing/2014/main" id="{ECA30F91-D6A4-A8F9-A113-ABD6B93C5A1C}"/>
+              </a:ext>
+            </a:extLst>
+          </p:cNvPr>
+          <p:cNvCxnSpPr/>
+          <p:nvPr/>
+        </p:nvCxnSpPr>
+        <p:spPr>
+          <a:xfrm>
+            <a:off x="2199861" y="4267200"/>
+            <a:ext cx="7354956" cy="0"/>
+          </a:xfrm>
+          <a:prstGeom prst="line">
+            <a:avLst/>
+          </a:prstGeom>
+          <a:ln>
+            <a:prstDash val="lgDash"/>
+          </a:ln>
+        </p:spPr>
+        <p:style>
+          <a:lnRef idx="1">
+            <a:schemeClr val="accent1"/>
+          </a:lnRef>
+          <a:fillRef idx="0">
+            <a:schemeClr val="accent1"/>
+          </a:fillRef>
+          <a:effectRef idx="0">
+            <a:schemeClr val="accent1"/>
+          </a:effectRef>
+          <a:fontRef idx="minor">
+            <a:schemeClr val="tx1"/>
+          </a:fontRef>
+        </p:style>
+      </p:cxnSp>
+      <p:sp>
+        <p:nvSpPr>
+          <p:cNvPr id="6" name="CaixaDeTexto 5">
+            <a:extLst>
+              <a:ext uri="{FF2B5EF4-FFF2-40B4-BE49-F238E27FC236}">
+                <a16:creationId xmlns:a16="http://schemas.microsoft.com/office/drawing/2014/main" id="{3BADB59F-920A-116B-1E3C-B1860A9E840E}"/>
+              </a:ext>
+            </a:extLst>
+          </p:cNvPr>
+          <p:cNvSpPr txBox="1"/>
+          <p:nvPr/>
+        </p:nvSpPr>
+        <p:spPr>
+          <a:xfrm>
+            <a:off x="8693426" y="3772870"/>
+            <a:ext cx="1298713" cy="369332"/>
+          </a:xfrm>
+          <a:prstGeom prst="rect">
+            <a:avLst/>
+          </a:prstGeom>
+          <a:noFill/>
+        </p:spPr>
+        <p:txBody>
+          <a:bodyPr wrap="square" rtlCol="0">
+            <a:spAutoFit/>
+          </a:bodyPr>
+          <a:lstStyle/>
+          <a:p>
+            <a:r>
+              <a:rPr lang="pt-BR" dirty="0"/>
+              <a:t>mediana</a:t>
+            </a:r>
+          </a:p>
+        </p:txBody>
+      </p:sp>
+      <p:sp>
+        <p:nvSpPr>
+          <p:cNvPr id="7" name="CaixaDeTexto 6">
+            <a:extLst>
+              <a:ext uri="{FF2B5EF4-FFF2-40B4-BE49-F238E27FC236}">
+                <a16:creationId xmlns:a16="http://schemas.microsoft.com/office/drawing/2014/main" id="{CEE9EEE5-A600-D0D3-0342-847AC65CE768}"/>
+              </a:ext>
+            </a:extLst>
+          </p:cNvPr>
+          <p:cNvSpPr txBox="1"/>
+          <p:nvPr/>
+        </p:nvSpPr>
+        <p:spPr>
+          <a:xfrm>
+            <a:off x="5029200" y="4668084"/>
+            <a:ext cx="1298713" cy="369332"/>
+          </a:xfrm>
+          <a:prstGeom prst="rect">
+            <a:avLst/>
+          </a:prstGeom>
+          <a:noFill/>
+        </p:spPr>
+        <p:txBody>
+          <a:bodyPr wrap="square" rtlCol="0">
+            <a:spAutoFit/>
+          </a:bodyPr>
+          <a:lstStyle/>
+          <a:p>
+            <a:r>
+              <a:rPr lang="pt-BR" dirty="0"/>
+              <a:t>mínimo</a:t>
+            </a:r>
+          </a:p>
+        </p:txBody>
+      </p:sp>
+      <p:sp>
+        <p:nvSpPr>
+          <p:cNvPr id="8" name="CaixaDeTexto 7">
+            <a:extLst>
+              <a:ext uri="{FF2B5EF4-FFF2-40B4-BE49-F238E27FC236}">
+                <a16:creationId xmlns:a16="http://schemas.microsoft.com/office/drawing/2014/main" id="{5B001C23-80FC-3BF1-F2B2-8039048E0007}"/>
+              </a:ext>
+            </a:extLst>
+          </p:cNvPr>
+          <p:cNvSpPr txBox="1"/>
+          <p:nvPr/>
+        </p:nvSpPr>
+        <p:spPr>
+          <a:xfrm>
+            <a:off x="5029200" y="3227920"/>
+            <a:ext cx="1298713" cy="369332"/>
+          </a:xfrm>
+          <a:prstGeom prst="rect">
+            <a:avLst/>
+          </a:prstGeom>
+          <a:noFill/>
+        </p:spPr>
+        <p:txBody>
+          <a:bodyPr wrap="square" rtlCol="0">
+            <a:spAutoFit/>
+          </a:bodyPr>
+          <a:lstStyle/>
+          <a:p>
+            <a:r>
+              <a:rPr lang="pt-BR" dirty="0"/>
+              <a:t>máximo</a:t>
+            </a:r>
+          </a:p>
+        </p:txBody>
+      </p:sp>
+      <p:sp>
+        <p:nvSpPr>
+          <p:cNvPr id="9" name="Espaço Reservado para Conteúdo 8">
+            <a:extLst>
+              <a:ext uri="{FF2B5EF4-FFF2-40B4-BE49-F238E27FC236}">
+                <a16:creationId xmlns:a16="http://schemas.microsoft.com/office/drawing/2014/main" id="{3305A8CF-FA9C-E0D7-B239-D89C2C3F05E3}"/>
+              </a:ext>
+            </a:extLst>
+          </p:cNvPr>
+          <p:cNvSpPr txBox="1">
             <a:spLocks noGrp="1"/>
           </p:cNvSpPr>
           <p:nvPr>
             <p:ph idx="1"/>
           </p:nvPr>
         </p:nvSpPr>
-        <p:spPr/>
-        <p:txBody>
-          <a:bodyPr/>
+        <p:spPr>
+          <a:xfrm>
+            <a:off x="838200" y="1825625"/>
+            <a:ext cx="10515600" cy="480131"/>
+          </a:xfrm>
+          <a:prstGeom prst="rect">
+            <a:avLst/>
+          </a:prstGeom>
+          <a:noFill/>
+        </p:spPr>
+        <p:txBody>
+          <a:bodyPr wrap="square" rtlCol="0">
+            <a:spAutoFit/>
+          </a:bodyPr>
           <a:lstStyle/>
           <a:p>
             <a:r>
               <a:rPr lang="pt-BR" dirty="0"/>
-              <a:t>Nos exercícios a seguir rode o código que está pronto e depois faça as alterações solicitadas.</a:t>
-            </a:r>
-          </a:p>
-        </p:txBody>
-      </p:sp>
+              <a:t>Outliers</a:t>
+            </a:r>
+          </a:p>
+        </p:txBody>
+      </p:sp>
+      <p:cxnSp>
+        <p:nvCxnSpPr>
+          <p:cNvPr id="11" name="Conector de Seta Reta 10">
+            <a:extLst>
+              <a:ext uri="{FF2B5EF4-FFF2-40B4-BE49-F238E27FC236}">
+                <a16:creationId xmlns:a16="http://schemas.microsoft.com/office/drawing/2014/main" id="{6FCAFA7F-0128-4C58-BCF4-A63A8F5B6CC5}"/>
+              </a:ext>
+            </a:extLst>
+          </p:cNvPr>
+          <p:cNvCxnSpPr/>
+          <p:nvPr/>
+        </p:nvCxnSpPr>
+        <p:spPr>
+          <a:xfrm>
+            <a:off x="2411896" y="2065690"/>
+            <a:ext cx="1815547" cy="525110"/>
+          </a:xfrm>
+          <a:prstGeom prst="straightConnector1">
+            <a:avLst/>
+          </a:prstGeom>
+          <a:ln>
+            <a:tailEnd type="triangle"/>
+          </a:ln>
+        </p:spPr>
+        <p:style>
+          <a:lnRef idx="1">
+            <a:schemeClr val="accent1"/>
+          </a:lnRef>
+          <a:fillRef idx="0">
+            <a:schemeClr val="accent1"/>
+          </a:fillRef>
+          <a:effectRef idx="0">
+            <a:schemeClr val="accent1"/>
+          </a:effectRef>
+          <a:fontRef idx="minor">
+            <a:schemeClr val="tx1"/>
+          </a:fontRef>
+        </p:style>
+      </p:cxnSp>
+      <p:cxnSp>
+        <p:nvCxnSpPr>
+          <p:cNvPr id="12" name="Conector de Seta Reta 11">
+            <a:extLst>
+              <a:ext uri="{FF2B5EF4-FFF2-40B4-BE49-F238E27FC236}">
+                <a16:creationId xmlns:a16="http://schemas.microsoft.com/office/drawing/2014/main" id="{41E2B802-81A4-6E6B-B869-A524D50FE71A}"/>
+              </a:ext>
+            </a:extLst>
+          </p:cNvPr>
+          <p:cNvCxnSpPr>
+            <a:cxnSpLocks/>
+          </p:cNvCxnSpPr>
+          <p:nvPr/>
+        </p:nvCxnSpPr>
+        <p:spPr>
+          <a:xfrm>
+            <a:off x="2411896" y="2096670"/>
+            <a:ext cx="1941442" cy="3514658"/>
+          </a:xfrm>
+          <a:prstGeom prst="straightConnector1">
+            <a:avLst/>
+          </a:prstGeom>
+          <a:ln>
+            <a:tailEnd type="triangle"/>
+          </a:ln>
+        </p:spPr>
+        <p:style>
+          <a:lnRef idx="1">
+            <a:schemeClr val="accent1"/>
+          </a:lnRef>
+          <a:fillRef idx="0">
+            <a:schemeClr val="accent1"/>
+          </a:fillRef>
+          <a:effectRef idx="0">
+            <a:schemeClr val="accent1"/>
+          </a:effectRef>
+          <a:fontRef idx="minor">
+            <a:schemeClr val="tx1"/>
+          </a:fontRef>
+        </p:style>
+      </p:cxnSp>
     </p:spTree>
     <p:extLst>
       <p:ext uri="{BB962C8B-B14F-4D97-AF65-F5344CB8AC3E}">
-        <p14:creationId xmlns:p14="http://schemas.microsoft.com/office/powerpoint/2010/main" val="1226944696"/>
+        <p14:creationId xmlns:p14="http://schemas.microsoft.com/office/powerpoint/2010/main" val="816605090"/>
       </p:ext>
     </p:extLst>
   </p:cSld>
@@ -5183,7 +5473,7 @@
           <p:cNvPr id="2" name="Título 1">
             <a:extLst>
               <a:ext uri="{FF2B5EF4-FFF2-40B4-BE49-F238E27FC236}">
-                <a16:creationId xmlns:a16="http://schemas.microsoft.com/office/drawing/2014/main" id="{B0267F06-3D1B-CDA5-B44D-622411568959}"/>
+                <a16:creationId xmlns:a16="http://schemas.microsoft.com/office/drawing/2014/main" id="{8FF5268C-6523-EB51-BA84-6956CF71FF69}"/>
               </a:ext>
             </a:extLst>
           </p:cNvPr>
@@ -5196,18 +5486,16 @@
         </p:nvSpPr>
         <p:spPr>
           <a:solidFill>
-            <a:srgbClr val="FFFF00"/>
+            <a:schemeClr val="accent6"/>
           </a:solidFill>
         </p:spPr>
         <p:txBody>
-          <a:bodyPr>
-            <a:normAutofit fontScale="90000"/>
-          </a:bodyPr>
+          <a:bodyPr/>
           <a:lstStyle/>
           <a:p>
             <a:r>
               <a:rPr lang="pt-BR" dirty="0"/>
-              <a:t>Exercício: Colocar as barras em verde, a legenda dos eixos e o título ‘linguagens de programação’.</a:t>
+              <a:t>Mediana</a:t>
             </a:r>
           </a:p>
         </p:txBody>
@@ -5217,7 +5505,7 @@
           <p:cNvPr id="3" name="Espaço Reservado para Conteúdo 2">
             <a:extLst>
               <a:ext uri="{FF2B5EF4-FFF2-40B4-BE49-F238E27FC236}">
-                <a16:creationId xmlns:a16="http://schemas.microsoft.com/office/drawing/2014/main" id="{AF16BC2C-13AC-C9D3-E742-B0B769854540}"/>
+                <a16:creationId xmlns:a16="http://schemas.microsoft.com/office/drawing/2014/main" id="{46C1AAFA-72DC-52EE-A40E-9FA8D1B21B2B}"/>
               </a:ext>
             </a:extLst>
           </p:cNvPr>
@@ -5228,337 +5516,38 @@
             <p:ph idx="1"/>
           </p:nvPr>
         </p:nvSpPr>
-        <p:spPr>
-          <a:xfrm>
-            <a:off x="838200" y="1944893"/>
-            <a:ext cx="10515600" cy="4351338"/>
-          </a:xfrm>
-        </p:spPr>
-        <p:txBody>
-          <a:bodyPr/>
-          <a:lstStyle/>
+        <p:spPr/>
+        <p:txBody>
+          <a:bodyPr/>
+          <a:lstStyle/>
+          <a:p>
+            <a:r>
+              <a:rPr lang="pt-BR" dirty="0"/>
+              <a:t>Vamos determinar a mediana do conjunto de dados.</a:t>
+            </a:r>
+          </a:p>
           <a:p>
             <a:pPr marL="0" indent="0">
               <a:buNone/>
             </a:pPr>
             <a:r>
-              <a:rPr lang="pt-BR" b="0" dirty="0" err="1">
-                <a:solidFill>
-                  <a:srgbClr val="000000"/>
-                </a:solidFill>
-                <a:effectLst/>
-                <a:latin typeface="Courier New" panose="02070309020205020404" pitchFamily="49" charset="0"/>
-              </a:rPr>
-              <a:t>langs</a:t>
-            </a:r>
-            <a:r>
-              <a:rPr lang="pt-BR" b="0" dirty="0">
-                <a:solidFill>
-                  <a:srgbClr val="000000"/>
-                </a:solidFill>
-                <a:effectLst/>
-                <a:latin typeface="Courier New" panose="02070309020205020404" pitchFamily="49" charset="0"/>
-              </a:rPr>
-              <a:t> = [</a:t>
-            </a:r>
-            <a:r>
-              <a:rPr lang="pt-BR" b="0" dirty="0">
-                <a:solidFill>
-                  <a:srgbClr val="A31515"/>
-                </a:solidFill>
-                <a:effectLst/>
-                <a:latin typeface="Courier New" panose="02070309020205020404" pitchFamily="49" charset="0"/>
-              </a:rPr>
-              <a:t>'C'</a:t>
-            </a:r>
-            <a:r>
-              <a:rPr lang="pt-BR" b="0" dirty="0">
-                <a:solidFill>
-                  <a:srgbClr val="000000"/>
-                </a:solidFill>
-                <a:effectLst/>
-                <a:latin typeface="Courier New" panose="02070309020205020404" pitchFamily="49" charset="0"/>
-              </a:rPr>
-              <a:t>,</a:t>
-            </a:r>
-            <a:r>
-              <a:rPr lang="pt-BR" b="0" dirty="0">
-                <a:solidFill>
-                  <a:srgbClr val="A31515"/>
-                </a:solidFill>
-                <a:effectLst/>
-                <a:latin typeface="Courier New" panose="02070309020205020404" pitchFamily="49" charset="0"/>
-              </a:rPr>
-              <a:t>'C++'</a:t>
-            </a:r>
-            <a:r>
-              <a:rPr lang="pt-BR" b="0" dirty="0">
-                <a:solidFill>
-                  <a:srgbClr val="000000"/>
-                </a:solidFill>
-                <a:effectLst/>
-                <a:latin typeface="Courier New" panose="02070309020205020404" pitchFamily="49" charset="0"/>
-              </a:rPr>
-              <a:t>,</a:t>
-            </a:r>
-            <a:r>
-              <a:rPr lang="pt-BR" b="0" dirty="0">
-                <a:solidFill>
-                  <a:srgbClr val="A31515"/>
-                </a:solidFill>
-                <a:effectLst/>
-                <a:latin typeface="Courier New" panose="02070309020205020404" pitchFamily="49" charset="0"/>
-              </a:rPr>
-              <a:t>'</a:t>
-            </a:r>
-            <a:r>
-              <a:rPr lang="pt-BR" b="0" dirty="0" err="1">
-                <a:solidFill>
-                  <a:srgbClr val="A31515"/>
-                </a:solidFill>
-                <a:effectLst/>
-                <a:latin typeface="Courier New" panose="02070309020205020404" pitchFamily="49" charset="0"/>
-              </a:rPr>
-              <a:t>Java'</a:t>
-            </a:r>
-            <a:r>
-              <a:rPr lang="pt-BR" b="0" dirty="0" err="1">
-                <a:solidFill>
-                  <a:srgbClr val="000000"/>
-                </a:solidFill>
-                <a:effectLst/>
-                <a:latin typeface="Courier New" panose="02070309020205020404" pitchFamily="49" charset="0"/>
-              </a:rPr>
-              <a:t>,</a:t>
-            </a:r>
-            <a:r>
-              <a:rPr lang="pt-BR" b="0" dirty="0" err="1">
-                <a:solidFill>
-                  <a:srgbClr val="A31515"/>
-                </a:solidFill>
-                <a:effectLst/>
-                <a:latin typeface="Courier New" panose="02070309020205020404" pitchFamily="49" charset="0"/>
-              </a:rPr>
-              <a:t>'Python'</a:t>
-            </a:r>
-            <a:r>
-              <a:rPr lang="pt-BR" b="0" dirty="0" err="1">
-                <a:solidFill>
-                  <a:srgbClr val="000000"/>
-                </a:solidFill>
-                <a:effectLst/>
-                <a:latin typeface="Courier New" panose="02070309020205020404" pitchFamily="49" charset="0"/>
-              </a:rPr>
-              <a:t>,</a:t>
-            </a:r>
-            <a:r>
-              <a:rPr lang="pt-BR" b="0" dirty="0" err="1">
-                <a:solidFill>
-                  <a:srgbClr val="A31515"/>
-                </a:solidFill>
-                <a:effectLst/>
-                <a:latin typeface="Courier New" panose="02070309020205020404" pitchFamily="49" charset="0"/>
-              </a:rPr>
-              <a:t>'PHP</a:t>
-            </a:r>
-            <a:r>
-              <a:rPr lang="pt-BR" b="0" dirty="0">
-                <a:solidFill>
-                  <a:srgbClr val="A31515"/>
-                </a:solidFill>
-                <a:effectLst/>
-                <a:latin typeface="Courier New" panose="02070309020205020404" pitchFamily="49" charset="0"/>
-              </a:rPr>
-              <a:t>'</a:t>
-            </a:r>
-            <a:r>
-              <a:rPr lang="pt-BR" b="0" dirty="0">
-                <a:solidFill>
-                  <a:srgbClr val="000000"/>
-                </a:solidFill>
-                <a:effectLst/>
-                <a:latin typeface="Courier New" panose="02070309020205020404" pitchFamily="49" charset="0"/>
-              </a:rPr>
-              <a:t>]</a:t>
+              <a:rPr lang="pt-BR" dirty="0"/>
+              <a:t>2,2,3,4,6,6,6,7,8,9.</a:t>
             </a:r>
           </a:p>
           <a:p>
             <a:pPr marL="0" indent="0">
               <a:buNone/>
             </a:pPr>
-            <a:r>
-              <a:rPr lang="pt-BR" b="0" dirty="0" err="1">
-                <a:solidFill>
-                  <a:srgbClr val="000000"/>
-                </a:solidFill>
-                <a:effectLst/>
-                <a:latin typeface="Courier New" panose="02070309020205020404" pitchFamily="49" charset="0"/>
-              </a:rPr>
-              <a:t>students</a:t>
-            </a:r>
-            <a:r>
-              <a:rPr lang="pt-BR" b="0" dirty="0">
-                <a:solidFill>
-                  <a:srgbClr val="000000"/>
-                </a:solidFill>
-                <a:effectLst/>
-                <a:latin typeface="Courier New" panose="02070309020205020404" pitchFamily="49" charset="0"/>
-              </a:rPr>
-              <a:t> = [</a:t>
-            </a:r>
-            <a:r>
-              <a:rPr lang="pt-BR" b="0" dirty="0">
-                <a:solidFill>
-                  <a:srgbClr val="09885A"/>
-                </a:solidFill>
-                <a:effectLst/>
-                <a:latin typeface="Courier New" panose="02070309020205020404" pitchFamily="49" charset="0"/>
-              </a:rPr>
-              <a:t>23</a:t>
-            </a:r>
-            <a:r>
-              <a:rPr lang="pt-BR" b="0" dirty="0">
-                <a:solidFill>
-                  <a:srgbClr val="000000"/>
-                </a:solidFill>
-                <a:effectLst/>
-                <a:latin typeface="Courier New" panose="02070309020205020404" pitchFamily="49" charset="0"/>
-              </a:rPr>
-              <a:t>,</a:t>
-            </a:r>
-            <a:r>
-              <a:rPr lang="pt-BR" b="0" dirty="0">
-                <a:solidFill>
-                  <a:srgbClr val="09885A"/>
-                </a:solidFill>
-                <a:effectLst/>
-                <a:latin typeface="Courier New" panose="02070309020205020404" pitchFamily="49" charset="0"/>
-              </a:rPr>
-              <a:t>17</a:t>
-            </a:r>
-            <a:r>
-              <a:rPr lang="pt-BR" b="0" dirty="0">
-                <a:solidFill>
-                  <a:srgbClr val="000000"/>
-                </a:solidFill>
-                <a:effectLst/>
-                <a:latin typeface="Courier New" panose="02070309020205020404" pitchFamily="49" charset="0"/>
-              </a:rPr>
-              <a:t>,</a:t>
-            </a:r>
-            <a:r>
-              <a:rPr lang="pt-BR" b="0" dirty="0">
-                <a:solidFill>
-                  <a:srgbClr val="09885A"/>
-                </a:solidFill>
-                <a:effectLst/>
-                <a:latin typeface="Courier New" panose="02070309020205020404" pitchFamily="49" charset="0"/>
-              </a:rPr>
-              <a:t>35</a:t>
-            </a:r>
-            <a:r>
-              <a:rPr lang="pt-BR" b="0" dirty="0">
-                <a:solidFill>
-                  <a:srgbClr val="000000"/>
-                </a:solidFill>
-                <a:effectLst/>
-                <a:latin typeface="Courier New" panose="02070309020205020404" pitchFamily="49" charset="0"/>
-              </a:rPr>
-              <a:t>,</a:t>
-            </a:r>
-            <a:r>
-              <a:rPr lang="pt-BR" b="0" dirty="0">
-                <a:solidFill>
-                  <a:srgbClr val="09885A"/>
-                </a:solidFill>
-                <a:effectLst/>
-                <a:latin typeface="Courier New" panose="02070309020205020404" pitchFamily="49" charset="0"/>
-              </a:rPr>
-              <a:t>29</a:t>
-            </a:r>
-            <a:r>
-              <a:rPr lang="pt-BR" b="0" dirty="0">
-                <a:solidFill>
-                  <a:srgbClr val="000000"/>
-                </a:solidFill>
-                <a:effectLst/>
-                <a:latin typeface="Courier New" panose="02070309020205020404" pitchFamily="49" charset="0"/>
-              </a:rPr>
-              <a:t>,</a:t>
-            </a:r>
-            <a:r>
-              <a:rPr lang="pt-BR" b="0" dirty="0">
-                <a:solidFill>
-                  <a:srgbClr val="09885A"/>
-                </a:solidFill>
-                <a:effectLst/>
-                <a:latin typeface="Courier New" panose="02070309020205020404" pitchFamily="49" charset="0"/>
-              </a:rPr>
-              <a:t>12</a:t>
-            </a:r>
-            <a:r>
-              <a:rPr lang="pt-BR" b="0" dirty="0">
-                <a:solidFill>
-                  <a:srgbClr val="000000"/>
-                </a:solidFill>
-                <a:effectLst/>
-                <a:latin typeface="Courier New" panose="02070309020205020404" pitchFamily="49" charset="0"/>
-              </a:rPr>
-              <a:t>]</a:t>
-            </a:r>
+            <a:endParaRPr lang="pt-BR" dirty="0"/>
           </a:p>
           <a:p>
             <a:pPr marL="0" indent="0">
               <a:buNone/>
             </a:pPr>
             <a:r>
-              <a:rPr lang="pt-BR" dirty="0" err="1">
-                <a:solidFill>
-                  <a:srgbClr val="000000"/>
-                </a:solidFill>
-                <a:latin typeface="Courier New" panose="02070309020205020404" pitchFamily="49" charset="0"/>
-              </a:rPr>
-              <a:t>plt</a:t>
-            </a:r>
-            <a:r>
-              <a:rPr lang="pt-BR" b="0" dirty="0" err="1">
-                <a:solidFill>
-                  <a:srgbClr val="000000"/>
-                </a:solidFill>
-                <a:effectLst/>
-                <a:latin typeface="Courier New" panose="02070309020205020404" pitchFamily="49" charset="0"/>
-              </a:rPr>
-              <a:t>.bar</a:t>
-            </a:r>
-            <a:r>
-              <a:rPr lang="pt-BR" b="0" dirty="0">
-                <a:solidFill>
-                  <a:srgbClr val="000000"/>
-                </a:solidFill>
-                <a:effectLst/>
-                <a:latin typeface="Courier New" panose="02070309020205020404" pitchFamily="49" charset="0"/>
-              </a:rPr>
-              <a:t>(</a:t>
-            </a:r>
-            <a:r>
-              <a:rPr lang="pt-BR" b="0" dirty="0" err="1">
-                <a:solidFill>
-                  <a:srgbClr val="000000"/>
-                </a:solidFill>
-                <a:effectLst/>
-                <a:latin typeface="Courier New" panose="02070309020205020404" pitchFamily="49" charset="0"/>
-              </a:rPr>
-              <a:t>langs,students</a:t>
-            </a:r>
-            <a:r>
-              <a:rPr lang="pt-BR" b="0" dirty="0">
-                <a:solidFill>
-                  <a:srgbClr val="000000"/>
-                </a:solidFill>
-                <a:effectLst/>
-                <a:latin typeface="Courier New" panose="02070309020205020404" pitchFamily="49" charset="0"/>
-              </a:rPr>
-              <a:t>)</a:t>
+              <a:rPr lang="pt-BR" dirty="0"/>
+              <a:t>A mediana do conjunto de dados é o valor que está no meio.</a:t>
             </a:r>
           </a:p>
           <a:p>
@@ -5566,28 +5555,47 @@
               <a:buNone/>
             </a:pPr>
             <a:r>
-              <a:rPr lang="pt-BR" b="0" dirty="0" err="1">
-                <a:solidFill>
-                  <a:srgbClr val="000000"/>
-                </a:solidFill>
-                <a:effectLst/>
-                <a:latin typeface="Courier New" panose="02070309020205020404" pitchFamily="49" charset="0"/>
-              </a:rPr>
-              <a:t>plt.show</a:t>
-            </a:r>
-            <a:r>
-              <a:rPr lang="pt-BR" b="0" dirty="0">
-                <a:solidFill>
-                  <a:srgbClr val="000000"/>
-                </a:solidFill>
-                <a:effectLst/>
-                <a:latin typeface="Courier New" panose="02070309020205020404" pitchFamily="49" charset="0"/>
-              </a:rPr>
-              <a:t>()</a:t>
-            </a:r>
-          </a:p>
-          <a:p>
-            <a:pPr lvl="1"/>
+              <a:rPr lang="pt-BR" b="1" dirty="0"/>
+              <a:t>2,2,3,4</a:t>
+            </a:r>
+            <a:r>
+              <a:rPr lang="pt-BR" dirty="0"/>
+              <a:t>, 6,6, </a:t>
+            </a:r>
+            <a:r>
+              <a:rPr lang="pt-BR" b="1" dirty="0"/>
+              <a:t>6,7,8,9</a:t>
+            </a:r>
+            <a:r>
+              <a:rPr lang="pt-BR" dirty="0"/>
+              <a:t>.</a:t>
+            </a:r>
+          </a:p>
+          <a:p>
+            <a:pPr marL="0" indent="0">
+              <a:buNone/>
+            </a:pPr>
+            <a:endParaRPr lang="pt-BR" dirty="0"/>
+          </a:p>
+          <a:p>
+            <a:pPr marL="0" indent="0">
+              <a:buNone/>
+            </a:pPr>
+            <a:r>
+              <a:rPr lang="pt-BR" dirty="0"/>
+              <a:t>Logo a mediana é o valor 6.</a:t>
+            </a:r>
+          </a:p>
+          <a:p>
+            <a:pPr marL="0" indent="0">
+              <a:buNone/>
+            </a:pPr>
+            <a:r>
+              <a:rPr lang="pt-BR" dirty="0"/>
+              <a:t>Observação: A média é 5.3</a:t>
+            </a:r>
+          </a:p>
+          <a:p>
             <a:endParaRPr lang="pt-BR" dirty="0"/>
           </a:p>
         </p:txBody>
@@ -5595,7 +5603,7 @@
     </p:spTree>
     <p:extLst>
       <p:ext uri="{BB962C8B-B14F-4D97-AF65-F5344CB8AC3E}">
-        <p14:creationId xmlns:p14="http://schemas.microsoft.com/office/powerpoint/2010/main" val="2300452410"/>
+        <p14:creationId xmlns:p14="http://schemas.microsoft.com/office/powerpoint/2010/main" val="1156071883"/>
       </p:ext>
     </p:extLst>
   </p:cSld>
@@ -5627,7 +5635,7 @@
           <p:cNvPr id="2" name="Título 1">
             <a:extLst>
               <a:ext uri="{FF2B5EF4-FFF2-40B4-BE49-F238E27FC236}">
-                <a16:creationId xmlns:a16="http://schemas.microsoft.com/office/drawing/2014/main" id="{07B29787-AE6C-6277-DDF9-8E3804544900}"/>
+                <a16:creationId xmlns:a16="http://schemas.microsoft.com/office/drawing/2014/main" id="{F439E606-A0EC-32FB-E019-989ECE8B3DFC}"/>
               </a:ext>
             </a:extLst>
           </p:cNvPr>
@@ -5639,23 +5647,17 @@
           </p:nvPr>
         </p:nvSpPr>
         <p:spPr>
-          <a:xfrm>
-            <a:off x="838200" y="365124"/>
-            <a:ext cx="10515600" cy="1755223"/>
-          </a:xfrm>
           <a:solidFill>
-            <a:srgbClr val="FFFF00"/>
+            <a:schemeClr val="accent6"/>
           </a:solidFill>
         </p:spPr>
         <p:txBody>
-          <a:bodyPr>
-            <a:normAutofit fontScale="90000"/>
-          </a:bodyPr>
+          <a:bodyPr/>
           <a:lstStyle/>
           <a:p>
             <a:r>
               <a:rPr lang="pt-BR" dirty="0"/>
-              <a:t>Exercício: mudar a quantidade de intervalos do histograma para 3 intervalos com espaçamento de 30. </a:t>
+              <a:t>Mediana</a:t>
             </a:r>
           </a:p>
         </p:txBody>
@@ -5665,7 +5667,7 @@
           <p:cNvPr id="3" name="Espaço Reservado para Conteúdo 2">
             <a:extLst>
               <a:ext uri="{FF2B5EF4-FFF2-40B4-BE49-F238E27FC236}">
-                <a16:creationId xmlns:a16="http://schemas.microsoft.com/office/drawing/2014/main" id="{AA593A94-A0E9-73A1-9AEA-499C5C12CFAC}"/>
+                <a16:creationId xmlns:a16="http://schemas.microsoft.com/office/drawing/2014/main" id="{9393B344-043A-6DD0-489C-D3809D082C56}"/>
               </a:ext>
             </a:extLst>
           </p:cNvPr>
@@ -5676,618 +5678,38 @@
             <p:ph idx="1"/>
           </p:nvPr>
         </p:nvSpPr>
-        <p:spPr>
-          <a:xfrm>
-            <a:off x="838200" y="2355706"/>
-            <a:ext cx="10515600" cy="4351338"/>
-          </a:xfrm>
-        </p:spPr>
-        <p:txBody>
-          <a:bodyPr>
-            <a:normAutofit/>
-          </a:bodyPr>
-          <a:lstStyle/>
+        <p:spPr/>
+        <p:txBody>
+          <a:bodyPr/>
+          <a:lstStyle/>
+          <a:p>
+            <a:r>
+              <a:rPr lang="pt-BR" dirty="0"/>
+              <a:t>Vamos determinar a mediana do conjunto de dados.</a:t>
+            </a:r>
+          </a:p>
           <a:p>
             <a:pPr marL="0" indent="0">
               <a:buNone/>
             </a:pPr>
             <a:r>
-              <a:rPr lang="pt-BR" b="0" dirty="0">
-                <a:solidFill>
-                  <a:srgbClr val="000000"/>
-                </a:solidFill>
-                <a:effectLst/>
-                <a:latin typeface="Courier New" panose="02070309020205020404" pitchFamily="49" charset="0"/>
-              </a:rPr>
-              <a:t>a = </a:t>
-            </a:r>
-            <a:r>
-              <a:rPr lang="pt-BR" b="0" dirty="0" err="1">
-                <a:solidFill>
-                  <a:srgbClr val="000000"/>
-                </a:solidFill>
-                <a:effectLst/>
-                <a:latin typeface="Courier New" panose="02070309020205020404" pitchFamily="49" charset="0"/>
-              </a:rPr>
-              <a:t>np.array</a:t>
-            </a:r>
-            <a:r>
-              <a:rPr lang="pt-BR" b="0" dirty="0">
-                <a:solidFill>
-                  <a:srgbClr val="000000"/>
-                </a:solidFill>
-                <a:effectLst/>
-                <a:latin typeface="Courier New" panose="02070309020205020404" pitchFamily="49" charset="0"/>
-              </a:rPr>
-              <a:t>([</a:t>
-            </a:r>
-            <a:r>
-              <a:rPr lang="pt-BR" b="0" dirty="0">
-                <a:solidFill>
-                  <a:srgbClr val="09885A"/>
-                </a:solidFill>
-                <a:effectLst/>
-                <a:latin typeface="Courier New" panose="02070309020205020404" pitchFamily="49" charset="0"/>
-              </a:rPr>
-              <a:t>22</a:t>
-            </a:r>
-            <a:r>
-              <a:rPr lang="pt-BR" b="0" dirty="0">
-                <a:solidFill>
-                  <a:srgbClr val="000000"/>
-                </a:solidFill>
-                <a:effectLst/>
-                <a:latin typeface="Courier New" panose="02070309020205020404" pitchFamily="49" charset="0"/>
-              </a:rPr>
-              <a:t>,</a:t>
-            </a:r>
-            <a:r>
-              <a:rPr lang="pt-BR" b="0" dirty="0">
-                <a:solidFill>
-                  <a:srgbClr val="09885A"/>
-                </a:solidFill>
-                <a:effectLst/>
-                <a:latin typeface="Courier New" panose="02070309020205020404" pitchFamily="49" charset="0"/>
-              </a:rPr>
-              <a:t>87</a:t>
-            </a:r>
-            <a:r>
-              <a:rPr lang="pt-BR" b="0" dirty="0">
-                <a:solidFill>
-                  <a:srgbClr val="000000"/>
-                </a:solidFill>
-                <a:effectLst/>
-                <a:latin typeface="Courier New" panose="02070309020205020404" pitchFamily="49" charset="0"/>
-              </a:rPr>
-              <a:t>,</a:t>
-            </a:r>
-            <a:r>
-              <a:rPr lang="pt-BR" b="0" dirty="0">
-                <a:solidFill>
-                  <a:srgbClr val="09885A"/>
-                </a:solidFill>
-                <a:effectLst/>
-                <a:latin typeface="Courier New" panose="02070309020205020404" pitchFamily="49" charset="0"/>
-              </a:rPr>
-              <a:t>5</a:t>
-            </a:r>
-            <a:r>
-              <a:rPr lang="pt-BR" b="0" dirty="0">
-                <a:solidFill>
-                  <a:srgbClr val="000000"/>
-                </a:solidFill>
-                <a:effectLst/>
-                <a:latin typeface="Courier New" panose="02070309020205020404" pitchFamily="49" charset="0"/>
-              </a:rPr>
-              <a:t>,</a:t>
-            </a:r>
-            <a:r>
-              <a:rPr lang="pt-BR" b="0" dirty="0">
-                <a:solidFill>
-                  <a:srgbClr val="09885A"/>
-                </a:solidFill>
-                <a:effectLst/>
-                <a:latin typeface="Courier New" panose="02070309020205020404" pitchFamily="49" charset="0"/>
-              </a:rPr>
-              <a:t>43</a:t>
-            </a:r>
-            <a:r>
-              <a:rPr lang="pt-BR" b="0" dirty="0">
-                <a:solidFill>
-                  <a:srgbClr val="000000"/>
-                </a:solidFill>
-                <a:effectLst/>
-                <a:latin typeface="Courier New" panose="02070309020205020404" pitchFamily="49" charset="0"/>
-              </a:rPr>
-              <a:t>,</a:t>
-            </a:r>
-            <a:r>
-              <a:rPr lang="pt-BR" b="0" dirty="0">
-                <a:solidFill>
-                  <a:srgbClr val="09885A"/>
-                </a:solidFill>
-                <a:effectLst/>
-                <a:latin typeface="Courier New" panose="02070309020205020404" pitchFamily="49" charset="0"/>
-              </a:rPr>
-              <a:t>56</a:t>
-            </a:r>
-            <a:r>
-              <a:rPr lang="pt-BR" b="0" dirty="0">
-                <a:solidFill>
-                  <a:srgbClr val="000000"/>
-                </a:solidFill>
-                <a:effectLst/>
-                <a:latin typeface="Courier New" panose="02070309020205020404" pitchFamily="49" charset="0"/>
-              </a:rPr>
-              <a:t>,</a:t>
-            </a:r>
-            <a:r>
-              <a:rPr lang="pt-BR" b="0" dirty="0">
-                <a:solidFill>
-                  <a:srgbClr val="09885A"/>
-                </a:solidFill>
-                <a:effectLst/>
-                <a:latin typeface="Courier New" panose="02070309020205020404" pitchFamily="49" charset="0"/>
-              </a:rPr>
-              <a:t>73</a:t>
-            </a:r>
-            <a:r>
-              <a:rPr lang="pt-BR" b="0" dirty="0">
-                <a:solidFill>
-                  <a:srgbClr val="000000"/>
-                </a:solidFill>
-                <a:effectLst/>
-                <a:latin typeface="Courier New" panose="02070309020205020404" pitchFamily="49" charset="0"/>
-              </a:rPr>
-              <a:t>,</a:t>
-            </a:r>
-            <a:r>
-              <a:rPr lang="pt-BR" b="0" dirty="0">
-                <a:solidFill>
-                  <a:srgbClr val="09885A"/>
-                </a:solidFill>
-                <a:effectLst/>
-                <a:latin typeface="Courier New" panose="02070309020205020404" pitchFamily="49" charset="0"/>
-              </a:rPr>
-              <a:t>55</a:t>
-            </a:r>
-            <a:r>
-              <a:rPr lang="pt-BR" b="0" dirty="0">
-                <a:solidFill>
-                  <a:srgbClr val="000000"/>
-                </a:solidFill>
-                <a:effectLst/>
-                <a:latin typeface="Courier New" panose="02070309020205020404" pitchFamily="49" charset="0"/>
-              </a:rPr>
-              <a:t>,</a:t>
-            </a:r>
-            <a:r>
-              <a:rPr lang="pt-BR" b="0" dirty="0">
-                <a:solidFill>
-                  <a:srgbClr val="09885A"/>
-                </a:solidFill>
-                <a:effectLst/>
-                <a:latin typeface="Courier New" panose="02070309020205020404" pitchFamily="49" charset="0"/>
-              </a:rPr>
-              <a:t>54</a:t>
-            </a:r>
-            <a:r>
-              <a:rPr lang="pt-BR" b="0" dirty="0">
-                <a:solidFill>
-                  <a:srgbClr val="000000"/>
-                </a:solidFill>
-                <a:effectLst/>
-                <a:latin typeface="Courier New" panose="02070309020205020404" pitchFamily="49" charset="0"/>
-              </a:rPr>
-              <a:t>,</a:t>
-            </a:r>
-            <a:r>
-              <a:rPr lang="pt-BR" b="0" dirty="0">
-                <a:solidFill>
-                  <a:srgbClr val="09885A"/>
-                </a:solidFill>
-                <a:effectLst/>
-                <a:latin typeface="Courier New" panose="02070309020205020404" pitchFamily="49" charset="0"/>
-              </a:rPr>
-              <a:t>11</a:t>
-            </a:r>
-            <a:r>
-              <a:rPr lang="pt-BR" b="0" dirty="0">
-                <a:solidFill>
-                  <a:srgbClr val="000000"/>
-                </a:solidFill>
-                <a:effectLst/>
-                <a:latin typeface="Courier New" panose="02070309020205020404" pitchFamily="49" charset="0"/>
-              </a:rPr>
-              <a:t>,</a:t>
-            </a:r>
-            <a:r>
-              <a:rPr lang="pt-BR" b="0" dirty="0">
-                <a:solidFill>
-                  <a:srgbClr val="09885A"/>
-                </a:solidFill>
-                <a:effectLst/>
-                <a:latin typeface="Courier New" panose="02070309020205020404" pitchFamily="49" charset="0"/>
-              </a:rPr>
-              <a:t>20</a:t>
-            </a:r>
-            <a:r>
-              <a:rPr lang="pt-BR" b="0" dirty="0">
-                <a:solidFill>
-                  <a:srgbClr val="000000"/>
-                </a:solidFill>
-                <a:effectLst/>
-                <a:latin typeface="Courier New" panose="02070309020205020404" pitchFamily="49" charset="0"/>
-              </a:rPr>
-              <a:t>,</a:t>
-            </a:r>
-            <a:r>
-              <a:rPr lang="pt-BR" b="0" dirty="0">
-                <a:solidFill>
-                  <a:srgbClr val="09885A"/>
-                </a:solidFill>
-                <a:effectLst/>
-                <a:latin typeface="Courier New" panose="02070309020205020404" pitchFamily="49" charset="0"/>
-              </a:rPr>
-              <a:t>51</a:t>
-            </a:r>
-            <a:r>
-              <a:rPr lang="pt-BR" b="0" dirty="0">
-                <a:solidFill>
-                  <a:srgbClr val="000000"/>
-                </a:solidFill>
-                <a:effectLst/>
-                <a:latin typeface="Courier New" panose="02070309020205020404" pitchFamily="49" charset="0"/>
-              </a:rPr>
-              <a:t>,</a:t>
-            </a:r>
-            <a:r>
-              <a:rPr lang="pt-BR" b="0" dirty="0">
-                <a:solidFill>
-                  <a:srgbClr val="09885A"/>
-                </a:solidFill>
-                <a:effectLst/>
-                <a:latin typeface="Courier New" panose="02070309020205020404" pitchFamily="49" charset="0"/>
-              </a:rPr>
-              <a:t>5</a:t>
-            </a:r>
-            <a:r>
-              <a:rPr lang="pt-BR" b="0" dirty="0">
-                <a:solidFill>
-                  <a:srgbClr val="000000"/>
-                </a:solidFill>
-                <a:effectLst/>
-                <a:latin typeface="Courier New" panose="02070309020205020404" pitchFamily="49" charset="0"/>
-              </a:rPr>
-              <a:t>,</a:t>
-            </a:r>
-            <a:r>
-              <a:rPr lang="pt-BR" b="0" dirty="0">
-                <a:solidFill>
-                  <a:srgbClr val="09885A"/>
-                </a:solidFill>
-                <a:effectLst/>
-                <a:latin typeface="Courier New" panose="02070309020205020404" pitchFamily="49" charset="0"/>
-              </a:rPr>
-              <a:t>79</a:t>
-            </a:r>
-            <a:r>
-              <a:rPr lang="pt-BR" b="0" dirty="0">
-                <a:solidFill>
-                  <a:srgbClr val="000000"/>
-                </a:solidFill>
-                <a:effectLst/>
-                <a:latin typeface="Courier New" panose="02070309020205020404" pitchFamily="49" charset="0"/>
-              </a:rPr>
-              <a:t>,</a:t>
-            </a:r>
-            <a:r>
-              <a:rPr lang="pt-BR" b="0" dirty="0">
-                <a:solidFill>
-                  <a:srgbClr val="09885A"/>
-                </a:solidFill>
-                <a:effectLst/>
-                <a:latin typeface="Courier New" panose="02070309020205020404" pitchFamily="49" charset="0"/>
-              </a:rPr>
-              <a:t>31</a:t>
-            </a:r>
-            <a:r>
-              <a:rPr lang="pt-BR" b="0" dirty="0">
-                <a:solidFill>
-                  <a:srgbClr val="000000"/>
-                </a:solidFill>
-                <a:effectLst/>
-                <a:latin typeface="Courier New" panose="02070309020205020404" pitchFamily="49" charset="0"/>
-              </a:rPr>
-              <a:t>,</a:t>
-            </a:r>
-            <a:r>
-              <a:rPr lang="pt-BR" b="0" dirty="0">
-                <a:solidFill>
-                  <a:srgbClr val="09885A"/>
-                </a:solidFill>
-                <a:effectLst/>
-                <a:latin typeface="Courier New" panose="02070309020205020404" pitchFamily="49" charset="0"/>
-              </a:rPr>
-              <a:t>27</a:t>
-            </a:r>
-            <a:r>
-              <a:rPr lang="pt-BR" b="0" dirty="0">
-                <a:solidFill>
-                  <a:srgbClr val="000000"/>
-                </a:solidFill>
-                <a:effectLst/>
-                <a:latin typeface="Courier New" panose="02070309020205020404" pitchFamily="49" charset="0"/>
-              </a:rPr>
-              <a:t>])</a:t>
+              <a:rPr lang="pt-BR" dirty="0"/>
+              <a:t>2,2,3,4,6,7,8,9,10.</a:t>
             </a:r>
           </a:p>
           <a:p>
             <a:pPr marL="0" indent="0">
               <a:buNone/>
             </a:pPr>
-            <a:r>
-              <a:rPr lang="pt-BR" dirty="0" err="1">
-                <a:solidFill>
-                  <a:srgbClr val="000000"/>
-                </a:solidFill>
-                <a:latin typeface="Courier New" panose="02070309020205020404" pitchFamily="49" charset="0"/>
-              </a:rPr>
-              <a:t>plt</a:t>
-            </a:r>
-            <a:r>
-              <a:rPr lang="pt-BR" b="0" dirty="0" err="1">
-                <a:solidFill>
-                  <a:srgbClr val="000000"/>
-                </a:solidFill>
-                <a:effectLst/>
-                <a:latin typeface="Courier New" panose="02070309020205020404" pitchFamily="49" charset="0"/>
-              </a:rPr>
-              <a:t>.hist</a:t>
-            </a:r>
-            <a:r>
-              <a:rPr lang="pt-BR" b="0" dirty="0">
-                <a:solidFill>
-                  <a:srgbClr val="000000"/>
-                </a:solidFill>
-                <a:effectLst/>
-                <a:latin typeface="Courier New" panose="02070309020205020404" pitchFamily="49" charset="0"/>
-              </a:rPr>
-              <a:t>(a, </a:t>
-            </a:r>
-            <a:r>
-              <a:rPr lang="pt-BR" b="0" dirty="0" err="1">
-                <a:solidFill>
-                  <a:srgbClr val="000000"/>
-                </a:solidFill>
-                <a:effectLst/>
-                <a:latin typeface="Courier New" panose="02070309020205020404" pitchFamily="49" charset="0"/>
-              </a:rPr>
-              <a:t>bins</a:t>
-            </a:r>
-            <a:r>
-              <a:rPr lang="pt-BR" b="0" dirty="0">
-                <a:solidFill>
-                  <a:srgbClr val="000000"/>
-                </a:solidFill>
-                <a:effectLst/>
-                <a:latin typeface="Courier New" panose="02070309020205020404" pitchFamily="49" charset="0"/>
-              </a:rPr>
-              <a:t> = [</a:t>
-            </a:r>
-            <a:r>
-              <a:rPr lang="pt-BR" b="0" dirty="0">
-                <a:solidFill>
-                  <a:srgbClr val="09885A"/>
-                </a:solidFill>
-                <a:effectLst/>
-                <a:latin typeface="Courier New" panose="02070309020205020404" pitchFamily="49" charset="0"/>
-              </a:rPr>
-              <a:t>0</a:t>
-            </a:r>
-            <a:r>
-              <a:rPr lang="pt-BR" b="0" dirty="0">
-                <a:solidFill>
-                  <a:srgbClr val="000000"/>
-                </a:solidFill>
-                <a:effectLst/>
-                <a:latin typeface="Courier New" panose="02070309020205020404" pitchFamily="49" charset="0"/>
-              </a:rPr>
-              <a:t>,</a:t>
-            </a:r>
-            <a:r>
-              <a:rPr lang="pt-BR" b="0" dirty="0">
-                <a:solidFill>
-                  <a:srgbClr val="09885A"/>
-                </a:solidFill>
-                <a:effectLst/>
-                <a:latin typeface="Courier New" panose="02070309020205020404" pitchFamily="49" charset="0"/>
-              </a:rPr>
-              <a:t>25</a:t>
-            </a:r>
-            <a:r>
-              <a:rPr lang="pt-BR" b="0" dirty="0">
-                <a:solidFill>
-                  <a:srgbClr val="000000"/>
-                </a:solidFill>
-                <a:effectLst/>
-                <a:latin typeface="Courier New" panose="02070309020205020404" pitchFamily="49" charset="0"/>
-              </a:rPr>
-              <a:t>,</a:t>
-            </a:r>
-            <a:r>
-              <a:rPr lang="pt-BR" b="0" dirty="0">
-                <a:solidFill>
-                  <a:srgbClr val="09885A"/>
-                </a:solidFill>
-                <a:effectLst/>
-                <a:latin typeface="Courier New" panose="02070309020205020404" pitchFamily="49" charset="0"/>
-              </a:rPr>
-              <a:t>50</a:t>
-            </a:r>
-            <a:r>
-              <a:rPr lang="pt-BR" b="0" dirty="0">
-                <a:solidFill>
-                  <a:srgbClr val="000000"/>
-                </a:solidFill>
-                <a:effectLst/>
-                <a:latin typeface="Courier New" panose="02070309020205020404" pitchFamily="49" charset="0"/>
-              </a:rPr>
-              <a:t>,</a:t>
-            </a:r>
-            <a:r>
-              <a:rPr lang="pt-BR" b="0" dirty="0">
-                <a:solidFill>
-                  <a:srgbClr val="09885A"/>
-                </a:solidFill>
-                <a:effectLst/>
-                <a:latin typeface="Courier New" panose="02070309020205020404" pitchFamily="49" charset="0"/>
-              </a:rPr>
-              <a:t>75</a:t>
-            </a:r>
-            <a:r>
-              <a:rPr lang="pt-BR" b="0" dirty="0">
-                <a:solidFill>
-                  <a:srgbClr val="000000"/>
-                </a:solidFill>
-                <a:effectLst/>
-                <a:latin typeface="Courier New" panose="02070309020205020404" pitchFamily="49" charset="0"/>
-              </a:rPr>
-              <a:t>,</a:t>
-            </a:r>
-            <a:r>
-              <a:rPr lang="pt-BR" b="0" dirty="0">
-                <a:solidFill>
-                  <a:srgbClr val="09885A"/>
-                </a:solidFill>
-                <a:effectLst/>
-                <a:latin typeface="Courier New" panose="02070309020205020404" pitchFamily="49" charset="0"/>
-              </a:rPr>
-              <a:t>100</a:t>
-            </a:r>
-            <a:r>
-              <a:rPr lang="pt-BR" b="0" dirty="0">
-                <a:solidFill>
-                  <a:srgbClr val="000000"/>
-                </a:solidFill>
-                <a:effectLst/>
-                <a:latin typeface="Courier New" panose="02070309020205020404" pitchFamily="49" charset="0"/>
-              </a:rPr>
-              <a:t>])</a:t>
-            </a:r>
+            <a:endParaRPr lang="pt-BR" dirty="0"/>
           </a:p>
           <a:p>
             <a:pPr marL="0" indent="0">
               <a:buNone/>
             </a:pPr>
             <a:r>
-              <a:rPr lang="pt-BR" dirty="0" err="1">
-                <a:solidFill>
-                  <a:srgbClr val="000000"/>
-                </a:solidFill>
-                <a:latin typeface="Courier New" panose="02070309020205020404" pitchFamily="49" charset="0"/>
-              </a:rPr>
-              <a:t>plt</a:t>
-            </a:r>
-            <a:r>
-              <a:rPr lang="pt-BR" b="0" dirty="0" err="1">
-                <a:solidFill>
-                  <a:srgbClr val="000000"/>
-                </a:solidFill>
-                <a:effectLst/>
-                <a:latin typeface="Courier New" panose="02070309020205020404" pitchFamily="49" charset="0"/>
-              </a:rPr>
-              <a:t>.set_title</a:t>
-            </a:r>
-            <a:r>
-              <a:rPr lang="pt-BR" b="0" dirty="0">
-                <a:solidFill>
-                  <a:srgbClr val="000000"/>
-                </a:solidFill>
-                <a:effectLst/>
-                <a:latin typeface="Courier New" panose="02070309020205020404" pitchFamily="49" charset="0"/>
-              </a:rPr>
-              <a:t>(</a:t>
-            </a:r>
-            <a:r>
-              <a:rPr lang="pt-BR" b="0" dirty="0">
-                <a:solidFill>
-                  <a:srgbClr val="A31515"/>
-                </a:solidFill>
-                <a:effectLst/>
-                <a:latin typeface="Courier New" panose="02070309020205020404" pitchFamily="49" charset="0"/>
-              </a:rPr>
-              <a:t>"</a:t>
-            </a:r>
-            <a:r>
-              <a:rPr lang="pt-BR" b="0" dirty="0" err="1">
-                <a:solidFill>
-                  <a:srgbClr val="A31515"/>
-                </a:solidFill>
-                <a:effectLst/>
-                <a:latin typeface="Courier New" panose="02070309020205020404" pitchFamily="49" charset="0"/>
-              </a:rPr>
-              <a:t>histogram</a:t>
-            </a:r>
-            <a:r>
-              <a:rPr lang="pt-BR" b="0" dirty="0">
-                <a:solidFill>
-                  <a:srgbClr val="A31515"/>
-                </a:solidFill>
-                <a:effectLst/>
-                <a:latin typeface="Courier New" panose="02070309020205020404" pitchFamily="49" charset="0"/>
-              </a:rPr>
-              <a:t> </a:t>
-            </a:r>
-            <a:r>
-              <a:rPr lang="pt-BR" b="0" dirty="0" err="1">
-                <a:solidFill>
-                  <a:srgbClr val="A31515"/>
-                </a:solidFill>
-                <a:effectLst/>
-                <a:latin typeface="Courier New" panose="02070309020205020404" pitchFamily="49" charset="0"/>
-              </a:rPr>
-              <a:t>of</a:t>
-            </a:r>
-            <a:r>
-              <a:rPr lang="pt-BR" b="0" dirty="0">
-                <a:solidFill>
-                  <a:srgbClr val="A31515"/>
-                </a:solidFill>
-                <a:effectLst/>
-                <a:latin typeface="Courier New" panose="02070309020205020404" pitchFamily="49" charset="0"/>
-              </a:rPr>
-              <a:t> </a:t>
-            </a:r>
-            <a:r>
-              <a:rPr lang="pt-BR" b="0" dirty="0" err="1">
-                <a:solidFill>
-                  <a:srgbClr val="A31515"/>
-                </a:solidFill>
-                <a:effectLst/>
-                <a:latin typeface="Courier New" panose="02070309020205020404" pitchFamily="49" charset="0"/>
-              </a:rPr>
-              <a:t>result</a:t>
-            </a:r>
-            <a:r>
-              <a:rPr lang="pt-BR" b="0" dirty="0">
-                <a:solidFill>
-                  <a:srgbClr val="A31515"/>
-                </a:solidFill>
-                <a:effectLst/>
-                <a:latin typeface="Courier New" panose="02070309020205020404" pitchFamily="49" charset="0"/>
-              </a:rPr>
-              <a:t>"</a:t>
-            </a:r>
-            <a:r>
-              <a:rPr lang="pt-BR" b="0" dirty="0">
-                <a:solidFill>
-                  <a:srgbClr val="000000"/>
-                </a:solidFill>
-                <a:effectLst/>
-                <a:latin typeface="Courier New" panose="02070309020205020404" pitchFamily="49" charset="0"/>
-              </a:rPr>
-              <a:t>)</a:t>
+              <a:rPr lang="pt-BR" dirty="0"/>
+              <a:t>A mediana do conjunto de dados é o valor que está no meio.</a:t>
             </a:r>
           </a:p>
           <a:p>
@@ -6295,301 +5717,35 @@
               <a:buNone/>
             </a:pPr>
             <a:r>
-              <a:rPr lang="pt-BR" dirty="0" err="1">
-                <a:solidFill>
-                  <a:srgbClr val="000000"/>
-                </a:solidFill>
-                <a:latin typeface="Courier New" panose="02070309020205020404" pitchFamily="49" charset="0"/>
-              </a:rPr>
-              <a:t>plt</a:t>
-            </a:r>
-            <a:r>
-              <a:rPr lang="pt-BR" b="0" dirty="0" err="1">
-                <a:solidFill>
-                  <a:srgbClr val="000000"/>
-                </a:solidFill>
-                <a:effectLst/>
-                <a:latin typeface="Courier New" panose="02070309020205020404" pitchFamily="49" charset="0"/>
-              </a:rPr>
-              <a:t>.set_xticks</a:t>
-            </a:r>
-            <a:r>
-              <a:rPr lang="pt-BR" b="0" dirty="0">
-                <a:solidFill>
-                  <a:srgbClr val="000000"/>
-                </a:solidFill>
-                <a:effectLst/>
-                <a:latin typeface="Courier New" panose="02070309020205020404" pitchFamily="49" charset="0"/>
-              </a:rPr>
-              <a:t>([</a:t>
-            </a:r>
-            <a:r>
-              <a:rPr lang="pt-BR" b="0" dirty="0">
-                <a:solidFill>
-                  <a:srgbClr val="09885A"/>
-                </a:solidFill>
-                <a:effectLst/>
-                <a:latin typeface="Courier New" panose="02070309020205020404" pitchFamily="49" charset="0"/>
-              </a:rPr>
-              <a:t>0</a:t>
-            </a:r>
-            <a:r>
-              <a:rPr lang="pt-BR" b="0" dirty="0">
-                <a:solidFill>
-                  <a:srgbClr val="000000"/>
-                </a:solidFill>
-                <a:effectLst/>
-                <a:latin typeface="Courier New" panose="02070309020205020404" pitchFamily="49" charset="0"/>
-              </a:rPr>
-              <a:t>,</a:t>
-            </a:r>
-            <a:r>
-              <a:rPr lang="pt-BR" b="0" dirty="0">
-                <a:solidFill>
-                  <a:srgbClr val="09885A"/>
-                </a:solidFill>
-                <a:effectLst/>
-                <a:latin typeface="Courier New" panose="02070309020205020404" pitchFamily="49" charset="0"/>
-              </a:rPr>
-              <a:t>25</a:t>
-            </a:r>
-            <a:r>
-              <a:rPr lang="pt-BR" b="0" dirty="0">
-                <a:solidFill>
-                  <a:srgbClr val="000000"/>
-                </a:solidFill>
-                <a:effectLst/>
-                <a:latin typeface="Courier New" panose="02070309020205020404" pitchFamily="49" charset="0"/>
-              </a:rPr>
-              <a:t>,</a:t>
-            </a:r>
-            <a:r>
-              <a:rPr lang="pt-BR" b="0" dirty="0">
-                <a:solidFill>
-                  <a:srgbClr val="09885A"/>
-                </a:solidFill>
-                <a:effectLst/>
-                <a:latin typeface="Courier New" panose="02070309020205020404" pitchFamily="49" charset="0"/>
-              </a:rPr>
-              <a:t>50</a:t>
-            </a:r>
-            <a:r>
-              <a:rPr lang="pt-BR" b="0" dirty="0">
-                <a:solidFill>
-                  <a:srgbClr val="000000"/>
-                </a:solidFill>
-                <a:effectLst/>
-                <a:latin typeface="Courier New" panose="02070309020205020404" pitchFamily="49" charset="0"/>
-              </a:rPr>
-              <a:t>,</a:t>
-            </a:r>
-            <a:r>
-              <a:rPr lang="pt-BR" b="0" dirty="0">
-                <a:solidFill>
-                  <a:srgbClr val="09885A"/>
-                </a:solidFill>
-                <a:effectLst/>
-                <a:latin typeface="Courier New" panose="02070309020205020404" pitchFamily="49" charset="0"/>
-              </a:rPr>
-              <a:t>75</a:t>
-            </a:r>
-            <a:r>
-              <a:rPr lang="pt-BR" b="0" dirty="0">
-                <a:solidFill>
-                  <a:srgbClr val="000000"/>
-                </a:solidFill>
-                <a:effectLst/>
-                <a:latin typeface="Courier New" panose="02070309020205020404" pitchFamily="49" charset="0"/>
-              </a:rPr>
-              <a:t>,</a:t>
-            </a:r>
-            <a:r>
-              <a:rPr lang="pt-BR" b="0" dirty="0">
-                <a:solidFill>
-                  <a:srgbClr val="09885A"/>
-                </a:solidFill>
-                <a:effectLst/>
-                <a:latin typeface="Courier New" panose="02070309020205020404" pitchFamily="49" charset="0"/>
-              </a:rPr>
-              <a:t>100</a:t>
-            </a:r>
-            <a:r>
-              <a:rPr lang="pt-BR" b="0" dirty="0">
-                <a:solidFill>
-                  <a:srgbClr val="000000"/>
-                </a:solidFill>
-                <a:effectLst/>
-                <a:latin typeface="Courier New" panose="02070309020205020404" pitchFamily="49" charset="0"/>
-              </a:rPr>
-              <a:t>])</a:t>
+              <a:rPr lang="pt-BR" b="1" dirty="0"/>
+              <a:t>2,2,3,4</a:t>
+            </a:r>
+            <a:r>
+              <a:rPr lang="pt-BR" dirty="0"/>
+              <a:t>, 6 </a:t>
+            </a:r>
+            <a:r>
+              <a:rPr lang="pt-BR" b="1" dirty="0"/>
+              <a:t>,7,8,9,10</a:t>
+            </a:r>
+            <a:r>
+              <a:rPr lang="pt-BR" dirty="0"/>
+              <a:t>.</a:t>
             </a:r>
           </a:p>
           <a:p>
             <a:pPr marL="0" indent="0">
               <a:buNone/>
             </a:pPr>
-            <a:r>
-              <a:rPr lang="pt-BR" dirty="0" err="1">
-                <a:solidFill>
-                  <a:srgbClr val="000000"/>
-                </a:solidFill>
-                <a:latin typeface="Courier New" panose="02070309020205020404" pitchFamily="49" charset="0"/>
-              </a:rPr>
-              <a:t>plt</a:t>
-            </a:r>
-            <a:r>
-              <a:rPr lang="pt-BR" b="0" dirty="0" err="1">
-                <a:solidFill>
-                  <a:srgbClr val="000000"/>
-                </a:solidFill>
-                <a:effectLst/>
-                <a:latin typeface="Courier New" panose="02070309020205020404" pitchFamily="49" charset="0"/>
-              </a:rPr>
-              <a:t>.set_xlabel</a:t>
-            </a:r>
-            <a:r>
-              <a:rPr lang="pt-BR" b="0" dirty="0">
-                <a:solidFill>
-                  <a:srgbClr val="000000"/>
-                </a:solidFill>
-                <a:effectLst/>
-                <a:latin typeface="Courier New" panose="02070309020205020404" pitchFamily="49" charset="0"/>
-              </a:rPr>
-              <a:t>(</a:t>
-            </a:r>
-            <a:r>
-              <a:rPr lang="pt-BR" b="0" dirty="0">
-                <a:solidFill>
-                  <a:srgbClr val="A31515"/>
-                </a:solidFill>
-                <a:effectLst/>
-                <a:latin typeface="Courier New" panose="02070309020205020404" pitchFamily="49" charset="0"/>
-              </a:rPr>
-              <a:t>'</a:t>
-            </a:r>
-            <a:r>
-              <a:rPr lang="pt-BR" b="0" dirty="0" err="1">
-                <a:solidFill>
-                  <a:srgbClr val="A31515"/>
-                </a:solidFill>
-                <a:effectLst/>
-                <a:latin typeface="Courier New" panose="02070309020205020404" pitchFamily="49" charset="0"/>
-              </a:rPr>
-              <a:t>marks</a:t>
-            </a:r>
-            <a:r>
-              <a:rPr lang="pt-BR" b="0" dirty="0">
-                <a:solidFill>
-                  <a:srgbClr val="A31515"/>
-                </a:solidFill>
-                <a:effectLst/>
-                <a:latin typeface="Courier New" panose="02070309020205020404" pitchFamily="49" charset="0"/>
-              </a:rPr>
-              <a:t>’</a:t>
-            </a:r>
-            <a:r>
-              <a:rPr lang="pt-BR" b="0" dirty="0">
-                <a:solidFill>
-                  <a:srgbClr val="000000"/>
-                </a:solidFill>
-                <a:effectLst/>
-                <a:latin typeface="Courier New" panose="02070309020205020404" pitchFamily="49" charset="0"/>
-              </a:rPr>
-              <a:t>)</a:t>
-            </a:r>
+            <a:endParaRPr lang="pt-BR" dirty="0"/>
           </a:p>
           <a:p>
             <a:pPr marL="0" indent="0">
               <a:buNone/>
             </a:pPr>
             <a:r>
-              <a:rPr lang="pt-BR" dirty="0" err="1">
-                <a:solidFill>
-                  <a:srgbClr val="000000"/>
-                </a:solidFill>
-                <a:latin typeface="Courier New" panose="02070309020205020404" pitchFamily="49" charset="0"/>
-              </a:rPr>
-              <a:t>plt</a:t>
-            </a:r>
-            <a:r>
-              <a:rPr lang="pt-BR" b="0" dirty="0" err="1">
-                <a:solidFill>
-                  <a:srgbClr val="000000"/>
-                </a:solidFill>
-                <a:effectLst/>
-                <a:latin typeface="Courier New" panose="02070309020205020404" pitchFamily="49" charset="0"/>
-              </a:rPr>
-              <a:t>.set_ylabel</a:t>
-            </a:r>
-            <a:r>
-              <a:rPr lang="pt-BR" b="0" dirty="0">
-                <a:solidFill>
-                  <a:srgbClr val="000000"/>
-                </a:solidFill>
-                <a:effectLst/>
-                <a:latin typeface="Courier New" panose="02070309020205020404" pitchFamily="49" charset="0"/>
-              </a:rPr>
-              <a:t>(</a:t>
-            </a:r>
-            <a:r>
-              <a:rPr lang="pt-BR" b="0" dirty="0">
-                <a:solidFill>
-                  <a:srgbClr val="A31515"/>
-                </a:solidFill>
-                <a:effectLst/>
-                <a:latin typeface="Courier New" panose="02070309020205020404" pitchFamily="49" charset="0"/>
-              </a:rPr>
-              <a:t>'no. </a:t>
-            </a:r>
-            <a:r>
-              <a:rPr lang="pt-BR" b="0" dirty="0" err="1">
-                <a:solidFill>
-                  <a:srgbClr val="A31515"/>
-                </a:solidFill>
-                <a:effectLst/>
-                <a:latin typeface="Courier New" panose="02070309020205020404" pitchFamily="49" charset="0"/>
-              </a:rPr>
-              <a:t>of</a:t>
-            </a:r>
-            <a:r>
-              <a:rPr lang="pt-BR" b="0" dirty="0">
-                <a:solidFill>
-                  <a:srgbClr val="A31515"/>
-                </a:solidFill>
-                <a:effectLst/>
-                <a:latin typeface="Courier New" panose="02070309020205020404" pitchFamily="49" charset="0"/>
-              </a:rPr>
-              <a:t> </a:t>
-            </a:r>
-            <a:r>
-              <a:rPr lang="pt-BR" b="0" dirty="0" err="1">
-                <a:solidFill>
-                  <a:srgbClr val="A31515"/>
-                </a:solidFill>
-                <a:effectLst/>
-                <a:latin typeface="Courier New" panose="02070309020205020404" pitchFamily="49" charset="0"/>
-              </a:rPr>
-              <a:t>students</a:t>
-            </a:r>
-            <a:r>
-              <a:rPr lang="pt-BR" b="0" dirty="0">
-                <a:solidFill>
-                  <a:srgbClr val="A31515"/>
-                </a:solidFill>
-                <a:effectLst/>
-                <a:latin typeface="Courier New" panose="02070309020205020404" pitchFamily="49" charset="0"/>
-              </a:rPr>
-              <a:t>'</a:t>
-            </a:r>
-            <a:r>
-              <a:rPr lang="pt-BR" b="0" dirty="0">
-                <a:solidFill>
-                  <a:srgbClr val="000000"/>
-                </a:solidFill>
-                <a:effectLst/>
-                <a:latin typeface="Courier New" panose="02070309020205020404" pitchFamily="49" charset="0"/>
-              </a:rPr>
-              <a:t>)</a:t>
+              <a:rPr lang="pt-BR" dirty="0"/>
+              <a:t>Logo a mediana é o valor 6.</a:t>
             </a:r>
           </a:p>
           <a:p>
@@ -6597,24 +5753,8 @@
               <a:buNone/>
             </a:pPr>
             <a:r>
-              <a:rPr lang="pt-BR" b="0" dirty="0" err="1">
-                <a:solidFill>
-                  <a:srgbClr val="000000"/>
-                </a:solidFill>
-                <a:effectLst/>
-                <a:latin typeface="Courier New" panose="02070309020205020404" pitchFamily="49" charset="0"/>
-              </a:rPr>
-              <a:t>plt.show</a:t>
-            </a:r>
-            <a:r>
-              <a:rPr lang="pt-BR" b="0" dirty="0">
-                <a:solidFill>
-                  <a:srgbClr val="000000"/>
-                </a:solidFill>
-                <a:effectLst/>
-                <a:latin typeface="Courier New" panose="02070309020205020404" pitchFamily="49" charset="0"/>
-              </a:rPr>
-              <a:t>()</a:t>
+              <a:rPr lang="pt-BR" dirty="0"/>
+              <a:t>Observação: A média é 5.7</a:t>
             </a:r>
           </a:p>
           <a:p>
@@ -6625,7 +5765,7 @@
     </p:spTree>
     <p:extLst>
       <p:ext uri="{BB962C8B-B14F-4D97-AF65-F5344CB8AC3E}">
-        <p14:creationId xmlns:p14="http://schemas.microsoft.com/office/powerpoint/2010/main" val="1995096631"/>
+        <p14:creationId xmlns:p14="http://schemas.microsoft.com/office/powerpoint/2010/main" val="1822324267"/>
       </p:ext>
     </p:extLst>
   </p:cSld>
@@ -6657,1977 +5797,6 @@
           <p:cNvPr id="2" name="Título 1">
             <a:extLst>
               <a:ext uri="{FF2B5EF4-FFF2-40B4-BE49-F238E27FC236}">
-                <a16:creationId xmlns:a16="http://schemas.microsoft.com/office/drawing/2014/main" id="{EF8FECD3-6E70-D8D9-2773-14949B2ECE22}"/>
-              </a:ext>
-            </a:extLst>
-          </p:cNvPr>
-          <p:cNvSpPr>
-            <a:spLocks noGrp="1"/>
-          </p:cNvSpPr>
-          <p:nvPr>
-            <p:ph type="title"/>
-          </p:nvPr>
-        </p:nvSpPr>
-        <p:spPr>
-          <a:solidFill>
-            <a:srgbClr val="FFFF00"/>
-          </a:solidFill>
-        </p:spPr>
-        <p:txBody>
-          <a:bodyPr/>
-          <a:lstStyle/>
-          <a:p>
-            <a:r>
-              <a:rPr lang="pt-BR" dirty="0"/>
-              <a:t>Exercício: gerar o gráfico de pizza sem decimais no percentual da fatia.</a:t>
-            </a:r>
-          </a:p>
-        </p:txBody>
-      </p:sp>
-      <p:sp>
-        <p:nvSpPr>
-          <p:cNvPr id="3" name="Espaço Reservado para Conteúdo 2">
-            <a:extLst>
-              <a:ext uri="{FF2B5EF4-FFF2-40B4-BE49-F238E27FC236}">
-                <a16:creationId xmlns:a16="http://schemas.microsoft.com/office/drawing/2014/main" id="{C2983355-DA82-78ED-524E-DEB692533DCA}"/>
-              </a:ext>
-            </a:extLst>
-          </p:cNvPr>
-          <p:cNvSpPr>
-            <a:spLocks noGrp="1"/>
-          </p:cNvSpPr>
-          <p:nvPr>
-            <p:ph idx="1"/>
-          </p:nvPr>
-        </p:nvSpPr>
-        <p:spPr/>
-        <p:txBody>
-          <a:bodyPr>
-            <a:normAutofit/>
-          </a:bodyPr>
-          <a:lstStyle/>
-          <a:p>
-            <a:pPr marL="0" indent="0">
-              <a:buNone/>
-            </a:pPr>
-            <a:r>
-              <a:rPr lang="pt-BR" b="0" dirty="0" err="1">
-                <a:solidFill>
-                  <a:srgbClr val="000000"/>
-                </a:solidFill>
-                <a:effectLst/>
-                <a:latin typeface="Courier New" panose="02070309020205020404" pitchFamily="49" charset="0"/>
-              </a:rPr>
-              <a:t>langs</a:t>
-            </a:r>
-            <a:r>
-              <a:rPr lang="pt-BR" b="0" dirty="0">
-                <a:solidFill>
-                  <a:srgbClr val="000000"/>
-                </a:solidFill>
-                <a:effectLst/>
-                <a:latin typeface="Courier New" panose="02070309020205020404" pitchFamily="49" charset="0"/>
-              </a:rPr>
-              <a:t> = [</a:t>
-            </a:r>
-            <a:r>
-              <a:rPr lang="pt-BR" b="0" dirty="0">
-                <a:solidFill>
-                  <a:srgbClr val="A31515"/>
-                </a:solidFill>
-                <a:effectLst/>
-                <a:latin typeface="Courier New" panose="02070309020205020404" pitchFamily="49" charset="0"/>
-              </a:rPr>
-              <a:t>'C'</a:t>
-            </a:r>
-            <a:r>
-              <a:rPr lang="pt-BR" b="0" dirty="0">
-                <a:solidFill>
-                  <a:srgbClr val="000000"/>
-                </a:solidFill>
-                <a:effectLst/>
-                <a:latin typeface="Courier New" panose="02070309020205020404" pitchFamily="49" charset="0"/>
-              </a:rPr>
-              <a:t>,</a:t>
-            </a:r>
-            <a:r>
-              <a:rPr lang="pt-BR" b="0" dirty="0">
-                <a:solidFill>
-                  <a:srgbClr val="A31515"/>
-                </a:solidFill>
-                <a:effectLst/>
-                <a:latin typeface="Courier New" panose="02070309020205020404" pitchFamily="49" charset="0"/>
-              </a:rPr>
-              <a:t>'C++'</a:t>
-            </a:r>
-            <a:r>
-              <a:rPr lang="pt-BR" b="0" dirty="0">
-                <a:solidFill>
-                  <a:srgbClr val="000000"/>
-                </a:solidFill>
-                <a:effectLst/>
-                <a:latin typeface="Courier New" panose="02070309020205020404" pitchFamily="49" charset="0"/>
-              </a:rPr>
-              <a:t>,</a:t>
-            </a:r>
-            <a:r>
-              <a:rPr lang="pt-BR" b="0" dirty="0">
-                <a:solidFill>
-                  <a:srgbClr val="A31515"/>
-                </a:solidFill>
-                <a:effectLst/>
-                <a:latin typeface="Courier New" panose="02070309020205020404" pitchFamily="49" charset="0"/>
-              </a:rPr>
-              <a:t>'</a:t>
-            </a:r>
-            <a:r>
-              <a:rPr lang="pt-BR" b="0" dirty="0" err="1">
-                <a:solidFill>
-                  <a:srgbClr val="A31515"/>
-                </a:solidFill>
-                <a:effectLst/>
-                <a:latin typeface="Courier New" panose="02070309020205020404" pitchFamily="49" charset="0"/>
-              </a:rPr>
-              <a:t>Java'</a:t>
-            </a:r>
-            <a:r>
-              <a:rPr lang="pt-BR" b="0" dirty="0" err="1">
-                <a:solidFill>
-                  <a:srgbClr val="000000"/>
-                </a:solidFill>
-                <a:effectLst/>
-                <a:latin typeface="Courier New" panose="02070309020205020404" pitchFamily="49" charset="0"/>
-              </a:rPr>
-              <a:t>,</a:t>
-            </a:r>
-            <a:r>
-              <a:rPr lang="pt-BR" b="0" dirty="0" err="1">
-                <a:solidFill>
-                  <a:srgbClr val="A31515"/>
-                </a:solidFill>
-                <a:effectLst/>
-                <a:latin typeface="Courier New" panose="02070309020205020404" pitchFamily="49" charset="0"/>
-              </a:rPr>
-              <a:t>'Python'</a:t>
-            </a:r>
-            <a:r>
-              <a:rPr lang="pt-BR" b="0" dirty="0" err="1">
-                <a:solidFill>
-                  <a:srgbClr val="000000"/>
-                </a:solidFill>
-                <a:effectLst/>
-                <a:latin typeface="Courier New" panose="02070309020205020404" pitchFamily="49" charset="0"/>
-              </a:rPr>
-              <a:t>,</a:t>
-            </a:r>
-            <a:r>
-              <a:rPr lang="pt-BR" b="0" dirty="0" err="1">
-                <a:solidFill>
-                  <a:srgbClr val="A31515"/>
-                </a:solidFill>
-                <a:effectLst/>
-                <a:latin typeface="Courier New" panose="02070309020205020404" pitchFamily="49" charset="0"/>
-              </a:rPr>
-              <a:t>'PHP</a:t>
-            </a:r>
-            <a:r>
-              <a:rPr lang="pt-BR" b="0" dirty="0">
-                <a:solidFill>
-                  <a:srgbClr val="A31515"/>
-                </a:solidFill>
-                <a:effectLst/>
-                <a:latin typeface="Courier New" panose="02070309020205020404" pitchFamily="49" charset="0"/>
-              </a:rPr>
-              <a:t>'</a:t>
-            </a:r>
-            <a:r>
-              <a:rPr lang="pt-BR" b="0" dirty="0">
-                <a:solidFill>
-                  <a:srgbClr val="000000"/>
-                </a:solidFill>
-                <a:effectLst/>
-                <a:latin typeface="Courier New" panose="02070309020205020404" pitchFamily="49" charset="0"/>
-              </a:rPr>
-              <a:t>]</a:t>
-            </a:r>
-          </a:p>
-          <a:p>
-            <a:pPr marL="0" indent="0">
-              <a:buNone/>
-            </a:pPr>
-            <a:r>
-              <a:rPr lang="pt-BR" b="0" dirty="0" err="1">
-                <a:solidFill>
-                  <a:srgbClr val="000000"/>
-                </a:solidFill>
-                <a:effectLst/>
-                <a:latin typeface="Courier New" panose="02070309020205020404" pitchFamily="49" charset="0"/>
-              </a:rPr>
-              <a:t>students</a:t>
-            </a:r>
-            <a:r>
-              <a:rPr lang="pt-BR" b="0" dirty="0">
-                <a:solidFill>
-                  <a:srgbClr val="000000"/>
-                </a:solidFill>
-                <a:effectLst/>
-                <a:latin typeface="Courier New" panose="02070309020205020404" pitchFamily="49" charset="0"/>
-              </a:rPr>
-              <a:t> = [</a:t>
-            </a:r>
-            <a:r>
-              <a:rPr lang="pt-BR" b="0" dirty="0">
-                <a:solidFill>
-                  <a:srgbClr val="09885A"/>
-                </a:solidFill>
-                <a:effectLst/>
-                <a:latin typeface="Courier New" panose="02070309020205020404" pitchFamily="49" charset="0"/>
-              </a:rPr>
-              <a:t>23</a:t>
-            </a:r>
-            <a:r>
-              <a:rPr lang="pt-BR" b="0" dirty="0">
-                <a:solidFill>
-                  <a:srgbClr val="000000"/>
-                </a:solidFill>
-                <a:effectLst/>
-                <a:latin typeface="Courier New" panose="02070309020205020404" pitchFamily="49" charset="0"/>
-              </a:rPr>
-              <a:t>,</a:t>
-            </a:r>
-            <a:r>
-              <a:rPr lang="pt-BR" b="0" dirty="0">
-                <a:solidFill>
-                  <a:srgbClr val="09885A"/>
-                </a:solidFill>
-                <a:effectLst/>
-                <a:latin typeface="Courier New" panose="02070309020205020404" pitchFamily="49" charset="0"/>
-              </a:rPr>
-              <a:t>17</a:t>
-            </a:r>
-            <a:r>
-              <a:rPr lang="pt-BR" b="0" dirty="0">
-                <a:solidFill>
-                  <a:srgbClr val="000000"/>
-                </a:solidFill>
-                <a:effectLst/>
-                <a:latin typeface="Courier New" panose="02070309020205020404" pitchFamily="49" charset="0"/>
-              </a:rPr>
-              <a:t>,</a:t>
-            </a:r>
-            <a:r>
-              <a:rPr lang="pt-BR" b="0" dirty="0">
-                <a:solidFill>
-                  <a:srgbClr val="09885A"/>
-                </a:solidFill>
-                <a:effectLst/>
-                <a:latin typeface="Courier New" panose="02070309020205020404" pitchFamily="49" charset="0"/>
-              </a:rPr>
-              <a:t>35</a:t>
-            </a:r>
-            <a:r>
-              <a:rPr lang="pt-BR" b="0" dirty="0">
-                <a:solidFill>
-                  <a:srgbClr val="000000"/>
-                </a:solidFill>
-                <a:effectLst/>
-                <a:latin typeface="Courier New" panose="02070309020205020404" pitchFamily="49" charset="0"/>
-              </a:rPr>
-              <a:t>,</a:t>
-            </a:r>
-            <a:r>
-              <a:rPr lang="pt-BR" b="0" dirty="0">
-                <a:solidFill>
-                  <a:srgbClr val="09885A"/>
-                </a:solidFill>
-                <a:effectLst/>
-                <a:latin typeface="Courier New" panose="02070309020205020404" pitchFamily="49" charset="0"/>
-              </a:rPr>
-              <a:t>29</a:t>
-            </a:r>
-            <a:r>
-              <a:rPr lang="pt-BR" b="0" dirty="0">
-                <a:solidFill>
-                  <a:srgbClr val="000000"/>
-                </a:solidFill>
-                <a:effectLst/>
-                <a:latin typeface="Courier New" panose="02070309020205020404" pitchFamily="49" charset="0"/>
-              </a:rPr>
-              <a:t>,</a:t>
-            </a:r>
-            <a:r>
-              <a:rPr lang="pt-BR" b="0" dirty="0">
-                <a:solidFill>
-                  <a:srgbClr val="09885A"/>
-                </a:solidFill>
-                <a:effectLst/>
-                <a:latin typeface="Courier New" panose="02070309020205020404" pitchFamily="49" charset="0"/>
-              </a:rPr>
-              <a:t>12</a:t>
-            </a:r>
-            <a:r>
-              <a:rPr lang="pt-BR" b="0" dirty="0">
-                <a:solidFill>
-                  <a:srgbClr val="000000"/>
-                </a:solidFill>
-                <a:effectLst/>
-                <a:latin typeface="Courier New" panose="02070309020205020404" pitchFamily="49" charset="0"/>
-              </a:rPr>
-              <a:t>]</a:t>
-            </a:r>
-          </a:p>
-          <a:p>
-            <a:pPr marL="0" indent="0">
-              <a:buNone/>
-            </a:pPr>
-            <a:r>
-              <a:rPr lang="pt-BR" b="0" dirty="0" err="1">
-                <a:solidFill>
-                  <a:srgbClr val="000000"/>
-                </a:solidFill>
-                <a:effectLst/>
-                <a:latin typeface="Courier New" panose="02070309020205020404" pitchFamily="49" charset="0"/>
-              </a:rPr>
-              <a:t>plt.pie</a:t>
-            </a:r>
-            <a:r>
-              <a:rPr lang="pt-BR" b="0" dirty="0">
-                <a:solidFill>
-                  <a:srgbClr val="000000"/>
-                </a:solidFill>
-                <a:effectLst/>
-                <a:latin typeface="Courier New" panose="02070309020205020404" pitchFamily="49" charset="0"/>
-              </a:rPr>
-              <a:t>(</a:t>
-            </a:r>
-            <a:r>
-              <a:rPr lang="pt-BR" b="0" dirty="0" err="1">
-                <a:solidFill>
-                  <a:srgbClr val="000000"/>
-                </a:solidFill>
-                <a:effectLst/>
-                <a:latin typeface="Courier New" panose="02070309020205020404" pitchFamily="49" charset="0"/>
-              </a:rPr>
-              <a:t>students</a:t>
-            </a:r>
-            <a:r>
-              <a:rPr lang="pt-BR" b="0" dirty="0">
-                <a:solidFill>
-                  <a:srgbClr val="000000"/>
-                </a:solidFill>
-                <a:effectLst/>
-                <a:latin typeface="Courier New" panose="02070309020205020404" pitchFamily="49" charset="0"/>
-              </a:rPr>
-              <a:t>, </a:t>
-            </a:r>
-            <a:r>
-              <a:rPr lang="pt-BR" b="0" dirty="0" err="1">
-                <a:solidFill>
-                  <a:srgbClr val="000000"/>
-                </a:solidFill>
-                <a:effectLst/>
-                <a:latin typeface="Courier New" panose="02070309020205020404" pitchFamily="49" charset="0"/>
-              </a:rPr>
-              <a:t>labels</a:t>
-            </a:r>
-            <a:r>
-              <a:rPr lang="pt-BR" b="0" dirty="0">
-                <a:solidFill>
-                  <a:srgbClr val="000000"/>
-                </a:solidFill>
-                <a:effectLst/>
-                <a:latin typeface="Courier New" panose="02070309020205020404" pitchFamily="49" charset="0"/>
-              </a:rPr>
-              <a:t> = </a:t>
-            </a:r>
-            <a:r>
-              <a:rPr lang="pt-BR" b="0" dirty="0" err="1">
-                <a:solidFill>
-                  <a:srgbClr val="000000"/>
-                </a:solidFill>
-                <a:effectLst/>
-                <a:latin typeface="Courier New" panose="02070309020205020404" pitchFamily="49" charset="0"/>
-              </a:rPr>
-              <a:t>langs,autopct</a:t>
-            </a:r>
-            <a:r>
-              <a:rPr lang="pt-BR" b="0" dirty="0">
-                <a:solidFill>
-                  <a:srgbClr val="000000"/>
-                </a:solidFill>
-                <a:effectLst/>
-                <a:latin typeface="Courier New" panose="02070309020205020404" pitchFamily="49" charset="0"/>
-              </a:rPr>
-              <a:t>=</a:t>
-            </a:r>
-            <a:r>
-              <a:rPr lang="pt-BR" b="0" dirty="0">
-                <a:solidFill>
-                  <a:srgbClr val="A31515"/>
-                </a:solidFill>
-                <a:effectLst/>
-                <a:latin typeface="Courier New" panose="02070309020205020404" pitchFamily="49" charset="0"/>
-              </a:rPr>
-              <a:t>‘%0.2f%%'</a:t>
-            </a:r>
-            <a:r>
-              <a:rPr lang="pt-BR" b="0" dirty="0">
-                <a:solidFill>
-                  <a:srgbClr val="000000"/>
-                </a:solidFill>
-                <a:effectLst/>
-                <a:latin typeface="Courier New" panose="02070309020205020404" pitchFamily="49" charset="0"/>
-              </a:rPr>
-              <a:t>)</a:t>
-            </a:r>
-          </a:p>
-          <a:p>
-            <a:pPr marL="0" indent="0">
-              <a:buNone/>
-            </a:pPr>
-            <a:r>
-              <a:rPr lang="pt-BR" b="0" dirty="0" err="1">
-                <a:solidFill>
-                  <a:srgbClr val="000000"/>
-                </a:solidFill>
-                <a:effectLst/>
-                <a:latin typeface="Courier New" panose="02070309020205020404" pitchFamily="49" charset="0"/>
-              </a:rPr>
-              <a:t>plt.show</a:t>
-            </a:r>
-            <a:r>
-              <a:rPr lang="pt-BR" b="0" dirty="0">
-                <a:solidFill>
-                  <a:srgbClr val="000000"/>
-                </a:solidFill>
-                <a:effectLst/>
-                <a:latin typeface="Courier New" panose="02070309020205020404" pitchFamily="49" charset="0"/>
-              </a:rPr>
-              <a:t>()</a:t>
-            </a:r>
-          </a:p>
-          <a:p>
-            <a:endParaRPr lang="pt-BR" dirty="0"/>
-          </a:p>
-        </p:txBody>
-      </p:sp>
-    </p:spTree>
-    <p:extLst>
-      <p:ext uri="{BB962C8B-B14F-4D97-AF65-F5344CB8AC3E}">
-        <p14:creationId xmlns:p14="http://schemas.microsoft.com/office/powerpoint/2010/main" val="316456034"/>
-      </p:ext>
-    </p:extLst>
-  </p:cSld>
-  <p:clrMapOvr>
-    <a:masterClrMapping/>
-  </p:clrMapOvr>
-</p:sld>
-</file>
-
-<file path=ppt/slides/slide24.xml><?xml version="1.0" encoding="utf-8"?>
-<p:sld xmlns:a="http://schemas.openxmlformats.org/drawingml/2006/main" xmlns:r="http://schemas.openxmlformats.org/officeDocument/2006/relationships" xmlns:p="http://schemas.openxmlformats.org/presentationml/2006/main">
-  <p:cSld>
-    <p:spTree>
-      <p:nvGrpSpPr>
-        <p:cNvPr id="1" name=""/>
-        <p:cNvGrpSpPr/>
-        <p:nvPr/>
-      </p:nvGrpSpPr>
-      <p:grpSpPr>
-        <a:xfrm>
-          <a:off x="0" y="0"/>
-          <a:ext cx="0" cy="0"/>
-          <a:chOff x="0" y="0"/>
-          <a:chExt cx="0" cy="0"/>
-        </a:xfrm>
-      </p:grpSpPr>
-      <p:sp>
-        <p:nvSpPr>
-          <p:cNvPr id="2" name="Título 1">
-            <a:extLst>
-              <a:ext uri="{FF2B5EF4-FFF2-40B4-BE49-F238E27FC236}">
-                <a16:creationId xmlns:a16="http://schemas.microsoft.com/office/drawing/2014/main" id="{00A1B22E-0054-8B2E-2F9B-DC4444D0BEB4}"/>
-              </a:ext>
-            </a:extLst>
-          </p:cNvPr>
-          <p:cNvSpPr>
-            <a:spLocks noGrp="1"/>
-          </p:cNvSpPr>
-          <p:nvPr>
-            <p:ph type="title"/>
-          </p:nvPr>
-        </p:nvSpPr>
-        <p:spPr>
-          <a:solidFill>
-            <a:srgbClr val="FFFF00"/>
-          </a:solidFill>
-        </p:spPr>
-        <p:txBody>
-          <a:bodyPr/>
-          <a:lstStyle/>
-          <a:p>
-            <a:r>
-              <a:rPr lang="pt-BR" dirty="0"/>
-              <a:t>Exercício: Gerar o gráfico de dispersão com legenda boys(amarelo) e girls(verde)</a:t>
-            </a:r>
-          </a:p>
-        </p:txBody>
-      </p:sp>
-      <p:sp>
-        <p:nvSpPr>
-          <p:cNvPr id="3" name="Espaço Reservado para Conteúdo 2">
-            <a:extLst>
-              <a:ext uri="{FF2B5EF4-FFF2-40B4-BE49-F238E27FC236}">
-                <a16:creationId xmlns:a16="http://schemas.microsoft.com/office/drawing/2014/main" id="{8E325AFA-7DEB-6374-6C51-2487C95ECAC1}"/>
-              </a:ext>
-            </a:extLst>
-          </p:cNvPr>
-          <p:cNvSpPr>
-            <a:spLocks noGrp="1"/>
-          </p:cNvSpPr>
-          <p:nvPr>
-            <p:ph idx="1"/>
-          </p:nvPr>
-        </p:nvSpPr>
-        <p:spPr/>
-        <p:txBody>
-          <a:bodyPr>
-            <a:normAutofit fontScale="85000" lnSpcReduction="20000"/>
-          </a:bodyPr>
-          <a:lstStyle/>
-          <a:p>
-            <a:pPr marL="0" indent="0">
-              <a:buNone/>
-            </a:pPr>
-            <a:r>
-              <a:rPr lang="pt-BR" b="0" dirty="0" err="1">
-                <a:solidFill>
-                  <a:srgbClr val="000000"/>
-                </a:solidFill>
-                <a:effectLst/>
-                <a:latin typeface="Courier New" panose="02070309020205020404" pitchFamily="49" charset="0"/>
-              </a:rPr>
-              <a:t>girls_grades</a:t>
-            </a:r>
-            <a:r>
-              <a:rPr lang="pt-BR" b="0" dirty="0">
-                <a:solidFill>
-                  <a:srgbClr val="000000"/>
-                </a:solidFill>
-                <a:effectLst/>
-                <a:latin typeface="Courier New" panose="02070309020205020404" pitchFamily="49" charset="0"/>
-              </a:rPr>
-              <a:t> = [</a:t>
-            </a:r>
-            <a:r>
-              <a:rPr lang="pt-BR" b="0" dirty="0">
-                <a:solidFill>
-                  <a:srgbClr val="09885A"/>
-                </a:solidFill>
-                <a:effectLst/>
-                <a:latin typeface="Courier New" panose="02070309020205020404" pitchFamily="49" charset="0"/>
-              </a:rPr>
-              <a:t>89</a:t>
-            </a:r>
-            <a:r>
-              <a:rPr lang="pt-BR" b="0" dirty="0">
-                <a:solidFill>
-                  <a:srgbClr val="000000"/>
-                </a:solidFill>
-                <a:effectLst/>
-                <a:latin typeface="Courier New" panose="02070309020205020404" pitchFamily="49" charset="0"/>
-              </a:rPr>
-              <a:t>, </a:t>
-            </a:r>
-            <a:r>
-              <a:rPr lang="pt-BR" b="0" dirty="0">
-                <a:solidFill>
-                  <a:srgbClr val="09885A"/>
-                </a:solidFill>
-                <a:effectLst/>
-                <a:latin typeface="Courier New" panose="02070309020205020404" pitchFamily="49" charset="0"/>
-              </a:rPr>
-              <a:t>90</a:t>
-            </a:r>
-            <a:r>
-              <a:rPr lang="pt-BR" b="0" dirty="0">
-                <a:solidFill>
-                  <a:srgbClr val="000000"/>
-                </a:solidFill>
-                <a:effectLst/>
-                <a:latin typeface="Courier New" panose="02070309020205020404" pitchFamily="49" charset="0"/>
-              </a:rPr>
-              <a:t>, </a:t>
-            </a:r>
-            <a:r>
-              <a:rPr lang="pt-BR" b="0" dirty="0">
-                <a:solidFill>
-                  <a:srgbClr val="09885A"/>
-                </a:solidFill>
-                <a:effectLst/>
-                <a:latin typeface="Courier New" panose="02070309020205020404" pitchFamily="49" charset="0"/>
-              </a:rPr>
-              <a:t>70</a:t>
-            </a:r>
-            <a:r>
-              <a:rPr lang="pt-BR" b="0" dirty="0">
-                <a:solidFill>
-                  <a:srgbClr val="000000"/>
-                </a:solidFill>
-                <a:effectLst/>
-                <a:latin typeface="Courier New" panose="02070309020205020404" pitchFamily="49" charset="0"/>
-              </a:rPr>
-              <a:t>, </a:t>
-            </a:r>
-            <a:r>
-              <a:rPr lang="pt-BR" b="0" dirty="0">
-                <a:solidFill>
-                  <a:srgbClr val="09885A"/>
-                </a:solidFill>
-                <a:effectLst/>
-                <a:latin typeface="Courier New" panose="02070309020205020404" pitchFamily="49" charset="0"/>
-              </a:rPr>
-              <a:t>89</a:t>
-            </a:r>
-            <a:r>
-              <a:rPr lang="pt-BR" b="0" dirty="0">
-                <a:solidFill>
-                  <a:srgbClr val="000000"/>
-                </a:solidFill>
-                <a:effectLst/>
-                <a:latin typeface="Courier New" panose="02070309020205020404" pitchFamily="49" charset="0"/>
-              </a:rPr>
-              <a:t>, </a:t>
-            </a:r>
-            <a:r>
-              <a:rPr lang="pt-BR" b="0" dirty="0">
-                <a:solidFill>
-                  <a:srgbClr val="09885A"/>
-                </a:solidFill>
-                <a:effectLst/>
-                <a:latin typeface="Courier New" panose="02070309020205020404" pitchFamily="49" charset="0"/>
-              </a:rPr>
-              <a:t>100</a:t>
-            </a:r>
-            <a:r>
-              <a:rPr lang="pt-BR" b="0" dirty="0">
-                <a:solidFill>
-                  <a:srgbClr val="000000"/>
-                </a:solidFill>
-                <a:effectLst/>
-                <a:latin typeface="Courier New" panose="02070309020205020404" pitchFamily="49" charset="0"/>
-              </a:rPr>
-              <a:t>, </a:t>
-            </a:r>
-            <a:r>
-              <a:rPr lang="pt-BR" b="0" dirty="0">
-                <a:solidFill>
-                  <a:srgbClr val="09885A"/>
-                </a:solidFill>
-                <a:effectLst/>
-                <a:latin typeface="Courier New" panose="02070309020205020404" pitchFamily="49" charset="0"/>
-              </a:rPr>
-              <a:t>80</a:t>
-            </a:r>
-            <a:r>
-              <a:rPr lang="pt-BR" b="0" dirty="0">
-                <a:solidFill>
-                  <a:srgbClr val="000000"/>
-                </a:solidFill>
-                <a:effectLst/>
-                <a:latin typeface="Courier New" panose="02070309020205020404" pitchFamily="49" charset="0"/>
-              </a:rPr>
-              <a:t>, </a:t>
-            </a:r>
-            <a:r>
-              <a:rPr lang="pt-BR" b="0" dirty="0">
-                <a:solidFill>
-                  <a:srgbClr val="09885A"/>
-                </a:solidFill>
-                <a:effectLst/>
-                <a:latin typeface="Courier New" panose="02070309020205020404" pitchFamily="49" charset="0"/>
-              </a:rPr>
-              <a:t>90</a:t>
-            </a:r>
-            <a:r>
-              <a:rPr lang="pt-BR" b="0" dirty="0">
-                <a:solidFill>
-                  <a:srgbClr val="000000"/>
-                </a:solidFill>
-                <a:effectLst/>
-                <a:latin typeface="Courier New" panose="02070309020205020404" pitchFamily="49" charset="0"/>
-              </a:rPr>
-              <a:t>, </a:t>
-            </a:r>
-            <a:r>
-              <a:rPr lang="pt-BR" b="0" dirty="0">
-                <a:solidFill>
-                  <a:srgbClr val="09885A"/>
-                </a:solidFill>
-                <a:effectLst/>
-                <a:latin typeface="Courier New" panose="02070309020205020404" pitchFamily="49" charset="0"/>
-              </a:rPr>
-              <a:t>100</a:t>
-            </a:r>
-            <a:r>
-              <a:rPr lang="pt-BR" b="0" dirty="0">
-                <a:solidFill>
-                  <a:srgbClr val="000000"/>
-                </a:solidFill>
-                <a:effectLst/>
-                <a:latin typeface="Courier New" panose="02070309020205020404" pitchFamily="49" charset="0"/>
-              </a:rPr>
-              <a:t>, </a:t>
-            </a:r>
-            <a:r>
-              <a:rPr lang="pt-BR" b="0" dirty="0">
-                <a:solidFill>
-                  <a:srgbClr val="09885A"/>
-                </a:solidFill>
-                <a:effectLst/>
-                <a:latin typeface="Courier New" panose="02070309020205020404" pitchFamily="49" charset="0"/>
-              </a:rPr>
-              <a:t>80</a:t>
-            </a:r>
-            <a:r>
-              <a:rPr lang="pt-BR" b="0" dirty="0">
-                <a:solidFill>
-                  <a:srgbClr val="000000"/>
-                </a:solidFill>
-                <a:effectLst/>
-                <a:latin typeface="Courier New" panose="02070309020205020404" pitchFamily="49" charset="0"/>
-              </a:rPr>
-              <a:t>, </a:t>
-            </a:r>
-            <a:r>
-              <a:rPr lang="pt-BR" b="0" dirty="0">
-                <a:solidFill>
-                  <a:srgbClr val="09885A"/>
-                </a:solidFill>
-                <a:effectLst/>
-                <a:latin typeface="Courier New" panose="02070309020205020404" pitchFamily="49" charset="0"/>
-              </a:rPr>
-              <a:t>34</a:t>
-            </a:r>
-            <a:r>
-              <a:rPr lang="pt-BR" b="0" dirty="0">
-                <a:solidFill>
-                  <a:srgbClr val="000000"/>
-                </a:solidFill>
-                <a:effectLst/>
-                <a:latin typeface="Courier New" panose="02070309020205020404" pitchFamily="49" charset="0"/>
-              </a:rPr>
-              <a:t>]</a:t>
-            </a:r>
-          </a:p>
-          <a:p>
-            <a:pPr marL="0" indent="0">
-              <a:buNone/>
-            </a:pPr>
-            <a:r>
-              <a:rPr lang="pt-BR" b="0" dirty="0" err="1">
-                <a:solidFill>
-                  <a:srgbClr val="000000"/>
-                </a:solidFill>
-                <a:effectLst/>
-                <a:latin typeface="Courier New" panose="02070309020205020404" pitchFamily="49" charset="0"/>
-              </a:rPr>
-              <a:t>boys_grades</a:t>
-            </a:r>
-            <a:r>
-              <a:rPr lang="pt-BR" b="0" dirty="0">
-                <a:solidFill>
-                  <a:srgbClr val="000000"/>
-                </a:solidFill>
-                <a:effectLst/>
-                <a:latin typeface="Courier New" panose="02070309020205020404" pitchFamily="49" charset="0"/>
-              </a:rPr>
-              <a:t> = [</a:t>
-            </a:r>
-            <a:r>
-              <a:rPr lang="pt-BR" b="0" dirty="0">
-                <a:solidFill>
-                  <a:srgbClr val="09885A"/>
-                </a:solidFill>
-                <a:effectLst/>
-                <a:latin typeface="Courier New" panose="02070309020205020404" pitchFamily="49" charset="0"/>
-              </a:rPr>
-              <a:t>30</a:t>
-            </a:r>
-            <a:r>
-              <a:rPr lang="pt-BR" b="0" dirty="0">
-                <a:solidFill>
-                  <a:srgbClr val="000000"/>
-                </a:solidFill>
-                <a:effectLst/>
-                <a:latin typeface="Courier New" panose="02070309020205020404" pitchFamily="49" charset="0"/>
-              </a:rPr>
-              <a:t>, </a:t>
-            </a:r>
-            <a:r>
-              <a:rPr lang="pt-BR" b="0" dirty="0">
-                <a:solidFill>
-                  <a:srgbClr val="09885A"/>
-                </a:solidFill>
-                <a:effectLst/>
-                <a:latin typeface="Courier New" panose="02070309020205020404" pitchFamily="49" charset="0"/>
-              </a:rPr>
-              <a:t>29</a:t>
-            </a:r>
-            <a:r>
-              <a:rPr lang="pt-BR" b="0" dirty="0">
-                <a:solidFill>
-                  <a:srgbClr val="000000"/>
-                </a:solidFill>
-                <a:effectLst/>
-                <a:latin typeface="Courier New" panose="02070309020205020404" pitchFamily="49" charset="0"/>
-              </a:rPr>
-              <a:t>, </a:t>
-            </a:r>
-            <a:r>
-              <a:rPr lang="pt-BR" b="0" dirty="0">
-                <a:solidFill>
-                  <a:srgbClr val="09885A"/>
-                </a:solidFill>
-                <a:effectLst/>
-                <a:latin typeface="Courier New" panose="02070309020205020404" pitchFamily="49" charset="0"/>
-              </a:rPr>
-              <a:t>49</a:t>
-            </a:r>
-            <a:r>
-              <a:rPr lang="pt-BR" b="0" dirty="0">
-                <a:solidFill>
-                  <a:srgbClr val="000000"/>
-                </a:solidFill>
-                <a:effectLst/>
-                <a:latin typeface="Courier New" panose="02070309020205020404" pitchFamily="49" charset="0"/>
-              </a:rPr>
-              <a:t>, </a:t>
-            </a:r>
-            <a:r>
-              <a:rPr lang="pt-BR" b="0" dirty="0">
-                <a:solidFill>
-                  <a:srgbClr val="09885A"/>
-                </a:solidFill>
-                <a:effectLst/>
-                <a:latin typeface="Courier New" panose="02070309020205020404" pitchFamily="49" charset="0"/>
-              </a:rPr>
-              <a:t>48</a:t>
-            </a:r>
-            <a:r>
-              <a:rPr lang="pt-BR" b="0" dirty="0">
-                <a:solidFill>
-                  <a:srgbClr val="000000"/>
-                </a:solidFill>
-                <a:effectLst/>
-                <a:latin typeface="Courier New" panose="02070309020205020404" pitchFamily="49" charset="0"/>
-              </a:rPr>
-              <a:t>, </a:t>
-            </a:r>
-            <a:r>
-              <a:rPr lang="pt-BR" b="0" dirty="0">
-                <a:solidFill>
-                  <a:srgbClr val="09885A"/>
-                </a:solidFill>
-                <a:effectLst/>
-                <a:latin typeface="Courier New" panose="02070309020205020404" pitchFamily="49" charset="0"/>
-              </a:rPr>
-              <a:t>100</a:t>
-            </a:r>
-            <a:r>
-              <a:rPr lang="pt-BR" b="0" dirty="0">
-                <a:solidFill>
-                  <a:srgbClr val="000000"/>
-                </a:solidFill>
-                <a:effectLst/>
-                <a:latin typeface="Courier New" panose="02070309020205020404" pitchFamily="49" charset="0"/>
-              </a:rPr>
-              <a:t>, </a:t>
-            </a:r>
-            <a:r>
-              <a:rPr lang="pt-BR" b="0" dirty="0">
-                <a:solidFill>
-                  <a:srgbClr val="09885A"/>
-                </a:solidFill>
-                <a:effectLst/>
-                <a:latin typeface="Courier New" panose="02070309020205020404" pitchFamily="49" charset="0"/>
-              </a:rPr>
-              <a:t>48</a:t>
-            </a:r>
-            <a:r>
-              <a:rPr lang="pt-BR" b="0" dirty="0">
-                <a:solidFill>
-                  <a:srgbClr val="000000"/>
-                </a:solidFill>
-                <a:effectLst/>
-                <a:latin typeface="Courier New" panose="02070309020205020404" pitchFamily="49" charset="0"/>
-              </a:rPr>
-              <a:t>, </a:t>
-            </a:r>
-            <a:r>
-              <a:rPr lang="pt-BR" b="0" dirty="0">
-                <a:solidFill>
-                  <a:srgbClr val="09885A"/>
-                </a:solidFill>
-                <a:effectLst/>
-                <a:latin typeface="Courier New" panose="02070309020205020404" pitchFamily="49" charset="0"/>
-              </a:rPr>
-              <a:t>38</a:t>
-            </a:r>
-            <a:r>
-              <a:rPr lang="pt-BR" b="0" dirty="0">
-                <a:solidFill>
-                  <a:srgbClr val="000000"/>
-                </a:solidFill>
-                <a:effectLst/>
-                <a:latin typeface="Courier New" panose="02070309020205020404" pitchFamily="49" charset="0"/>
-              </a:rPr>
-              <a:t>, </a:t>
-            </a:r>
-            <a:r>
-              <a:rPr lang="pt-BR" b="0" dirty="0">
-                <a:solidFill>
-                  <a:srgbClr val="09885A"/>
-                </a:solidFill>
-                <a:effectLst/>
-                <a:latin typeface="Courier New" panose="02070309020205020404" pitchFamily="49" charset="0"/>
-              </a:rPr>
-              <a:t>45</a:t>
-            </a:r>
-            <a:r>
-              <a:rPr lang="pt-BR" b="0" dirty="0">
-                <a:solidFill>
-                  <a:srgbClr val="000000"/>
-                </a:solidFill>
-                <a:effectLst/>
-                <a:latin typeface="Courier New" panose="02070309020205020404" pitchFamily="49" charset="0"/>
-              </a:rPr>
-              <a:t>, </a:t>
-            </a:r>
-            <a:r>
-              <a:rPr lang="pt-BR" b="0" dirty="0">
-                <a:solidFill>
-                  <a:srgbClr val="09885A"/>
-                </a:solidFill>
-                <a:effectLst/>
-                <a:latin typeface="Courier New" panose="02070309020205020404" pitchFamily="49" charset="0"/>
-              </a:rPr>
-              <a:t>20</a:t>
-            </a:r>
-            <a:r>
-              <a:rPr lang="pt-BR" b="0" dirty="0">
-                <a:solidFill>
-                  <a:srgbClr val="000000"/>
-                </a:solidFill>
-                <a:effectLst/>
-                <a:latin typeface="Courier New" panose="02070309020205020404" pitchFamily="49" charset="0"/>
-              </a:rPr>
-              <a:t>, </a:t>
-            </a:r>
-            <a:r>
-              <a:rPr lang="pt-BR" b="0" dirty="0">
-                <a:solidFill>
-                  <a:srgbClr val="09885A"/>
-                </a:solidFill>
-                <a:effectLst/>
-                <a:latin typeface="Courier New" panose="02070309020205020404" pitchFamily="49" charset="0"/>
-              </a:rPr>
-              <a:t>30</a:t>
-            </a:r>
-            <a:r>
-              <a:rPr lang="pt-BR" b="0" dirty="0">
-                <a:solidFill>
-                  <a:srgbClr val="000000"/>
-                </a:solidFill>
-                <a:effectLst/>
-                <a:latin typeface="Courier New" panose="02070309020205020404" pitchFamily="49" charset="0"/>
-              </a:rPr>
-              <a:t>]</a:t>
-            </a:r>
-          </a:p>
-          <a:p>
-            <a:pPr marL="0" indent="0">
-              <a:buNone/>
-            </a:pPr>
-            <a:r>
-              <a:rPr lang="pt-BR" b="0" dirty="0" err="1">
-                <a:solidFill>
-                  <a:srgbClr val="000000"/>
-                </a:solidFill>
-                <a:effectLst/>
-                <a:latin typeface="Courier New" panose="02070309020205020404" pitchFamily="49" charset="0"/>
-              </a:rPr>
-              <a:t>grades_range</a:t>
-            </a:r>
-            <a:r>
-              <a:rPr lang="pt-BR" b="0" dirty="0">
-                <a:solidFill>
-                  <a:srgbClr val="000000"/>
-                </a:solidFill>
-                <a:effectLst/>
-                <a:latin typeface="Courier New" panose="02070309020205020404" pitchFamily="49" charset="0"/>
-              </a:rPr>
-              <a:t> = [</a:t>
-            </a:r>
-            <a:r>
-              <a:rPr lang="pt-BR" b="0" dirty="0">
-                <a:solidFill>
-                  <a:srgbClr val="09885A"/>
-                </a:solidFill>
-                <a:effectLst/>
-                <a:latin typeface="Courier New" panose="02070309020205020404" pitchFamily="49" charset="0"/>
-              </a:rPr>
-              <a:t>10</a:t>
-            </a:r>
-            <a:r>
-              <a:rPr lang="pt-BR" b="0" dirty="0">
-                <a:solidFill>
-                  <a:srgbClr val="000000"/>
-                </a:solidFill>
-                <a:effectLst/>
-                <a:latin typeface="Courier New" panose="02070309020205020404" pitchFamily="49" charset="0"/>
-              </a:rPr>
-              <a:t>, </a:t>
-            </a:r>
-            <a:r>
-              <a:rPr lang="pt-BR" b="0" dirty="0">
-                <a:solidFill>
-                  <a:srgbClr val="09885A"/>
-                </a:solidFill>
-                <a:effectLst/>
-                <a:latin typeface="Courier New" panose="02070309020205020404" pitchFamily="49" charset="0"/>
-              </a:rPr>
-              <a:t>20</a:t>
-            </a:r>
-            <a:r>
-              <a:rPr lang="pt-BR" b="0" dirty="0">
-                <a:solidFill>
-                  <a:srgbClr val="000000"/>
-                </a:solidFill>
-                <a:effectLst/>
-                <a:latin typeface="Courier New" panose="02070309020205020404" pitchFamily="49" charset="0"/>
-              </a:rPr>
-              <a:t>, </a:t>
-            </a:r>
-            <a:r>
-              <a:rPr lang="pt-BR" b="0" dirty="0">
-                <a:solidFill>
-                  <a:srgbClr val="09885A"/>
-                </a:solidFill>
-                <a:effectLst/>
-                <a:latin typeface="Courier New" panose="02070309020205020404" pitchFamily="49" charset="0"/>
-              </a:rPr>
-              <a:t>30</a:t>
-            </a:r>
-            <a:r>
-              <a:rPr lang="pt-BR" b="0" dirty="0">
-                <a:solidFill>
-                  <a:srgbClr val="000000"/>
-                </a:solidFill>
-                <a:effectLst/>
-                <a:latin typeface="Courier New" panose="02070309020205020404" pitchFamily="49" charset="0"/>
-              </a:rPr>
-              <a:t>, </a:t>
-            </a:r>
-            <a:r>
-              <a:rPr lang="pt-BR" b="0" dirty="0">
-                <a:solidFill>
-                  <a:srgbClr val="09885A"/>
-                </a:solidFill>
-                <a:effectLst/>
-                <a:latin typeface="Courier New" panose="02070309020205020404" pitchFamily="49" charset="0"/>
-              </a:rPr>
-              <a:t>40</a:t>
-            </a:r>
-            <a:r>
-              <a:rPr lang="pt-BR" b="0" dirty="0">
-                <a:solidFill>
-                  <a:srgbClr val="000000"/>
-                </a:solidFill>
-                <a:effectLst/>
-                <a:latin typeface="Courier New" panose="02070309020205020404" pitchFamily="49" charset="0"/>
-              </a:rPr>
-              <a:t>, </a:t>
-            </a:r>
-            <a:r>
-              <a:rPr lang="pt-BR" b="0" dirty="0">
-                <a:solidFill>
-                  <a:srgbClr val="09885A"/>
-                </a:solidFill>
-                <a:effectLst/>
-                <a:latin typeface="Courier New" panose="02070309020205020404" pitchFamily="49" charset="0"/>
-              </a:rPr>
-              <a:t>50</a:t>
-            </a:r>
-            <a:r>
-              <a:rPr lang="pt-BR" b="0" dirty="0">
-                <a:solidFill>
-                  <a:srgbClr val="000000"/>
-                </a:solidFill>
-                <a:effectLst/>
-                <a:latin typeface="Courier New" panose="02070309020205020404" pitchFamily="49" charset="0"/>
-              </a:rPr>
-              <a:t>, </a:t>
-            </a:r>
-            <a:r>
-              <a:rPr lang="pt-BR" b="0" dirty="0">
-                <a:solidFill>
-                  <a:srgbClr val="09885A"/>
-                </a:solidFill>
-                <a:effectLst/>
-                <a:latin typeface="Courier New" panose="02070309020205020404" pitchFamily="49" charset="0"/>
-              </a:rPr>
-              <a:t>60</a:t>
-            </a:r>
-            <a:r>
-              <a:rPr lang="pt-BR" b="0" dirty="0">
-                <a:solidFill>
-                  <a:srgbClr val="000000"/>
-                </a:solidFill>
-                <a:effectLst/>
-                <a:latin typeface="Courier New" panose="02070309020205020404" pitchFamily="49" charset="0"/>
-              </a:rPr>
-              <a:t>, </a:t>
-            </a:r>
-            <a:r>
-              <a:rPr lang="pt-BR" b="0" dirty="0">
-                <a:solidFill>
-                  <a:srgbClr val="09885A"/>
-                </a:solidFill>
-                <a:effectLst/>
-                <a:latin typeface="Courier New" panose="02070309020205020404" pitchFamily="49" charset="0"/>
-              </a:rPr>
-              <a:t>70</a:t>
-            </a:r>
-            <a:r>
-              <a:rPr lang="pt-BR" b="0" dirty="0">
-                <a:solidFill>
-                  <a:srgbClr val="000000"/>
-                </a:solidFill>
-                <a:effectLst/>
-                <a:latin typeface="Courier New" panose="02070309020205020404" pitchFamily="49" charset="0"/>
-              </a:rPr>
-              <a:t>, </a:t>
-            </a:r>
-            <a:r>
-              <a:rPr lang="pt-BR" b="0" dirty="0">
-                <a:solidFill>
-                  <a:srgbClr val="09885A"/>
-                </a:solidFill>
-                <a:effectLst/>
-                <a:latin typeface="Courier New" panose="02070309020205020404" pitchFamily="49" charset="0"/>
-              </a:rPr>
-              <a:t>80</a:t>
-            </a:r>
-            <a:r>
-              <a:rPr lang="pt-BR" b="0" dirty="0">
-                <a:solidFill>
-                  <a:srgbClr val="000000"/>
-                </a:solidFill>
-                <a:effectLst/>
-                <a:latin typeface="Courier New" panose="02070309020205020404" pitchFamily="49" charset="0"/>
-              </a:rPr>
-              <a:t>, </a:t>
-            </a:r>
-            <a:r>
-              <a:rPr lang="pt-BR" b="0" dirty="0">
-                <a:solidFill>
-                  <a:srgbClr val="09885A"/>
-                </a:solidFill>
-                <a:effectLst/>
-                <a:latin typeface="Courier New" panose="02070309020205020404" pitchFamily="49" charset="0"/>
-              </a:rPr>
-              <a:t>90</a:t>
-            </a:r>
-            <a:r>
-              <a:rPr lang="pt-BR" b="0" dirty="0">
-                <a:solidFill>
-                  <a:srgbClr val="000000"/>
-                </a:solidFill>
-                <a:effectLst/>
-                <a:latin typeface="Courier New" panose="02070309020205020404" pitchFamily="49" charset="0"/>
-              </a:rPr>
-              <a:t>, </a:t>
-            </a:r>
-            <a:r>
-              <a:rPr lang="pt-BR" b="0" dirty="0">
-                <a:solidFill>
-                  <a:srgbClr val="09885A"/>
-                </a:solidFill>
-                <a:effectLst/>
-                <a:latin typeface="Courier New" panose="02070309020205020404" pitchFamily="49" charset="0"/>
-              </a:rPr>
-              <a:t>100</a:t>
-            </a:r>
-            <a:r>
-              <a:rPr lang="pt-BR" b="0" dirty="0">
-                <a:solidFill>
-                  <a:srgbClr val="000000"/>
-                </a:solidFill>
-                <a:effectLst/>
-                <a:latin typeface="Courier New" panose="02070309020205020404" pitchFamily="49" charset="0"/>
-              </a:rPr>
-              <a:t>]</a:t>
-            </a:r>
-          </a:p>
-          <a:p>
-            <a:pPr marL="0" indent="0">
-              <a:buNone/>
-            </a:pPr>
-            <a:r>
-              <a:rPr lang="pt-BR" b="0" dirty="0" err="1">
-                <a:solidFill>
-                  <a:srgbClr val="000000"/>
-                </a:solidFill>
-                <a:effectLst/>
-                <a:latin typeface="Courier New" panose="02070309020205020404" pitchFamily="49" charset="0"/>
-              </a:rPr>
-              <a:t>plt.scatter</a:t>
-            </a:r>
-            <a:r>
-              <a:rPr lang="pt-BR" b="0" dirty="0">
-                <a:solidFill>
-                  <a:srgbClr val="000000"/>
-                </a:solidFill>
-                <a:effectLst/>
-                <a:latin typeface="Courier New" panose="02070309020205020404" pitchFamily="49" charset="0"/>
-              </a:rPr>
-              <a:t>(</a:t>
-            </a:r>
-            <a:r>
-              <a:rPr lang="pt-BR" b="0" dirty="0" err="1">
-                <a:solidFill>
-                  <a:srgbClr val="000000"/>
-                </a:solidFill>
-                <a:effectLst/>
-                <a:latin typeface="Courier New" panose="02070309020205020404" pitchFamily="49" charset="0"/>
-              </a:rPr>
-              <a:t>grades_range</a:t>
-            </a:r>
-            <a:r>
-              <a:rPr lang="pt-BR" b="0" dirty="0">
-                <a:solidFill>
-                  <a:srgbClr val="000000"/>
-                </a:solidFill>
-                <a:effectLst/>
-                <a:latin typeface="Courier New" panose="02070309020205020404" pitchFamily="49" charset="0"/>
-              </a:rPr>
-              <a:t>, </a:t>
-            </a:r>
-            <a:r>
-              <a:rPr lang="pt-BR" b="0" dirty="0" err="1">
-                <a:solidFill>
-                  <a:srgbClr val="000000"/>
-                </a:solidFill>
-                <a:effectLst/>
-                <a:latin typeface="Courier New" panose="02070309020205020404" pitchFamily="49" charset="0"/>
-              </a:rPr>
-              <a:t>girls_grades</a:t>
-            </a:r>
-            <a:r>
-              <a:rPr lang="pt-BR" b="0" dirty="0">
-                <a:solidFill>
-                  <a:srgbClr val="000000"/>
-                </a:solidFill>
-                <a:effectLst/>
-                <a:latin typeface="Courier New" panose="02070309020205020404" pitchFamily="49" charset="0"/>
-              </a:rPr>
-              <a:t>, color=</a:t>
-            </a:r>
-            <a:r>
-              <a:rPr lang="pt-BR" b="0" dirty="0">
-                <a:solidFill>
-                  <a:srgbClr val="A31515"/>
-                </a:solidFill>
-                <a:effectLst/>
-                <a:latin typeface="Courier New" panose="02070309020205020404" pitchFamily="49" charset="0"/>
-              </a:rPr>
-              <a:t>'r’</a:t>
-            </a:r>
-            <a:r>
-              <a:rPr lang="pt-BR" b="0" dirty="0">
-                <a:solidFill>
-                  <a:srgbClr val="000000"/>
-                </a:solidFill>
-                <a:effectLst/>
-                <a:latin typeface="Courier New" panose="02070309020205020404" pitchFamily="49" charset="0"/>
-              </a:rPr>
-              <a:t>)</a:t>
-            </a:r>
-          </a:p>
-          <a:p>
-            <a:pPr marL="0" indent="0">
-              <a:buNone/>
-            </a:pPr>
-            <a:r>
-              <a:rPr lang="pt-BR" b="0" dirty="0" err="1">
-                <a:solidFill>
-                  <a:srgbClr val="000000"/>
-                </a:solidFill>
-                <a:effectLst/>
-                <a:latin typeface="Courier New" panose="02070309020205020404" pitchFamily="49" charset="0"/>
-              </a:rPr>
-              <a:t>plt.scatter</a:t>
-            </a:r>
-            <a:r>
-              <a:rPr lang="pt-BR" b="0" dirty="0">
-                <a:solidFill>
-                  <a:srgbClr val="000000"/>
-                </a:solidFill>
-                <a:effectLst/>
-                <a:latin typeface="Courier New" panose="02070309020205020404" pitchFamily="49" charset="0"/>
-              </a:rPr>
-              <a:t>(</a:t>
-            </a:r>
-            <a:r>
-              <a:rPr lang="pt-BR" b="0" dirty="0" err="1">
-                <a:solidFill>
-                  <a:srgbClr val="000000"/>
-                </a:solidFill>
-                <a:effectLst/>
-                <a:latin typeface="Courier New" panose="02070309020205020404" pitchFamily="49" charset="0"/>
-              </a:rPr>
-              <a:t>grades_range</a:t>
-            </a:r>
-            <a:r>
-              <a:rPr lang="pt-BR" b="0" dirty="0">
-                <a:solidFill>
-                  <a:srgbClr val="000000"/>
-                </a:solidFill>
-                <a:effectLst/>
-                <a:latin typeface="Courier New" panose="02070309020205020404" pitchFamily="49" charset="0"/>
-              </a:rPr>
-              <a:t>, </a:t>
-            </a:r>
-            <a:r>
-              <a:rPr lang="pt-BR" b="0" dirty="0" err="1">
-                <a:solidFill>
-                  <a:srgbClr val="000000"/>
-                </a:solidFill>
-                <a:effectLst/>
-                <a:latin typeface="Courier New" panose="02070309020205020404" pitchFamily="49" charset="0"/>
-              </a:rPr>
-              <a:t>boys_grades</a:t>
-            </a:r>
-            <a:r>
-              <a:rPr lang="pt-BR" b="0" dirty="0">
-                <a:solidFill>
-                  <a:srgbClr val="000000"/>
-                </a:solidFill>
-                <a:effectLst/>
-                <a:latin typeface="Courier New" panose="02070309020205020404" pitchFamily="49" charset="0"/>
-              </a:rPr>
-              <a:t>, color=</a:t>
-            </a:r>
-            <a:r>
-              <a:rPr lang="pt-BR" b="0" dirty="0">
-                <a:solidFill>
-                  <a:srgbClr val="A31515"/>
-                </a:solidFill>
-                <a:effectLst/>
-                <a:latin typeface="Courier New" panose="02070309020205020404" pitchFamily="49" charset="0"/>
-              </a:rPr>
-              <a:t>'b’</a:t>
-            </a:r>
-            <a:r>
-              <a:rPr lang="pt-BR" b="0" dirty="0">
-                <a:solidFill>
-                  <a:srgbClr val="000000"/>
-                </a:solidFill>
-                <a:effectLst/>
-                <a:latin typeface="Courier New" panose="02070309020205020404" pitchFamily="49" charset="0"/>
-              </a:rPr>
-              <a:t>)</a:t>
-            </a:r>
-          </a:p>
-          <a:p>
-            <a:pPr marL="0" indent="0">
-              <a:buNone/>
-            </a:pPr>
-            <a:r>
-              <a:rPr lang="pt-BR" b="0" dirty="0" err="1">
-                <a:solidFill>
-                  <a:srgbClr val="000000"/>
-                </a:solidFill>
-                <a:effectLst/>
-                <a:latin typeface="Courier New" panose="02070309020205020404" pitchFamily="49" charset="0"/>
-              </a:rPr>
-              <a:t>plt.xlabel</a:t>
-            </a:r>
-            <a:r>
-              <a:rPr lang="pt-BR" b="0" dirty="0">
-                <a:solidFill>
-                  <a:srgbClr val="000000"/>
-                </a:solidFill>
-                <a:effectLst/>
-                <a:latin typeface="Courier New" panose="02070309020205020404" pitchFamily="49" charset="0"/>
-              </a:rPr>
-              <a:t>(</a:t>
-            </a:r>
-            <a:r>
-              <a:rPr lang="pt-BR" b="0" dirty="0">
-                <a:solidFill>
-                  <a:srgbClr val="A31515"/>
-                </a:solidFill>
-                <a:effectLst/>
-                <a:latin typeface="Courier New" panose="02070309020205020404" pitchFamily="49" charset="0"/>
-              </a:rPr>
-              <a:t>'Grades Range’</a:t>
-            </a:r>
-            <a:r>
-              <a:rPr lang="pt-BR" b="0" dirty="0">
-                <a:solidFill>
-                  <a:srgbClr val="000000"/>
-                </a:solidFill>
-                <a:effectLst/>
-                <a:latin typeface="Courier New" panose="02070309020205020404" pitchFamily="49" charset="0"/>
-              </a:rPr>
-              <a:t>)</a:t>
-            </a:r>
-          </a:p>
-          <a:p>
-            <a:pPr marL="0" indent="0">
-              <a:buNone/>
-            </a:pPr>
-            <a:r>
-              <a:rPr lang="pt-BR" b="0" dirty="0" err="1">
-                <a:solidFill>
-                  <a:srgbClr val="000000"/>
-                </a:solidFill>
-                <a:effectLst/>
-                <a:latin typeface="Courier New" panose="02070309020205020404" pitchFamily="49" charset="0"/>
-              </a:rPr>
-              <a:t>plt.ylabel</a:t>
-            </a:r>
-            <a:r>
-              <a:rPr lang="pt-BR" b="0" dirty="0">
-                <a:solidFill>
-                  <a:srgbClr val="000000"/>
-                </a:solidFill>
-                <a:effectLst/>
-                <a:latin typeface="Courier New" panose="02070309020205020404" pitchFamily="49" charset="0"/>
-              </a:rPr>
-              <a:t>(</a:t>
-            </a:r>
-            <a:r>
-              <a:rPr lang="pt-BR" b="0" dirty="0">
-                <a:solidFill>
-                  <a:srgbClr val="A31515"/>
-                </a:solidFill>
-                <a:effectLst/>
-                <a:latin typeface="Courier New" panose="02070309020205020404" pitchFamily="49" charset="0"/>
-              </a:rPr>
-              <a:t>'Grades </a:t>
-            </a:r>
-            <a:r>
-              <a:rPr lang="pt-BR" b="0" dirty="0" err="1">
-                <a:solidFill>
-                  <a:srgbClr val="A31515"/>
-                </a:solidFill>
-                <a:effectLst/>
-                <a:latin typeface="Courier New" panose="02070309020205020404" pitchFamily="49" charset="0"/>
-              </a:rPr>
-              <a:t>Scored</a:t>
-            </a:r>
-            <a:r>
-              <a:rPr lang="pt-BR" b="0" dirty="0">
-                <a:solidFill>
-                  <a:srgbClr val="A31515"/>
-                </a:solidFill>
-                <a:effectLst/>
-                <a:latin typeface="Courier New" panose="02070309020205020404" pitchFamily="49" charset="0"/>
-              </a:rPr>
-              <a:t>’</a:t>
-            </a:r>
-            <a:r>
-              <a:rPr lang="pt-BR" b="0" dirty="0">
-                <a:solidFill>
-                  <a:srgbClr val="000000"/>
-                </a:solidFill>
-                <a:effectLst/>
-                <a:latin typeface="Courier New" panose="02070309020205020404" pitchFamily="49" charset="0"/>
-              </a:rPr>
-              <a:t>)</a:t>
-            </a:r>
-          </a:p>
-          <a:p>
-            <a:pPr marL="0" indent="0">
-              <a:buNone/>
-            </a:pPr>
-            <a:r>
-              <a:rPr lang="pt-BR" b="0" dirty="0" err="1">
-                <a:solidFill>
-                  <a:srgbClr val="000000"/>
-                </a:solidFill>
-                <a:effectLst/>
-                <a:latin typeface="Courier New" panose="02070309020205020404" pitchFamily="49" charset="0"/>
-              </a:rPr>
-              <a:t>plt.title</a:t>
-            </a:r>
-            <a:r>
-              <a:rPr lang="pt-BR" b="0" dirty="0">
-                <a:solidFill>
-                  <a:srgbClr val="000000"/>
-                </a:solidFill>
-                <a:effectLst/>
-                <a:latin typeface="Courier New" panose="02070309020205020404" pitchFamily="49" charset="0"/>
-              </a:rPr>
-              <a:t>(</a:t>
-            </a:r>
-            <a:r>
-              <a:rPr lang="pt-BR" b="0" dirty="0">
-                <a:solidFill>
-                  <a:srgbClr val="A31515"/>
-                </a:solidFill>
-                <a:effectLst/>
-                <a:latin typeface="Courier New" panose="02070309020205020404" pitchFamily="49" charset="0"/>
-              </a:rPr>
-              <a:t>'</a:t>
-            </a:r>
-            <a:r>
-              <a:rPr lang="pt-BR" b="0" dirty="0" err="1">
-                <a:solidFill>
-                  <a:srgbClr val="A31515"/>
-                </a:solidFill>
-                <a:effectLst/>
-                <a:latin typeface="Courier New" panose="02070309020205020404" pitchFamily="49" charset="0"/>
-              </a:rPr>
-              <a:t>scatter</a:t>
-            </a:r>
-            <a:r>
-              <a:rPr lang="pt-BR" b="0" dirty="0">
-                <a:solidFill>
-                  <a:srgbClr val="A31515"/>
-                </a:solidFill>
-                <a:effectLst/>
-                <a:latin typeface="Courier New" panose="02070309020205020404" pitchFamily="49" charset="0"/>
-              </a:rPr>
-              <a:t> </a:t>
-            </a:r>
-            <a:r>
-              <a:rPr lang="pt-BR" b="0" dirty="0" err="1">
-                <a:solidFill>
-                  <a:srgbClr val="A31515"/>
-                </a:solidFill>
-                <a:effectLst/>
-                <a:latin typeface="Courier New" panose="02070309020205020404" pitchFamily="49" charset="0"/>
-              </a:rPr>
-              <a:t>plot</a:t>
-            </a:r>
-            <a:r>
-              <a:rPr lang="pt-BR" b="0" dirty="0">
-                <a:solidFill>
-                  <a:srgbClr val="A31515"/>
-                </a:solidFill>
-                <a:effectLst/>
-                <a:latin typeface="Courier New" panose="02070309020205020404" pitchFamily="49" charset="0"/>
-              </a:rPr>
-              <a:t>’</a:t>
-            </a:r>
-            <a:r>
-              <a:rPr lang="pt-BR" b="0" dirty="0">
-                <a:solidFill>
-                  <a:srgbClr val="000000"/>
-                </a:solidFill>
-                <a:effectLst/>
-                <a:latin typeface="Courier New" panose="02070309020205020404" pitchFamily="49" charset="0"/>
-              </a:rPr>
-              <a:t>)</a:t>
-            </a:r>
-          </a:p>
-          <a:p>
-            <a:pPr marL="0" indent="0">
-              <a:buNone/>
-            </a:pPr>
-            <a:r>
-              <a:rPr lang="pt-BR" b="0" dirty="0" err="1">
-                <a:solidFill>
-                  <a:srgbClr val="000000"/>
-                </a:solidFill>
-                <a:effectLst/>
-                <a:latin typeface="Courier New" panose="02070309020205020404" pitchFamily="49" charset="0"/>
-              </a:rPr>
-              <a:t>plt.legend</a:t>
-            </a:r>
-            <a:r>
-              <a:rPr lang="pt-BR" b="0" dirty="0">
-                <a:solidFill>
-                  <a:srgbClr val="000000"/>
-                </a:solidFill>
-                <a:effectLst/>
-                <a:latin typeface="Courier New" panose="02070309020205020404" pitchFamily="49" charset="0"/>
-              </a:rPr>
-              <a:t>(</a:t>
-            </a:r>
-            <a:r>
-              <a:rPr lang="pt-BR" b="0" dirty="0" err="1">
-                <a:solidFill>
-                  <a:srgbClr val="000000"/>
-                </a:solidFill>
-                <a:effectLst/>
-                <a:latin typeface="Courier New" panose="02070309020205020404" pitchFamily="49" charset="0"/>
-              </a:rPr>
-              <a:t>labels</a:t>
-            </a:r>
-            <a:r>
-              <a:rPr lang="pt-BR" b="0" dirty="0">
-                <a:solidFill>
-                  <a:srgbClr val="000000"/>
-                </a:solidFill>
-                <a:effectLst/>
-                <a:latin typeface="Courier New" panose="02070309020205020404" pitchFamily="49" charset="0"/>
-              </a:rPr>
-              <a:t> = (</a:t>
-            </a:r>
-            <a:r>
-              <a:rPr lang="pt-BR" b="0" dirty="0">
-                <a:solidFill>
-                  <a:srgbClr val="A31515"/>
-                </a:solidFill>
-                <a:effectLst/>
-                <a:latin typeface="Courier New" panose="02070309020205020404" pitchFamily="49" charset="0"/>
-              </a:rPr>
-              <a:t>'girls'</a:t>
-            </a:r>
-            <a:r>
-              <a:rPr lang="pt-BR" b="0" dirty="0">
-                <a:solidFill>
-                  <a:srgbClr val="000000"/>
-                </a:solidFill>
-                <a:effectLst/>
-                <a:latin typeface="Courier New" panose="02070309020205020404" pitchFamily="49" charset="0"/>
-              </a:rPr>
-              <a:t>, </a:t>
-            </a:r>
-            <a:r>
-              <a:rPr lang="pt-BR" b="0" dirty="0">
-                <a:solidFill>
-                  <a:srgbClr val="A31515"/>
-                </a:solidFill>
-                <a:effectLst/>
-                <a:latin typeface="Courier New" panose="02070309020205020404" pitchFamily="49" charset="0"/>
-              </a:rPr>
-              <a:t>'boys'</a:t>
-            </a:r>
-            <a:r>
-              <a:rPr lang="pt-BR" b="0" dirty="0">
-                <a:solidFill>
-                  <a:srgbClr val="000000"/>
-                </a:solidFill>
-                <a:effectLst/>
-                <a:latin typeface="Courier New" panose="02070309020205020404" pitchFamily="49" charset="0"/>
-              </a:rPr>
-              <a:t>), </a:t>
-            </a:r>
-            <a:r>
-              <a:rPr lang="pt-BR" b="0" dirty="0" err="1">
-                <a:solidFill>
-                  <a:srgbClr val="000000"/>
-                </a:solidFill>
-                <a:effectLst/>
-                <a:latin typeface="Courier New" panose="02070309020205020404" pitchFamily="49" charset="0"/>
-              </a:rPr>
-              <a:t>loc</a:t>
-            </a:r>
-            <a:r>
-              <a:rPr lang="pt-BR" b="0" dirty="0">
-                <a:solidFill>
-                  <a:srgbClr val="000000"/>
-                </a:solidFill>
-                <a:effectLst/>
-                <a:latin typeface="Courier New" panose="02070309020205020404" pitchFamily="49" charset="0"/>
-              </a:rPr>
-              <a:t> = </a:t>
-            </a:r>
-            <a:r>
-              <a:rPr lang="pt-BR" b="0" dirty="0">
-                <a:solidFill>
-                  <a:srgbClr val="A31515"/>
-                </a:solidFill>
-                <a:effectLst/>
-                <a:latin typeface="Courier New" panose="02070309020205020404" pitchFamily="49" charset="0"/>
-              </a:rPr>
-              <a:t>'</a:t>
-            </a:r>
-            <a:r>
-              <a:rPr lang="pt-BR" b="0" dirty="0" err="1">
-                <a:solidFill>
-                  <a:srgbClr val="A31515"/>
-                </a:solidFill>
-                <a:effectLst/>
-                <a:latin typeface="Courier New" panose="02070309020205020404" pitchFamily="49" charset="0"/>
-              </a:rPr>
-              <a:t>upper</a:t>
-            </a:r>
-            <a:r>
-              <a:rPr lang="pt-BR" b="0" dirty="0">
-                <a:solidFill>
-                  <a:srgbClr val="A31515"/>
-                </a:solidFill>
-                <a:effectLst/>
-                <a:latin typeface="Courier New" panose="02070309020205020404" pitchFamily="49" charset="0"/>
-              </a:rPr>
-              <a:t> </a:t>
-            </a:r>
-            <a:r>
-              <a:rPr lang="pt-BR" b="0" dirty="0" err="1">
-                <a:solidFill>
-                  <a:srgbClr val="A31515"/>
-                </a:solidFill>
-                <a:effectLst/>
-                <a:latin typeface="Courier New" panose="02070309020205020404" pitchFamily="49" charset="0"/>
-              </a:rPr>
-              <a:t>right</a:t>
-            </a:r>
-            <a:r>
-              <a:rPr lang="pt-BR" b="0" dirty="0">
-                <a:solidFill>
-                  <a:srgbClr val="A31515"/>
-                </a:solidFill>
-                <a:effectLst/>
-                <a:latin typeface="Courier New" panose="02070309020205020404" pitchFamily="49" charset="0"/>
-              </a:rPr>
-              <a:t>'</a:t>
-            </a:r>
-            <a:r>
-              <a:rPr lang="pt-BR" b="0" dirty="0">
-                <a:solidFill>
-                  <a:srgbClr val="000000"/>
-                </a:solidFill>
-                <a:effectLst/>
-                <a:latin typeface="Courier New" panose="02070309020205020404" pitchFamily="49" charset="0"/>
-              </a:rPr>
-              <a:t>)</a:t>
-            </a:r>
-          </a:p>
-          <a:p>
-            <a:pPr marL="0" indent="0">
-              <a:buNone/>
-            </a:pPr>
-            <a:r>
-              <a:rPr lang="pt-BR" b="0" dirty="0" err="1">
-                <a:solidFill>
-                  <a:srgbClr val="000000"/>
-                </a:solidFill>
-                <a:effectLst/>
-                <a:latin typeface="Courier New" panose="02070309020205020404" pitchFamily="49" charset="0"/>
-              </a:rPr>
-              <a:t>plt.show</a:t>
-            </a:r>
-            <a:r>
-              <a:rPr lang="pt-BR" b="0" dirty="0">
-                <a:solidFill>
-                  <a:srgbClr val="000000"/>
-                </a:solidFill>
-                <a:effectLst/>
-                <a:latin typeface="Courier New" panose="02070309020205020404" pitchFamily="49" charset="0"/>
-              </a:rPr>
-              <a:t>()</a:t>
-            </a:r>
-          </a:p>
-          <a:p>
-            <a:endParaRPr lang="pt-BR" dirty="0"/>
-          </a:p>
-        </p:txBody>
-      </p:sp>
-    </p:spTree>
-    <p:extLst>
-      <p:ext uri="{BB962C8B-B14F-4D97-AF65-F5344CB8AC3E}">
-        <p14:creationId xmlns:p14="http://schemas.microsoft.com/office/powerpoint/2010/main" val="3306654884"/>
-      </p:ext>
-    </p:extLst>
-  </p:cSld>
-  <p:clrMapOvr>
-    <a:masterClrMapping/>
-  </p:clrMapOvr>
-</p:sld>
-</file>
-
-<file path=ppt/slides/slide25.xml><?xml version="1.0" encoding="utf-8"?>
-<p:sld xmlns:a="http://schemas.openxmlformats.org/drawingml/2006/main" xmlns:r="http://schemas.openxmlformats.org/officeDocument/2006/relationships" xmlns:p="http://schemas.openxmlformats.org/presentationml/2006/main">
-  <p:cSld>
-    <p:spTree>
-      <p:nvGrpSpPr>
-        <p:cNvPr id="1" name=""/>
-        <p:cNvGrpSpPr/>
-        <p:nvPr/>
-      </p:nvGrpSpPr>
-      <p:grpSpPr>
-        <a:xfrm>
-          <a:off x="0" y="0"/>
-          <a:ext cx="0" cy="0"/>
-          <a:chOff x="0" y="0"/>
-          <a:chExt cx="0" cy="0"/>
-        </a:xfrm>
-      </p:grpSpPr>
-      <p:sp>
-        <p:nvSpPr>
-          <p:cNvPr id="2" name="Título 1">
-            <a:extLst>
-              <a:ext uri="{FF2B5EF4-FFF2-40B4-BE49-F238E27FC236}">
-                <a16:creationId xmlns:a16="http://schemas.microsoft.com/office/drawing/2014/main" id="{5B94005F-8804-3729-18B4-EAC3599CE71A}"/>
-              </a:ext>
-            </a:extLst>
-          </p:cNvPr>
-          <p:cNvSpPr>
-            <a:spLocks noGrp="1"/>
-          </p:cNvSpPr>
-          <p:nvPr>
-            <p:ph type="title"/>
-          </p:nvPr>
-        </p:nvSpPr>
-        <p:spPr>
-          <a:solidFill>
-            <a:schemeClr val="accent4">
-              <a:lumMod val="60000"/>
-              <a:lumOff val="40000"/>
-            </a:schemeClr>
-          </a:solidFill>
-        </p:spPr>
-        <p:txBody>
-          <a:bodyPr/>
-          <a:lstStyle/>
-          <a:p>
-            <a:r>
-              <a:rPr lang="pt-BR" dirty="0" err="1"/>
-              <a:t>Boxplot</a:t>
-            </a:r>
-            <a:r>
-              <a:rPr lang="pt-BR" dirty="0"/>
-              <a:t>. Gráfico estatístico</a:t>
-            </a:r>
-          </a:p>
-        </p:txBody>
-      </p:sp>
-      <p:sp>
-        <p:nvSpPr>
-          <p:cNvPr id="3" name="Espaço Reservado para Conteúdo 2">
-            <a:extLst>
-              <a:ext uri="{FF2B5EF4-FFF2-40B4-BE49-F238E27FC236}">
-                <a16:creationId xmlns:a16="http://schemas.microsoft.com/office/drawing/2014/main" id="{A54F9DF9-A50E-C784-2B1C-DA80B3A344E2}"/>
-              </a:ext>
-            </a:extLst>
-          </p:cNvPr>
-          <p:cNvSpPr>
-            <a:spLocks noGrp="1"/>
-          </p:cNvSpPr>
-          <p:nvPr>
-            <p:ph idx="1"/>
-          </p:nvPr>
-        </p:nvSpPr>
-        <p:spPr/>
-        <p:txBody>
-          <a:bodyPr/>
-          <a:lstStyle/>
-          <a:p>
-            <a:r>
-              <a:rPr lang="pt-BR" dirty="0"/>
-              <a:t>Vamos determinar a mediana do conjunto de dados.</a:t>
-            </a:r>
-          </a:p>
-          <a:p>
-            <a:pPr marL="0" indent="0">
-              <a:buNone/>
-            </a:pPr>
-            <a:r>
-              <a:rPr lang="pt-BR" dirty="0"/>
-              <a:t>2,2,3,4,6,6,6,7,8,9.</a:t>
-            </a:r>
-          </a:p>
-          <a:p>
-            <a:pPr marL="0" indent="0">
-              <a:buNone/>
-            </a:pPr>
-            <a:endParaRPr lang="pt-BR" dirty="0"/>
-          </a:p>
-          <a:p>
-            <a:pPr marL="0" indent="0">
-              <a:buNone/>
-            </a:pPr>
-            <a:r>
-              <a:rPr lang="pt-BR" dirty="0"/>
-              <a:t>A mediana do conjunto de dados é o valor que está no meio.</a:t>
-            </a:r>
-          </a:p>
-          <a:p>
-            <a:pPr marL="0" indent="0">
-              <a:buNone/>
-            </a:pPr>
-            <a:r>
-              <a:rPr lang="pt-BR" b="1" dirty="0"/>
-              <a:t>2,2,3,4</a:t>
-            </a:r>
-            <a:r>
-              <a:rPr lang="pt-BR" dirty="0"/>
-              <a:t>, 6,6, </a:t>
-            </a:r>
-            <a:r>
-              <a:rPr lang="pt-BR" b="1" dirty="0"/>
-              <a:t>6,7,8,9</a:t>
-            </a:r>
-            <a:r>
-              <a:rPr lang="pt-BR" dirty="0"/>
-              <a:t>.</a:t>
-            </a:r>
-          </a:p>
-          <a:p>
-            <a:pPr marL="0" indent="0">
-              <a:buNone/>
-            </a:pPr>
-            <a:endParaRPr lang="pt-BR" dirty="0"/>
-          </a:p>
-          <a:p>
-            <a:pPr marL="0" indent="0">
-              <a:buNone/>
-            </a:pPr>
-            <a:r>
-              <a:rPr lang="pt-BR" dirty="0"/>
-              <a:t>Logo a mediana é o valor 6.</a:t>
-            </a:r>
-          </a:p>
-          <a:p>
-            <a:pPr marL="0" indent="0">
-              <a:buNone/>
-            </a:pPr>
-            <a:endParaRPr lang="pt-BR" dirty="0"/>
-          </a:p>
-        </p:txBody>
-      </p:sp>
-    </p:spTree>
-    <p:extLst>
-      <p:ext uri="{BB962C8B-B14F-4D97-AF65-F5344CB8AC3E}">
-        <p14:creationId xmlns:p14="http://schemas.microsoft.com/office/powerpoint/2010/main" val="816605090"/>
-      </p:ext>
-    </p:extLst>
-  </p:cSld>
-  <p:clrMapOvr>
-    <a:masterClrMapping/>
-  </p:clrMapOvr>
-</p:sld>
-</file>
-
-<file path=ppt/slides/slide26.xml><?xml version="1.0" encoding="utf-8"?>
-<p:sld xmlns:a="http://schemas.openxmlformats.org/drawingml/2006/main" xmlns:r="http://schemas.openxmlformats.org/officeDocument/2006/relationships" xmlns:p="http://schemas.openxmlformats.org/presentationml/2006/main">
-  <p:cSld>
-    <p:spTree>
-      <p:nvGrpSpPr>
-        <p:cNvPr id="1" name=""/>
-        <p:cNvGrpSpPr/>
-        <p:nvPr/>
-      </p:nvGrpSpPr>
-      <p:grpSpPr>
-        <a:xfrm>
-          <a:off x="0" y="0"/>
-          <a:ext cx="0" cy="0"/>
-          <a:chOff x="0" y="0"/>
-          <a:chExt cx="0" cy="0"/>
-        </a:xfrm>
-      </p:grpSpPr>
-      <p:sp>
-        <p:nvSpPr>
-          <p:cNvPr id="2" name="Título 1">
-            <a:extLst>
-              <a:ext uri="{FF2B5EF4-FFF2-40B4-BE49-F238E27FC236}">
                 <a16:creationId xmlns:a16="http://schemas.microsoft.com/office/drawing/2014/main" id="{EDD92414-07AF-EC23-7273-43C8194C3E48}"/>
               </a:ext>
             </a:extLst>
@@ -8732,6 +5901,41 @@
           </a:prstGeom>
         </p:spPr>
       </p:pic>
+      <p:sp>
+        <p:nvSpPr>
+          <p:cNvPr id="6" name="CaixaDeTexto 5">
+            <a:extLst>
+              <a:ext uri="{FF2B5EF4-FFF2-40B4-BE49-F238E27FC236}">
+                <a16:creationId xmlns:a16="http://schemas.microsoft.com/office/drawing/2014/main" id="{D634ED43-4C1E-FFF8-5ED0-608B011BE43F}"/>
+              </a:ext>
+            </a:extLst>
+          </p:cNvPr>
+          <p:cNvSpPr txBox="1"/>
+          <p:nvPr/>
+        </p:nvSpPr>
+        <p:spPr>
+          <a:xfrm>
+            <a:off x="4306956" y="5746406"/>
+            <a:ext cx="3604592" cy="369332"/>
+          </a:xfrm>
+          <a:prstGeom prst="rect">
+            <a:avLst/>
+          </a:prstGeom>
+          <a:noFill/>
+        </p:spPr>
+        <p:txBody>
+          <a:bodyPr wrap="square" rtlCol="0">
+            <a:spAutoFit/>
+          </a:bodyPr>
+          <a:lstStyle/>
+          <a:p>
+            <a:r>
+              <a:rPr lang="pt-BR" dirty="0"/>
+              <a:t>25%                   50%                   75%</a:t>
+            </a:r>
+          </a:p>
+        </p:txBody>
+      </p:sp>
     </p:spTree>
     <p:extLst>
       <p:ext uri="{BB962C8B-B14F-4D97-AF65-F5344CB8AC3E}">
@@ -8745,7 +5949,7 @@
 </p:sld>
 </file>
 
-<file path=ppt/slides/slide27.xml><?xml version="1.0" encoding="utf-8"?>
+<file path=ppt/slides/slide24.xml><?xml version="1.0" encoding="utf-8"?>
 <p:sld xmlns:a="http://schemas.openxmlformats.org/drawingml/2006/main" xmlns:r="http://schemas.openxmlformats.org/officeDocument/2006/relationships" xmlns:p="http://schemas.openxmlformats.org/presentationml/2006/main">
   <p:cSld>
     <p:spTree>
@@ -8836,6 +6040,1233 @@
 </p:sld>
 </file>
 
+<file path=ppt/slides/slide25.xml><?xml version="1.0" encoding="utf-8"?>
+<p:sld xmlns:a="http://schemas.openxmlformats.org/drawingml/2006/main" xmlns:r="http://schemas.openxmlformats.org/officeDocument/2006/relationships" xmlns:p="http://schemas.openxmlformats.org/presentationml/2006/main">
+  <p:cSld>
+    <p:spTree>
+      <p:nvGrpSpPr>
+        <p:cNvPr id="1" name=""/>
+        <p:cNvGrpSpPr/>
+        <p:nvPr/>
+      </p:nvGrpSpPr>
+      <p:grpSpPr>
+        <a:xfrm>
+          <a:off x="0" y="0"/>
+          <a:ext cx="0" cy="0"/>
+          <a:chOff x="0" y="0"/>
+          <a:chExt cx="0" cy="0"/>
+        </a:xfrm>
+      </p:grpSpPr>
+      <p:sp>
+        <p:nvSpPr>
+          <p:cNvPr id="2" name="Título 1">
+            <a:extLst>
+              <a:ext uri="{FF2B5EF4-FFF2-40B4-BE49-F238E27FC236}">
+                <a16:creationId xmlns:a16="http://schemas.microsoft.com/office/drawing/2014/main" id="{A7314474-0BBD-B895-DBEA-A54DD7329E78}"/>
+              </a:ext>
+            </a:extLst>
+          </p:cNvPr>
+          <p:cNvSpPr>
+            <a:spLocks noGrp="1"/>
+          </p:cNvSpPr>
+          <p:nvPr>
+            <p:ph type="title"/>
+          </p:nvPr>
+        </p:nvSpPr>
+        <p:spPr>
+          <a:solidFill>
+            <a:srgbClr val="FFFF00"/>
+          </a:solidFill>
+        </p:spPr>
+        <p:txBody>
+          <a:bodyPr/>
+          <a:lstStyle/>
+          <a:p>
+            <a:r>
+              <a:rPr lang="pt-BR" dirty="0"/>
+              <a:t>Múltiplos </a:t>
+            </a:r>
+            <a:r>
+              <a:rPr lang="pt-BR" dirty="0" err="1"/>
+              <a:t>plots</a:t>
+            </a:r>
+            <a:r>
+              <a:rPr lang="pt-BR" dirty="0"/>
+              <a:t>:</a:t>
+            </a:r>
+          </a:p>
+        </p:txBody>
+      </p:sp>
+      <p:sp>
+        <p:nvSpPr>
+          <p:cNvPr id="3" name="Espaço Reservado para Conteúdo 2">
+            <a:extLst>
+              <a:ext uri="{FF2B5EF4-FFF2-40B4-BE49-F238E27FC236}">
+                <a16:creationId xmlns:a16="http://schemas.microsoft.com/office/drawing/2014/main" id="{C199DA21-B866-F79D-4495-95E68D63CE9A}"/>
+              </a:ext>
+            </a:extLst>
+          </p:cNvPr>
+          <p:cNvSpPr>
+            <a:spLocks noGrp="1"/>
+          </p:cNvSpPr>
+          <p:nvPr>
+            <p:ph idx="1"/>
+          </p:nvPr>
+        </p:nvSpPr>
+        <p:spPr/>
+        <p:txBody>
+          <a:bodyPr>
+            <a:normAutofit/>
+          </a:bodyPr>
+          <a:lstStyle/>
+          <a:p>
+            <a:endParaRPr lang="pt-BR" dirty="0"/>
+          </a:p>
+        </p:txBody>
+      </p:sp>
+      <p:pic>
+        <p:nvPicPr>
+          <p:cNvPr id="2050" name="Picture 2" descr="Master the art of subplots in Python | by Ankit Gupta | Towards Data Science">
+            <a:extLst>
+              <a:ext uri="{FF2B5EF4-FFF2-40B4-BE49-F238E27FC236}">
+                <a16:creationId xmlns:a16="http://schemas.microsoft.com/office/drawing/2014/main" id="{CBB543FD-36A5-DE0B-B9DB-D2E05DDB7A11}"/>
+              </a:ext>
+            </a:extLst>
+          </p:cNvPr>
+          <p:cNvPicPr>
+            <a:picLocks noChangeAspect="1" noChangeArrowheads="1"/>
+          </p:cNvPicPr>
+          <p:nvPr/>
+        </p:nvPicPr>
+        <p:blipFill>
+          <a:blip r:embed="rId2">
+            <a:extLst>
+              <a:ext uri="{28A0092B-C50C-407E-A947-70E740481C1C}">
+                <a14:useLocalDpi xmlns:a14="http://schemas.microsoft.com/office/drawing/2010/main" val="0"/>
+              </a:ext>
+            </a:extLst>
+          </a:blip>
+          <a:srcRect/>
+          <a:stretch>
+            <a:fillRect/>
+          </a:stretch>
+        </p:blipFill>
+        <p:spPr bwMode="auto">
+          <a:xfrm>
+            <a:off x="2981740" y="1825626"/>
+            <a:ext cx="5605532" cy="4508914"/>
+          </a:xfrm>
+          <a:prstGeom prst="rect">
+            <a:avLst/>
+          </a:prstGeom>
+          <a:noFill/>
+          <a:extLst>
+            <a:ext uri="{909E8E84-426E-40DD-AFC4-6F175D3DCCD1}">
+              <a14:hiddenFill xmlns:a14="http://schemas.microsoft.com/office/drawing/2010/main">
+                <a:solidFill>
+                  <a:srgbClr val="FFFFFF"/>
+                </a:solidFill>
+              </a14:hiddenFill>
+            </a:ext>
+          </a:extLst>
+        </p:spPr>
+      </p:pic>
+    </p:spTree>
+    <p:extLst>
+      <p:ext uri="{BB962C8B-B14F-4D97-AF65-F5344CB8AC3E}">
+        <p14:creationId xmlns:p14="http://schemas.microsoft.com/office/powerpoint/2010/main" val="2543239947"/>
+      </p:ext>
+    </p:extLst>
+  </p:cSld>
+  <p:clrMapOvr>
+    <a:masterClrMapping/>
+  </p:clrMapOvr>
+</p:sld>
+</file>
+
+<file path=ppt/slides/slide26.xml><?xml version="1.0" encoding="utf-8"?>
+<p:sld xmlns:a="http://schemas.openxmlformats.org/drawingml/2006/main" xmlns:r="http://schemas.openxmlformats.org/officeDocument/2006/relationships" xmlns:p="http://schemas.openxmlformats.org/presentationml/2006/main">
+  <p:cSld>
+    <p:spTree>
+      <p:nvGrpSpPr>
+        <p:cNvPr id="1" name=""/>
+        <p:cNvGrpSpPr/>
+        <p:nvPr/>
+      </p:nvGrpSpPr>
+      <p:grpSpPr>
+        <a:xfrm>
+          <a:off x="0" y="0"/>
+          <a:ext cx="0" cy="0"/>
+          <a:chOff x="0" y="0"/>
+          <a:chExt cx="0" cy="0"/>
+        </a:xfrm>
+      </p:grpSpPr>
+      <p:sp>
+        <p:nvSpPr>
+          <p:cNvPr id="2" name="Título 1">
+            <a:extLst>
+              <a:ext uri="{FF2B5EF4-FFF2-40B4-BE49-F238E27FC236}">
+                <a16:creationId xmlns:a16="http://schemas.microsoft.com/office/drawing/2014/main" id="{8E9C6E14-EDAC-4A34-8C55-741CBD6D8570}"/>
+              </a:ext>
+            </a:extLst>
+          </p:cNvPr>
+          <p:cNvSpPr>
+            <a:spLocks noGrp="1"/>
+          </p:cNvSpPr>
+          <p:nvPr>
+            <p:ph type="title"/>
+          </p:nvPr>
+        </p:nvSpPr>
+        <p:spPr/>
+        <p:txBody>
+          <a:bodyPr/>
+          <a:lstStyle/>
+          <a:p>
+            <a:r>
+              <a:rPr lang="pt-BR" dirty="0" err="1"/>
+              <a:t>Plot</a:t>
+            </a:r>
+            <a:r>
+              <a:rPr lang="pt-BR" dirty="0"/>
+              <a:t> 1</a:t>
+            </a:r>
+          </a:p>
+        </p:txBody>
+      </p:sp>
+      <p:sp>
+        <p:nvSpPr>
+          <p:cNvPr id="3" name="Espaço Reservado para Conteúdo 2">
+            <a:extLst>
+              <a:ext uri="{FF2B5EF4-FFF2-40B4-BE49-F238E27FC236}">
+                <a16:creationId xmlns:a16="http://schemas.microsoft.com/office/drawing/2014/main" id="{205C4728-10CD-2BE4-D781-12504D9192F0}"/>
+              </a:ext>
+            </a:extLst>
+          </p:cNvPr>
+          <p:cNvSpPr>
+            <a:spLocks noGrp="1"/>
+          </p:cNvSpPr>
+          <p:nvPr>
+            <p:ph idx="1"/>
+          </p:nvPr>
+        </p:nvSpPr>
+        <p:spPr/>
+        <p:txBody>
+          <a:bodyPr/>
+          <a:lstStyle/>
+          <a:p>
+            <a:pPr marL="0" indent="0">
+              <a:buNone/>
+            </a:pPr>
+            <a:r>
+              <a:rPr lang="pt-BR" b="0" dirty="0">
+                <a:solidFill>
+                  <a:srgbClr val="008000"/>
+                </a:solidFill>
+                <a:effectLst/>
+                <a:latin typeface="Courier New" panose="02070309020205020404" pitchFamily="49" charset="0"/>
+              </a:rPr>
+              <a:t>#plot 1:</a:t>
+            </a:r>
+            <a:endParaRPr lang="pt-BR" b="0" dirty="0">
+              <a:solidFill>
+                <a:srgbClr val="000000"/>
+              </a:solidFill>
+              <a:effectLst/>
+              <a:latin typeface="Courier New" panose="02070309020205020404" pitchFamily="49" charset="0"/>
+            </a:endParaRPr>
+          </a:p>
+          <a:p>
+            <a:pPr marL="0" indent="0">
+              <a:buNone/>
+            </a:pPr>
+            <a:r>
+              <a:rPr lang="pt-BR" b="0" dirty="0">
+                <a:solidFill>
+                  <a:srgbClr val="000000"/>
+                </a:solidFill>
+                <a:effectLst/>
+                <a:latin typeface="Courier New" panose="02070309020205020404" pitchFamily="49" charset="0"/>
+              </a:rPr>
+              <a:t>x = [</a:t>
+            </a:r>
+            <a:r>
+              <a:rPr lang="pt-BR" b="0" dirty="0">
+                <a:solidFill>
+                  <a:srgbClr val="098156"/>
+                </a:solidFill>
+                <a:effectLst/>
+                <a:latin typeface="Courier New" panose="02070309020205020404" pitchFamily="49" charset="0"/>
+              </a:rPr>
+              <a:t>0</a:t>
+            </a:r>
+            <a:r>
+              <a:rPr lang="pt-BR" b="0" dirty="0">
+                <a:solidFill>
+                  <a:srgbClr val="000000"/>
+                </a:solidFill>
+                <a:effectLst/>
+                <a:latin typeface="Courier New" panose="02070309020205020404" pitchFamily="49" charset="0"/>
+              </a:rPr>
+              <a:t>, </a:t>
+            </a:r>
+            <a:r>
+              <a:rPr lang="pt-BR" b="0" dirty="0">
+                <a:solidFill>
+                  <a:srgbClr val="098156"/>
+                </a:solidFill>
+                <a:effectLst/>
+                <a:latin typeface="Courier New" panose="02070309020205020404" pitchFamily="49" charset="0"/>
+              </a:rPr>
+              <a:t>1</a:t>
+            </a:r>
+            <a:r>
+              <a:rPr lang="pt-BR" b="0" dirty="0">
+                <a:solidFill>
+                  <a:srgbClr val="000000"/>
+                </a:solidFill>
+                <a:effectLst/>
+                <a:latin typeface="Courier New" panose="02070309020205020404" pitchFamily="49" charset="0"/>
+              </a:rPr>
+              <a:t>, </a:t>
+            </a:r>
+            <a:r>
+              <a:rPr lang="pt-BR" b="0" dirty="0">
+                <a:solidFill>
+                  <a:srgbClr val="098156"/>
+                </a:solidFill>
+                <a:effectLst/>
+                <a:latin typeface="Courier New" panose="02070309020205020404" pitchFamily="49" charset="0"/>
+              </a:rPr>
+              <a:t>2</a:t>
+            </a:r>
+            <a:r>
+              <a:rPr lang="pt-BR" b="0" dirty="0">
+                <a:solidFill>
+                  <a:srgbClr val="000000"/>
+                </a:solidFill>
+                <a:effectLst/>
+                <a:latin typeface="Courier New" panose="02070309020205020404" pitchFamily="49" charset="0"/>
+              </a:rPr>
+              <a:t>, </a:t>
+            </a:r>
+            <a:r>
+              <a:rPr lang="pt-BR" b="0" dirty="0">
+                <a:solidFill>
+                  <a:srgbClr val="098156"/>
+                </a:solidFill>
+                <a:effectLst/>
+                <a:latin typeface="Courier New" panose="02070309020205020404" pitchFamily="49" charset="0"/>
+              </a:rPr>
+              <a:t>3</a:t>
+            </a:r>
+            <a:r>
+              <a:rPr lang="pt-BR" b="0" dirty="0">
+                <a:solidFill>
+                  <a:srgbClr val="000000"/>
+                </a:solidFill>
+                <a:effectLst/>
+                <a:latin typeface="Courier New" panose="02070309020205020404" pitchFamily="49" charset="0"/>
+              </a:rPr>
+              <a:t>]</a:t>
+            </a:r>
+          </a:p>
+          <a:p>
+            <a:pPr marL="0" indent="0">
+              <a:buNone/>
+            </a:pPr>
+            <a:r>
+              <a:rPr lang="pt-BR" b="0" dirty="0">
+                <a:solidFill>
+                  <a:srgbClr val="000000"/>
+                </a:solidFill>
+                <a:effectLst/>
+                <a:latin typeface="Courier New" panose="02070309020205020404" pitchFamily="49" charset="0"/>
+              </a:rPr>
+              <a:t>y = [</a:t>
+            </a:r>
+            <a:r>
+              <a:rPr lang="pt-BR" b="0" dirty="0">
+                <a:solidFill>
+                  <a:srgbClr val="098156"/>
+                </a:solidFill>
+                <a:effectLst/>
+                <a:latin typeface="Courier New" panose="02070309020205020404" pitchFamily="49" charset="0"/>
+              </a:rPr>
+              <a:t>3</a:t>
+            </a:r>
+            <a:r>
+              <a:rPr lang="pt-BR" b="0" dirty="0">
+                <a:solidFill>
+                  <a:srgbClr val="000000"/>
+                </a:solidFill>
+                <a:effectLst/>
+                <a:latin typeface="Courier New" panose="02070309020205020404" pitchFamily="49" charset="0"/>
+              </a:rPr>
+              <a:t>, </a:t>
+            </a:r>
+            <a:r>
+              <a:rPr lang="pt-BR" b="0" dirty="0">
+                <a:solidFill>
+                  <a:srgbClr val="098156"/>
+                </a:solidFill>
+                <a:effectLst/>
+                <a:latin typeface="Courier New" panose="02070309020205020404" pitchFamily="49" charset="0"/>
+              </a:rPr>
+              <a:t>8</a:t>
+            </a:r>
+            <a:r>
+              <a:rPr lang="pt-BR" b="0" dirty="0">
+                <a:solidFill>
+                  <a:srgbClr val="000000"/>
+                </a:solidFill>
+                <a:effectLst/>
+                <a:latin typeface="Courier New" panose="02070309020205020404" pitchFamily="49" charset="0"/>
+              </a:rPr>
+              <a:t>, </a:t>
+            </a:r>
+            <a:r>
+              <a:rPr lang="pt-BR" b="0" dirty="0">
+                <a:solidFill>
+                  <a:srgbClr val="098156"/>
+                </a:solidFill>
+                <a:effectLst/>
+                <a:latin typeface="Courier New" panose="02070309020205020404" pitchFamily="49" charset="0"/>
+              </a:rPr>
+              <a:t>10</a:t>
+            </a:r>
+            <a:r>
+              <a:rPr lang="pt-BR" b="0" dirty="0">
+                <a:solidFill>
+                  <a:srgbClr val="000000"/>
+                </a:solidFill>
+                <a:effectLst/>
+                <a:latin typeface="Courier New" panose="02070309020205020404" pitchFamily="49" charset="0"/>
+              </a:rPr>
+              <a:t>, </a:t>
+            </a:r>
+            <a:r>
+              <a:rPr lang="pt-BR" b="0" dirty="0">
+                <a:solidFill>
+                  <a:srgbClr val="098156"/>
+                </a:solidFill>
+                <a:effectLst/>
+                <a:latin typeface="Courier New" panose="02070309020205020404" pitchFamily="49" charset="0"/>
+              </a:rPr>
+              <a:t>15</a:t>
+            </a:r>
+            <a:r>
+              <a:rPr lang="pt-BR" b="0" dirty="0">
+                <a:solidFill>
+                  <a:srgbClr val="000000"/>
+                </a:solidFill>
+                <a:effectLst/>
+                <a:latin typeface="Courier New" panose="02070309020205020404" pitchFamily="49" charset="0"/>
+              </a:rPr>
+              <a:t>]</a:t>
+            </a:r>
+          </a:p>
+          <a:p>
+            <a:pPr marL="0" indent="0">
+              <a:buNone/>
+            </a:pPr>
+            <a:br>
+              <a:rPr lang="pt-BR" b="0" dirty="0">
+                <a:solidFill>
+                  <a:srgbClr val="000000"/>
+                </a:solidFill>
+                <a:effectLst/>
+                <a:latin typeface="Courier New" panose="02070309020205020404" pitchFamily="49" charset="0"/>
+              </a:rPr>
+            </a:br>
+            <a:r>
+              <a:rPr lang="pt-BR" b="0" dirty="0" err="1">
+                <a:solidFill>
+                  <a:srgbClr val="000000"/>
+                </a:solidFill>
+                <a:effectLst/>
+                <a:latin typeface="Courier New" panose="02070309020205020404" pitchFamily="49" charset="0"/>
+              </a:rPr>
+              <a:t>plt.subplot</a:t>
+            </a:r>
+            <a:r>
+              <a:rPr lang="pt-BR" b="0" dirty="0">
+                <a:solidFill>
+                  <a:srgbClr val="000000"/>
+                </a:solidFill>
+                <a:effectLst/>
+                <a:latin typeface="Courier New" panose="02070309020205020404" pitchFamily="49" charset="0"/>
+              </a:rPr>
+              <a:t>(</a:t>
+            </a:r>
+            <a:r>
+              <a:rPr lang="pt-BR" b="0" dirty="0">
+                <a:solidFill>
+                  <a:srgbClr val="098156"/>
+                </a:solidFill>
+                <a:effectLst/>
+                <a:latin typeface="Courier New" panose="02070309020205020404" pitchFamily="49" charset="0"/>
+              </a:rPr>
+              <a:t>1</a:t>
+            </a:r>
+            <a:r>
+              <a:rPr lang="pt-BR" b="0" dirty="0">
+                <a:solidFill>
+                  <a:srgbClr val="000000"/>
+                </a:solidFill>
+                <a:effectLst/>
+                <a:latin typeface="Courier New" panose="02070309020205020404" pitchFamily="49" charset="0"/>
+              </a:rPr>
+              <a:t>, </a:t>
+            </a:r>
+            <a:r>
+              <a:rPr lang="pt-BR" b="0" dirty="0">
+                <a:solidFill>
+                  <a:srgbClr val="098156"/>
+                </a:solidFill>
+                <a:effectLst/>
+                <a:latin typeface="Courier New" panose="02070309020205020404" pitchFamily="49" charset="0"/>
+              </a:rPr>
+              <a:t>2</a:t>
+            </a:r>
+            <a:r>
+              <a:rPr lang="pt-BR" b="0" dirty="0">
+                <a:solidFill>
+                  <a:srgbClr val="000000"/>
+                </a:solidFill>
+                <a:effectLst/>
+                <a:latin typeface="Courier New" panose="02070309020205020404" pitchFamily="49" charset="0"/>
+              </a:rPr>
+              <a:t>, </a:t>
+            </a:r>
+            <a:r>
+              <a:rPr lang="pt-BR" b="0" dirty="0">
+                <a:solidFill>
+                  <a:srgbClr val="098156"/>
+                </a:solidFill>
+                <a:effectLst/>
+                <a:latin typeface="Courier New" panose="02070309020205020404" pitchFamily="49" charset="0"/>
+              </a:rPr>
+              <a:t>1</a:t>
+            </a:r>
+            <a:r>
+              <a:rPr lang="pt-BR" b="0" dirty="0">
+                <a:solidFill>
+                  <a:srgbClr val="000000"/>
+                </a:solidFill>
+                <a:effectLst/>
+                <a:latin typeface="Courier New" panose="02070309020205020404" pitchFamily="49" charset="0"/>
+              </a:rPr>
+              <a:t>)</a:t>
+            </a:r>
+          </a:p>
+          <a:p>
+            <a:pPr marL="0" indent="0">
+              <a:buNone/>
+            </a:pPr>
+            <a:r>
+              <a:rPr lang="pt-BR" b="0" dirty="0" err="1">
+                <a:solidFill>
+                  <a:srgbClr val="000000"/>
+                </a:solidFill>
+                <a:effectLst/>
+                <a:latin typeface="Courier New" panose="02070309020205020404" pitchFamily="49" charset="0"/>
+              </a:rPr>
+              <a:t>plt.plot</a:t>
+            </a:r>
+            <a:r>
+              <a:rPr lang="pt-BR" b="0" dirty="0">
+                <a:solidFill>
+                  <a:srgbClr val="000000"/>
+                </a:solidFill>
+                <a:effectLst/>
+                <a:latin typeface="Courier New" panose="02070309020205020404" pitchFamily="49" charset="0"/>
+              </a:rPr>
+              <a:t>(</a:t>
+            </a:r>
+            <a:r>
+              <a:rPr lang="pt-BR" b="0" dirty="0" err="1">
+                <a:solidFill>
+                  <a:srgbClr val="000000"/>
+                </a:solidFill>
+                <a:effectLst/>
+                <a:latin typeface="Courier New" panose="02070309020205020404" pitchFamily="49" charset="0"/>
+              </a:rPr>
+              <a:t>x,y,color</a:t>
+            </a:r>
+            <a:r>
+              <a:rPr lang="pt-BR" b="0" dirty="0">
+                <a:solidFill>
+                  <a:srgbClr val="000000"/>
+                </a:solidFill>
+                <a:effectLst/>
+                <a:latin typeface="Courier New" panose="02070309020205020404" pitchFamily="49" charset="0"/>
+              </a:rPr>
+              <a:t> = </a:t>
+            </a:r>
+            <a:r>
+              <a:rPr lang="pt-BR" b="0" dirty="0">
+                <a:solidFill>
+                  <a:srgbClr val="A31515"/>
+                </a:solidFill>
+                <a:effectLst/>
+                <a:latin typeface="Courier New" panose="02070309020205020404" pitchFamily="49" charset="0"/>
+              </a:rPr>
+              <a:t>'r'</a:t>
+            </a:r>
+            <a:r>
+              <a:rPr lang="pt-BR" b="0" dirty="0">
+                <a:solidFill>
+                  <a:srgbClr val="000000"/>
+                </a:solidFill>
+                <a:effectLst/>
+                <a:latin typeface="Courier New" panose="02070309020205020404" pitchFamily="49" charset="0"/>
+              </a:rPr>
+              <a:t>)</a:t>
+            </a:r>
+          </a:p>
+          <a:p>
+            <a:pPr marL="0" indent="0">
+              <a:buNone/>
+            </a:pPr>
+            <a:r>
+              <a:rPr lang="pt-BR" b="0" dirty="0" err="1">
+                <a:solidFill>
+                  <a:srgbClr val="000000"/>
+                </a:solidFill>
+                <a:effectLst/>
+                <a:latin typeface="Courier New" panose="02070309020205020404" pitchFamily="49" charset="0"/>
+              </a:rPr>
+              <a:t>plt.grid</a:t>
+            </a:r>
+            <a:r>
+              <a:rPr lang="pt-BR" b="0" dirty="0">
+                <a:solidFill>
+                  <a:srgbClr val="000000"/>
+                </a:solidFill>
+                <a:effectLst/>
+                <a:latin typeface="Courier New" panose="02070309020205020404" pitchFamily="49" charset="0"/>
+              </a:rPr>
+              <a:t>()</a:t>
+            </a:r>
+          </a:p>
+          <a:p>
+            <a:pPr marL="0" indent="0">
+              <a:buNone/>
+            </a:pPr>
+            <a:r>
+              <a:rPr lang="pt-BR" b="0" dirty="0" err="1">
+                <a:solidFill>
+                  <a:srgbClr val="000000"/>
+                </a:solidFill>
+                <a:effectLst/>
+                <a:latin typeface="Courier New" panose="02070309020205020404" pitchFamily="49" charset="0"/>
+              </a:rPr>
+              <a:t>plt.title</a:t>
+            </a:r>
+            <a:r>
+              <a:rPr lang="pt-BR" b="0" dirty="0">
+                <a:solidFill>
+                  <a:srgbClr val="000000"/>
+                </a:solidFill>
+                <a:effectLst/>
+                <a:latin typeface="Courier New" panose="02070309020205020404" pitchFamily="49" charset="0"/>
+              </a:rPr>
+              <a:t>(</a:t>
+            </a:r>
+            <a:r>
+              <a:rPr lang="pt-BR" b="0" dirty="0">
+                <a:solidFill>
+                  <a:srgbClr val="A31515"/>
+                </a:solidFill>
+                <a:effectLst/>
+                <a:latin typeface="Courier New" panose="02070309020205020404" pitchFamily="49" charset="0"/>
+              </a:rPr>
+              <a:t>"plot1"</a:t>
+            </a:r>
+            <a:r>
+              <a:rPr lang="pt-BR" b="0" dirty="0">
+                <a:solidFill>
+                  <a:srgbClr val="000000"/>
+                </a:solidFill>
+                <a:effectLst/>
+                <a:latin typeface="Courier New" panose="02070309020205020404" pitchFamily="49" charset="0"/>
+              </a:rPr>
+              <a:t>)</a:t>
+            </a:r>
+          </a:p>
+          <a:p>
+            <a:endParaRPr lang="pt-BR" dirty="0"/>
+          </a:p>
+        </p:txBody>
+      </p:sp>
+    </p:spTree>
+    <p:extLst>
+      <p:ext uri="{BB962C8B-B14F-4D97-AF65-F5344CB8AC3E}">
+        <p14:creationId xmlns:p14="http://schemas.microsoft.com/office/powerpoint/2010/main" val="3695531106"/>
+      </p:ext>
+    </p:extLst>
+  </p:cSld>
+  <p:clrMapOvr>
+    <a:masterClrMapping/>
+  </p:clrMapOvr>
+</p:sld>
+</file>
+
+<file path=ppt/slides/slide27.xml><?xml version="1.0" encoding="utf-8"?>
+<p:sld xmlns:a="http://schemas.openxmlformats.org/drawingml/2006/main" xmlns:r="http://schemas.openxmlformats.org/officeDocument/2006/relationships" xmlns:p="http://schemas.openxmlformats.org/presentationml/2006/main">
+  <p:cSld>
+    <p:spTree>
+      <p:nvGrpSpPr>
+        <p:cNvPr id="1" name=""/>
+        <p:cNvGrpSpPr/>
+        <p:nvPr/>
+      </p:nvGrpSpPr>
+      <p:grpSpPr>
+        <a:xfrm>
+          <a:off x="0" y="0"/>
+          <a:ext cx="0" cy="0"/>
+          <a:chOff x="0" y="0"/>
+          <a:chExt cx="0" cy="0"/>
+        </a:xfrm>
+      </p:grpSpPr>
+      <p:sp>
+        <p:nvSpPr>
+          <p:cNvPr id="2" name="Título 1">
+            <a:extLst>
+              <a:ext uri="{FF2B5EF4-FFF2-40B4-BE49-F238E27FC236}">
+                <a16:creationId xmlns:a16="http://schemas.microsoft.com/office/drawing/2014/main" id="{D8061514-9214-9A43-F14E-60D84CC50D85}"/>
+              </a:ext>
+            </a:extLst>
+          </p:cNvPr>
+          <p:cNvSpPr>
+            <a:spLocks noGrp="1"/>
+          </p:cNvSpPr>
+          <p:nvPr>
+            <p:ph type="title"/>
+          </p:nvPr>
+        </p:nvSpPr>
+        <p:spPr/>
+        <p:txBody>
+          <a:bodyPr/>
+          <a:lstStyle/>
+          <a:p>
+            <a:r>
+              <a:rPr lang="pt-BR" dirty="0" err="1"/>
+              <a:t>Plot</a:t>
+            </a:r>
+            <a:r>
+              <a:rPr lang="pt-BR" dirty="0"/>
+              <a:t> 2</a:t>
+            </a:r>
+          </a:p>
+        </p:txBody>
+      </p:sp>
+      <p:sp>
+        <p:nvSpPr>
+          <p:cNvPr id="3" name="Espaço Reservado para Conteúdo 2">
+            <a:extLst>
+              <a:ext uri="{FF2B5EF4-FFF2-40B4-BE49-F238E27FC236}">
+                <a16:creationId xmlns:a16="http://schemas.microsoft.com/office/drawing/2014/main" id="{67150099-992B-87E2-A384-D0EC71394F9C}"/>
+              </a:ext>
+            </a:extLst>
+          </p:cNvPr>
+          <p:cNvSpPr>
+            <a:spLocks noGrp="1"/>
+          </p:cNvSpPr>
+          <p:nvPr>
+            <p:ph idx="1"/>
+          </p:nvPr>
+        </p:nvSpPr>
+        <p:spPr/>
+        <p:txBody>
+          <a:bodyPr>
+            <a:normAutofit lnSpcReduction="10000"/>
+          </a:bodyPr>
+          <a:lstStyle/>
+          <a:p>
+            <a:pPr marL="0" indent="0">
+              <a:buNone/>
+            </a:pPr>
+            <a:r>
+              <a:rPr lang="pt-BR" b="0" dirty="0">
+                <a:solidFill>
+                  <a:srgbClr val="008000"/>
+                </a:solidFill>
+                <a:effectLst/>
+                <a:latin typeface="Courier New" panose="02070309020205020404" pitchFamily="49" charset="0"/>
+              </a:rPr>
+              <a:t>#plot 2:</a:t>
+            </a:r>
+            <a:endParaRPr lang="pt-BR" b="0" dirty="0">
+              <a:solidFill>
+                <a:srgbClr val="000000"/>
+              </a:solidFill>
+              <a:effectLst/>
+              <a:latin typeface="Courier New" panose="02070309020205020404" pitchFamily="49" charset="0"/>
+            </a:endParaRPr>
+          </a:p>
+          <a:p>
+            <a:pPr marL="0" indent="0">
+              <a:buNone/>
+            </a:pPr>
+            <a:r>
+              <a:rPr lang="pt-BR" b="0" dirty="0">
+                <a:solidFill>
+                  <a:srgbClr val="000000"/>
+                </a:solidFill>
+                <a:effectLst/>
+                <a:latin typeface="Courier New" panose="02070309020205020404" pitchFamily="49" charset="0"/>
+              </a:rPr>
+              <a:t>x = [</a:t>
+            </a:r>
+            <a:r>
+              <a:rPr lang="pt-BR" b="0" dirty="0">
+                <a:solidFill>
+                  <a:srgbClr val="098156"/>
+                </a:solidFill>
+                <a:effectLst/>
+                <a:latin typeface="Courier New" panose="02070309020205020404" pitchFamily="49" charset="0"/>
+              </a:rPr>
+              <a:t>0</a:t>
+            </a:r>
+            <a:r>
+              <a:rPr lang="pt-BR" b="0" dirty="0">
+                <a:solidFill>
+                  <a:srgbClr val="000000"/>
+                </a:solidFill>
+                <a:effectLst/>
+                <a:latin typeface="Courier New" panose="02070309020205020404" pitchFamily="49" charset="0"/>
+              </a:rPr>
+              <a:t>, </a:t>
+            </a:r>
+            <a:r>
+              <a:rPr lang="pt-BR" b="0" dirty="0">
+                <a:solidFill>
+                  <a:srgbClr val="098156"/>
+                </a:solidFill>
+                <a:effectLst/>
+                <a:latin typeface="Courier New" panose="02070309020205020404" pitchFamily="49" charset="0"/>
+              </a:rPr>
+              <a:t>1</a:t>
+            </a:r>
+            <a:r>
+              <a:rPr lang="pt-BR" b="0" dirty="0">
+                <a:solidFill>
+                  <a:srgbClr val="000000"/>
+                </a:solidFill>
+                <a:effectLst/>
+                <a:latin typeface="Courier New" panose="02070309020205020404" pitchFamily="49" charset="0"/>
+              </a:rPr>
+              <a:t>, </a:t>
+            </a:r>
+            <a:r>
+              <a:rPr lang="pt-BR" b="0" dirty="0">
+                <a:solidFill>
+                  <a:srgbClr val="098156"/>
+                </a:solidFill>
+                <a:effectLst/>
+                <a:latin typeface="Courier New" panose="02070309020205020404" pitchFamily="49" charset="0"/>
+              </a:rPr>
+              <a:t>2</a:t>
+            </a:r>
+            <a:r>
+              <a:rPr lang="pt-BR" b="0" dirty="0">
+                <a:solidFill>
+                  <a:srgbClr val="000000"/>
+                </a:solidFill>
+                <a:effectLst/>
+                <a:latin typeface="Courier New" panose="02070309020205020404" pitchFamily="49" charset="0"/>
+              </a:rPr>
+              <a:t>, </a:t>
+            </a:r>
+            <a:r>
+              <a:rPr lang="pt-BR" b="0" dirty="0">
+                <a:solidFill>
+                  <a:srgbClr val="098156"/>
+                </a:solidFill>
+                <a:effectLst/>
+                <a:latin typeface="Courier New" panose="02070309020205020404" pitchFamily="49" charset="0"/>
+              </a:rPr>
+              <a:t>3</a:t>
+            </a:r>
+            <a:r>
+              <a:rPr lang="pt-BR" b="0" dirty="0">
+                <a:solidFill>
+                  <a:srgbClr val="000000"/>
+                </a:solidFill>
+                <a:effectLst/>
+                <a:latin typeface="Courier New" panose="02070309020205020404" pitchFamily="49" charset="0"/>
+              </a:rPr>
+              <a:t>]</a:t>
+            </a:r>
+          </a:p>
+          <a:p>
+            <a:pPr marL="0" indent="0">
+              <a:buNone/>
+            </a:pPr>
+            <a:r>
+              <a:rPr lang="pt-BR" b="0" dirty="0">
+                <a:solidFill>
+                  <a:srgbClr val="000000"/>
+                </a:solidFill>
+                <a:effectLst/>
+                <a:latin typeface="Courier New" panose="02070309020205020404" pitchFamily="49" charset="0"/>
+              </a:rPr>
+              <a:t>y = [</a:t>
+            </a:r>
+            <a:r>
+              <a:rPr lang="pt-BR" b="0" dirty="0">
+                <a:solidFill>
+                  <a:srgbClr val="098156"/>
+                </a:solidFill>
+                <a:effectLst/>
+                <a:latin typeface="Courier New" panose="02070309020205020404" pitchFamily="49" charset="0"/>
+              </a:rPr>
+              <a:t>4</a:t>
+            </a:r>
+            <a:r>
+              <a:rPr lang="pt-BR" b="0" dirty="0">
+                <a:solidFill>
+                  <a:srgbClr val="000000"/>
+                </a:solidFill>
+                <a:effectLst/>
+                <a:latin typeface="Courier New" panose="02070309020205020404" pitchFamily="49" charset="0"/>
+              </a:rPr>
+              <a:t>, </a:t>
+            </a:r>
+            <a:r>
+              <a:rPr lang="pt-BR" b="0" dirty="0">
+                <a:solidFill>
+                  <a:srgbClr val="098156"/>
+                </a:solidFill>
+                <a:effectLst/>
+                <a:latin typeface="Courier New" panose="02070309020205020404" pitchFamily="49" charset="0"/>
+              </a:rPr>
+              <a:t>25</a:t>
+            </a:r>
+            <a:r>
+              <a:rPr lang="pt-BR" b="0" dirty="0">
+                <a:solidFill>
+                  <a:srgbClr val="000000"/>
+                </a:solidFill>
+                <a:effectLst/>
+                <a:latin typeface="Courier New" panose="02070309020205020404" pitchFamily="49" charset="0"/>
+              </a:rPr>
+              <a:t>, </a:t>
+            </a:r>
+            <a:r>
+              <a:rPr lang="pt-BR" b="0" dirty="0">
+                <a:solidFill>
+                  <a:srgbClr val="098156"/>
+                </a:solidFill>
+                <a:effectLst/>
+                <a:latin typeface="Courier New" panose="02070309020205020404" pitchFamily="49" charset="0"/>
+              </a:rPr>
+              <a:t>30</a:t>
+            </a:r>
+            <a:r>
+              <a:rPr lang="pt-BR" b="0" dirty="0">
+                <a:solidFill>
+                  <a:srgbClr val="000000"/>
+                </a:solidFill>
+                <a:effectLst/>
+                <a:latin typeface="Courier New" panose="02070309020205020404" pitchFamily="49" charset="0"/>
+              </a:rPr>
+              <a:t>, </a:t>
+            </a:r>
+            <a:r>
+              <a:rPr lang="pt-BR" b="0" dirty="0">
+                <a:solidFill>
+                  <a:srgbClr val="098156"/>
+                </a:solidFill>
+                <a:effectLst/>
+                <a:latin typeface="Courier New" panose="02070309020205020404" pitchFamily="49" charset="0"/>
+              </a:rPr>
+              <a:t>44</a:t>
+            </a:r>
+            <a:r>
+              <a:rPr lang="pt-BR" b="0" dirty="0">
+                <a:solidFill>
+                  <a:srgbClr val="000000"/>
+                </a:solidFill>
+                <a:effectLst/>
+                <a:latin typeface="Courier New" panose="02070309020205020404" pitchFamily="49" charset="0"/>
+              </a:rPr>
+              <a:t>]</a:t>
+            </a:r>
+          </a:p>
+          <a:p>
+            <a:pPr marL="0" indent="0">
+              <a:buNone/>
+            </a:pPr>
+            <a:br>
+              <a:rPr lang="pt-BR" b="0" dirty="0">
+                <a:solidFill>
+                  <a:srgbClr val="000000"/>
+                </a:solidFill>
+                <a:effectLst/>
+                <a:latin typeface="Courier New" panose="02070309020205020404" pitchFamily="49" charset="0"/>
+              </a:rPr>
+            </a:br>
+            <a:r>
+              <a:rPr lang="pt-BR" b="0" dirty="0" err="1">
+                <a:solidFill>
+                  <a:srgbClr val="000000"/>
+                </a:solidFill>
+                <a:effectLst/>
+                <a:latin typeface="Courier New" panose="02070309020205020404" pitchFamily="49" charset="0"/>
+              </a:rPr>
+              <a:t>plt.subplot</a:t>
+            </a:r>
+            <a:r>
+              <a:rPr lang="pt-BR" b="0" dirty="0">
+                <a:solidFill>
+                  <a:srgbClr val="000000"/>
+                </a:solidFill>
+                <a:effectLst/>
+                <a:latin typeface="Courier New" panose="02070309020205020404" pitchFamily="49" charset="0"/>
+              </a:rPr>
+              <a:t>(</a:t>
+            </a:r>
+            <a:r>
+              <a:rPr lang="pt-BR" b="0" dirty="0">
+                <a:solidFill>
+                  <a:srgbClr val="098156"/>
+                </a:solidFill>
+                <a:effectLst/>
+                <a:latin typeface="Courier New" panose="02070309020205020404" pitchFamily="49" charset="0"/>
+              </a:rPr>
+              <a:t>1</a:t>
+            </a:r>
+            <a:r>
+              <a:rPr lang="pt-BR" b="0" dirty="0">
+                <a:solidFill>
+                  <a:srgbClr val="000000"/>
+                </a:solidFill>
+                <a:effectLst/>
+                <a:latin typeface="Courier New" panose="02070309020205020404" pitchFamily="49" charset="0"/>
+              </a:rPr>
+              <a:t>, </a:t>
+            </a:r>
+            <a:r>
+              <a:rPr lang="pt-BR" b="0" dirty="0">
+                <a:solidFill>
+                  <a:srgbClr val="098156"/>
+                </a:solidFill>
+                <a:effectLst/>
+                <a:latin typeface="Courier New" panose="02070309020205020404" pitchFamily="49" charset="0"/>
+              </a:rPr>
+              <a:t>2</a:t>
+            </a:r>
+            <a:r>
+              <a:rPr lang="pt-BR" b="0" dirty="0">
+                <a:solidFill>
+                  <a:srgbClr val="000000"/>
+                </a:solidFill>
+                <a:effectLst/>
+                <a:latin typeface="Courier New" panose="02070309020205020404" pitchFamily="49" charset="0"/>
+              </a:rPr>
+              <a:t>, </a:t>
+            </a:r>
+            <a:r>
+              <a:rPr lang="pt-BR" b="0" dirty="0">
+                <a:solidFill>
+                  <a:srgbClr val="098156"/>
+                </a:solidFill>
+                <a:effectLst/>
+                <a:latin typeface="Courier New" panose="02070309020205020404" pitchFamily="49" charset="0"/>
+              </a:rPr>
+              <a:t>2</a:t>
+            </a:r>
+            <a:r>
+              <a:rPr lang="pt-BR" b="0" dirty="0">
+                <a:solidFill>
+                  <a:srgbClr val="000000"/>
+                </a:solidFill>
+                <a:effectLst/>
+                <a:latin typeface="Courier New" panose="02070309020205020404" pitchFamily="49" charset="0"/>
+              </a:rPr>
+              <a:t>)</a:t>
+            </a:r>
+          </a:p>
+          <a:p>
+            <a:pPr marL="0" indent="0">
+              <a:buNone/>
+            </a:pPr>
+            <a:r>
+              <a:rPr lang="pt-BR" b="0" dirty="0" err="1">
+                <a:solidFill>
+                  <a:srgbClr val="000000"/>
+                </a:solidFill>
+                <a:effectLst/>
+                <a:latin typeface="Courier New" panose="02070309020205020404" pitchFamily="49" charset="0"/>
+              </a:rPr>
+              <a:t>plt.plot</a:t>
+            </a:r>
+            <a:r>
+              <a:rPr lang="pt-BR" b="0" dirty="0">
+                <a:solidFill>
+                  <a:srgbClr val="000000"/>
+                </a:solidFill>
+                <a:effectLst/>
+                <a:latin typeface="Courier New" panose="02070309020205020404" pitchFamily="49" charset="0"/>
+              </a:rPr>
+              <a:t>(</a:t>
+            </a:r>
+            <a:r>
+              <a:rPr lang="pt-BR" b="0" dirty="0" err="1">
+                <a:solidFill>
+                  <a:srgbClr val="000000"/>
+                </a:solidFill>
+                <a:effectLst/>
+                <a:latin typeface="Courier New" panose="02070309020205020404" pitchFamily="49" charset="0"/>
+              </a:rPr>
+              <a:t>x,y,color</a:t>
+            </a:r>
+            <a:r>
+              <a:rPr lang="pt-BR" b="0" dirty="0">
+                <a:solidFill>
+                  <a:srgbClr val="000000"/>
+                </a:solidFill>
+                <a:effectLst/>
+                <a:latin typeface="Courier New" panose="02070309020205020404" pitchFamily="49" charset="0"/>
+              </a:rPr>
+              <a:t> = </a:t>
+            </a:r>
+            <a:r>
+              <a:rPr lang="pt-BR" b="0" dirty="0">
+                <a:solidFill>
+                  <a:srgbClr val="A31515"/>
+                </a:solidFill>
+                <a:effectLst/>
+                <a:latin typeface="Courier New" panose="02070309020205020404" pitchFamily="49" charset="0"/>
+              </a:rPr>
+              <a:t>'g'</a:t>
+            </a:r>
+            <a:r>
+              <a:rPr lang="pt-BR" b="0" dirty="0">
+                <a:solidFill>
+                  <a:srgbClr val="000000"/>
+                </a:solidFill>
+                <a:effectLst/>
+                <a:latin typeface="Courier New" panose="02070309020205020404" pitchFamily="49" charset="0"/>
+              </a:rPr>
+              <a:t>)</a:t>
+            </a:r>
+          </a:p>
+          <a:p>
+            <a:pPr marL="0" indent="0">
+              <a:buNone/>
+            </a:pPr>
+            <a:r>
+              <a:rPr lang="pt-BR" b="0" dirty="0" err="1">
+                <a:solidFill>
+                  <a:srgbClr val="000000"/>
+                </a:solidFill>
+                <a:effectLst/>
+                <a:latin typeface="Courier New" panose="02070309020205020404" pitchFamily="49" charset="0"/>
+              </a:rPr>
+              <a:t>plt.grid</a:t>
+            </a:r>
+            <a:r>
+              <a:rPr lang="pt-BR" b="0" dirty="0">
+                <a:solidFill>
+                  <a:srgbClr val="000000"/>
+                </a:solidFill>
+                <a:effectLst/>
+                <a:latin typeface="Courier New" panose="02070309020205020404" pitchFamily="49" charset="0"/>
+              </a:rPr>
+              <a:t>()</a:t>
+            </a:r>
+          </a:p>
+          <a:p>
+            <a:pPr marL="0" indent="0">
+              <a:buNone/>
+            </a:pPr>
+            <a:r>
+              <a:rPr lang="pt-BR" b="0" dirty="0" err="1">
+                <a:solidFill>
+                  <a:srgbClr val="000000"/>
+                </a:solidFill>
+                <a:effectLst/>
+                <a:latin typeface="Courier New" panose="02070309020205020404" pitchFamily="49" charset="0"/>
+              </a:rPr>
+              <a:t>plt.title</a:t>
+            </a:r>
+            <a:r>
+              <a:rPr lang="pt-BR" b="0" dirty="0">
+                <a:solidFill>
+                  <a:srgbClr val="000000"/>
+                </a:solidFill>
+                <a:effectLst/>
+                <a:latin typeface="Courier New" panose="02070309020205020404" pitchFamily="49" charset="0"/>
+              </a:rPr>
+              <a:t>(</a:t>
+            </a:r>
+            <a:r>
+              <a:rPr lang="pt-BR" b="0" dirty="0">
+                <a:solidFill>
+                  <a:srgbClr val="A31515"/>
+                </a:solidFill>
+                <a:effectLst/>
+                <a:latin typeface="Courier New" panose="02070309020205020404" pitchFamily="49" charset="0"/>
+              </a:rPr>
+              <a:t>"plot2"</a:t>
+            </a:r>
+            <a:r>
+              <a:rPr lang="pt-BR" b="0" dirty="0">
+                <a:solidFill>
+                  <a:srgbClr val="000000"/>
+                </a:solidFill>
+                <a:effectLst/>
+                <a:latin typeface="Courier New" panose="02070309020205020404" pitchFamily="49" charset="0"/>
+              </a:rPr>
+              <a:t>)</a:t>
+            </a:r>
+          </a:p>
+          <a:p>
+            <a:pPr marL="0" indent="0">
+              <a:buNone/>
+            </a:pPr>
+            <a:r>
+              <a:rPr lang="pt-BR" b="0" dirty="0" err="1">
+                <a:solidFill>
+                  <a:srgbClr val="000000"/>
+                </a:solidFill>
+                <a:effectLst/>
+                <a:latin typeface="Courier New" panose="02070309020205020404" pitchFamily="49" charset="0"/>
+              </a:rPr>
+              <a:t>plt.show</a:t>
+            </a:r>
+            <a:r>
+              <a:rPr lang="pt-BR" b="0" dirty="0">
+                <a:solidFill>
+                  <a:srgbClr val="000000"/>
+                </a:solidFill>
+                <a:effectLst/>
+                <a:latin typeface="Courier New" panose="02070309020205020404" pitchFamily="49" charset="0"/>
+              </a:rPr>
+              <a:t>()</a:t>
+            </a:r>
+          </a:p>
+          <a:p>
+            <a:endParaRPr lang="pt-BR" dirty="0"/>
+          </a:p>
+        </p:txBody>
+      </p:sp>
+    </p:spTree>
+    <p:extLst>
+      <p:ext uri="{BB962C8B-B14F-4D97-AF65-F5344CB8AC3E}">
+        <p14:creationId xmlns:p14="http://schemas.microsoft.com/office/powerpoint/2010/main" val="2889508858"/>
+      </p:ext>
+    </p:extLst>
+  </p:cSld>
+  <p:clrMapOvr>
+    <a:masterClrMapping/>
+  </p:clrMapOvr>
+</p:sld>
+</file>
+
 <file path=ppt/slides/slide28.xml><?xml version="1.0" encoding="utf-8"?>
 <p:sld xmlns:a="http://schemas.openxmlformats.org/drawingml/2006/main" xmlns:r="http://schemas.openxmlformats.org/officeDocument/2006/relationships" xmlns:p="http://schemas.openxmlformats.org/presentationml/2006/main">
   <p:cSld>
@@ -8858,7 +7289,7 @@
           <p:cNvPr id="2" name="Título 1">
             <a:extLst>
               <a:ext uri="{FF2B5EF4-FFF2-40B4-BE49-F238E27FC236}">
-                <a16:creationId xmlns:a16="http://schemas.microsoft.com/office/drawing/2014/main" id="{A7314474-0BBD-B895-DBEA-A54DD7329E78}"/>
+                <a16:creationId xmlns:a16="http://schemas.microsoft.com/office/drawing/2014/main" id="{F1F0F812-50D6-20BE-9EDA-F42EA6C46DEE}"/>
               </a:ext>
             </a:extLst>
           </p:cNvPr>
@@ -8869,11 +7300,7 @@
             <p:ph type="title"/>
           </p:nvPr>
         </p:nvSpPr>
-        <p:spPr>
-          <a:solidFill>
-            <a:srgbClr val="FFFF00"/>
-          </a:solidFill>
-        </p:spPr>
+        <p:spPr/>
         <p:txBody>
           <a:bodyPr/>
           <a:lstStyle/>
@@ -8886,10 +7313,7 @@
               <a:rPr lang="pt-BR" dirty="0" err="1"/>
               <a:t>plots</a:t>
             </a:r>
-            <a:r>
-              <a:rPr lang="pt-BR" dirty="0"/>
-              <a:t>:</a:t>
-            </a:r>
+            <a:endParaRPr lang="pt-BR" dirty="0"/>
           </a:p>
         </p:txBody>
       </p:sp>
@@ -8898,7 +7322,7 @@
           <p:cNvPr id="3" name="Espaço Reservado para Conteúdo 2">
             <a:extLst>
               <a:ext uri="{FF2B5EF4-FFF2-40B4-BE49-F238E27FC236}">
-                <a16:creationId xmlns:a16="http://schemas.microsoft.com/office/drawing/2014/main" id="{C199DA21-B866-F79D-4495-95E68D63CE9A}"/>
+                <a16:creationId xmlns:a16="http://schemas.microsoft.com/office/drawing/2014/main" id="{23E55C54-964C-8756-AE25-4A0768B646E9}"/>
               </a:ext>
             </a:extLst>
           </p:cNvPr>
@@ -8911,926 +7335,147 @@
         </p:nvSpPr>
         <p:spPr/>
         <p:txBody>
-          <a:bodyPr>
-            <a:normAutofit fontScale="47500" lnSpcReduction="20000"/>
-          </a:bodyPr>
-          <a:lstStyle/>
-          <a:p>
-            <a:pPr marL="0" indent="0">
-              <a:buNone/>
-            </a:pPr>
-            <a:r>
-              <a:rPr lang="pt-BR" b="0" dirty="0">
-                <a:solidFill>
-                  <a:srgbClr val="008000"/>
-                </a:solidFill>
-                <a:effectLst/>
-                <a:latin typeface="Courier New" panose="02070309020205020404" pitchFamily="49" charset="0"/>
-              </a:rPr>
-              <a:t>#plot 1:</a:t>
-            </a:r>
-            <a:endParaRPr lang="pt-BR" b="0" dirty="0">
-              <a:solidFill>
-                <a:srgbClr val="000000"/>
-              </a:solidFill>
-              <a:effectLst/>
-              <a:latin typeface="Courier New" panose="02070309020205020404" pitchFamily="49" charset="0"/>
-            </a:endParaRPr>
-          </a:p>
-          <a:p>
-            <a:pPr marL="0" indent="0">
-              <a:buNone/>
-            </a:pPr>
-            <a:r>
-              <a:rPr lang="pt-BR" b="0" dirty="0">
-                <a:solidFill>
-                  <a:srgbClr val="000000"/>
-                </a:solidFill>
-                <a:effectLst/>
-                <a:latin typeface="Courier New" panose="02070309020205020404" pitchFamily="49" charset="0"/>
-              </a:rPr>
-              <a:t>x = [</a:t>
-            </a:r>
-            <a:r>
-              <a:rPr lang="pt-BR" b="0" dirty="0">
-                <a:solidFill>
-                  <a:srgbClr val="098156"/>
-                </a:solidFill>
-                <a:effectLst/>
-                <a:latin typeface="Courier New" panose="02070309020205020404" pitchFamily="49" charset="0"/>
-              </a:rPr>
-              <a:t>0</a:t>
-            </a:r>
-            <a:r>
-              <a:rPr lang="pt-BR" b="0" dirty="0">
-                <a:solidFill>
-                  <a:srgbClr val="000000"/>
-                </a:solidFill>
-                <a:effectLst/>
-                <a:latin typeface="Courier New" panose="02070309020205020404" pitchFamily="49" charset="0"/>
-              </a:rPr>
-              <a:t>, </a:t>
-            </a:r>
-            <a:r>
-              <a:rPr lang="pt-BR" b="0" dirty="0">
-                <a:solidFill>
-                  <a:srgbClr val="098156"/>
-                </a:solidFill>
-                <a:effectLst/>
-                <a:latin typeface="Courier New" panose="02070309020205020404" pitchFamily="49" charset="0"/>
-              </a:rPr>
-              <a:t>1</a:t>
-            </a:r>
-            <a:r>
-              <a:rPr lang="pt-BR" b="0" dirty="0">
-                <a:solidFill>
-                  <a:srgbClr val="000000"/>
-                </a:solidFill>
-                <a:effectLst/>
-                <a:latin typeface="Courier New" panose="02070309020205020404" pitchFamily="49" charset="0"/>
-              </a:rPr>
-              <a:t>, </a:t>
-            </a:r>
-            <a:r>
-              <a:rPr lang="pt-BR" b="0" dirty="0">
-                <a:solidFill>
-                  <a:srgbClr val="098156"/>
-                </a:solidFill>
-                <a:effectLst/>
-                <a:latin typeface="Courier New" panose="02070309020205020404" pitchFamily="49" charset="0"/>
-              </a:rPr>
-              <a:t>2</a:t>
-            </a:r>
-            <a:r>
-              <a:rPr lang="pt-BR" b="0" dirty="0">
-                <a:solidFill>
-                  <a:srgbClr val="000000"/>
-                </a:solidFill>
-                <a:effectLst/>
-                <a:latin typeface="Courier New" panose="02070309020205020404" pitchFamily="49" charset="0"/>
-              </a:rPr>
-              <a:t>, </a:t>
-            </a:r>
-            <a:r>
-              <a:rPr lang="pt-BR" b="0" dirty="0">
-                <a:solidFill>
-                  <a:srgbClr val="098156"/>
-                </a:solidFill>
-                <a:effectLst/>
-                <a:latin typeface="Courier New" panose="02070309020205020404" pitchFamily="49" charset="0"/>
-              </a:rPr>
-              <a:t>3</a:t>
-            </a:r>
-            <a:r>
-              <a:rPr lang="pt-BR" b="0" dirty="0">
-                <a:solidFill>
-                  <a:srgbClr val="000000"/>
-                </a:solidFill>
-                <a:effectLst/>
-                <a:latin typeface="Courier New" panose="02070309020205020404" pitchFamily="49" charset="0"/>
-              </a:rPr>
-              <a:t>]</a:t>
-            </a:r>
-          </a:p>
-          <a:p>
-            <a:pPr marL="0" indent="0">
-              <a:buNone/>
-            </a:pPr>
-            <a:r>
-              <a:rPr lang="pt-BR" b="0" dirty="0">
-                <a:solidFill>
-                  <a:srgbClr val="000000"/>
-                </a:solidFill>
-                <a:effectLst/>
-                <a:latin typeface="Courier New" panose="02070309020205020404" pitchFamily="49" charset="0"/>
-              </a:rPr>
-              <a:t>y = [</a:t>
-            </a:r>
-            <a:r>
-              <a:rPr lang="pt-BR" b="0" dirty="0">
-                <a:solidFill>
-                  <a:srgbClr val="098156"/>
-                </a:solidFill>
-                <a:effectLst/>
-                <a:latin typeface="Courier New" panose="02070309020205020404" pitchFamily="49" charset="0"/>
-              </a:rPr>
-              <a:t>3</a:t>
-            </a:r>
-            <a:r>
-              <a:rPr lang="pt-BR" b="0" dirty="0">
-                <a:solidFill>
-                  <a:srgbClr val="000000"/>
-                </a:solidFill>
-                <a:effectLst/>
-                <a:latin typeface="Courier New" panose="02070309020205020404" pitchFamily="49" charset="0"/>
-              </a:rPr>
-              <a:t>, </a:t>
-            </a:r>
-            <a:r>
-              <a:rPr lang="pt-BR" b="0" dirty="0">
-                <a:solidFill>
-                  <a:srgbClr val="098156"/>
-                </a:solidFill>
-                <a:effectLst/>
-                <a:latin typeface="Courier New" panose="02070309020205020404" pitchFamily="49" charset="0"/>
-              </a:rPr>
-              <a:t>8</a:t>
-            </a:r>
-            <a:r>
-              <a:rPr lang="pt-BR" b="0" dirty="0">
-                <a:solidFill>
-                  <a:srgbClr val="000000"/>
-                </a:solidFill>
-                <a:effectLst/>
-                <a:latin typeface="Courier New" panose="02070309020205020404" pitchFamily="49" charset="0"/>
-              </a:rPr>
-              <a:t>, </a:t>
-            </a:r>
-            <a:r>
-              <a:rPr lang="pt-BR" b="0" dirty="0">
-                <a:solidFill>
-                  <a:srgbClr val="098156"/>
-                </a:solidFill>
-                <a:effectLst/>
-                <a:latin typeface="Courier New" panose="02070309020205020404" pitchFamily="49" charset="0"/>
-              </a:rPr>
-              <a:t>10</a:t>
-            </a:r>
-            <a:r>
-              <a:rPr lang="pt-BR" b="0" dirty="0">
-                <a:solidFill>
-                  <a:srgbClr val="000000"/>
-                </a:solidFill>
-                <a:effectLst/>
-                <a:latin typeface="Courier New" panose="02070309020205020404" pitchFamily="49" charset="0"/>
-              </a:rPr>
-              <a:t>, </a:t>
-            </a:r>
-            <a:r>
-              <a:rPr lang="pt-BR" b="0" dirty="0">
-                <a:solidFill>
-                  <a:srgbClr val="098156"/>
-                </a:solidFill>
-                <a:effectLst/>
-                <a:latin typeface="Courier New" panose="02070309020205020404" pitchFamily="49" charset="0"/>
-              </a:rPr>
-              <a:t>15</a:t>
-            </a:r>
-            <a:r>
-              <a:rPr lang="pt-BR" b="0" dirty="0">
-                <a:solidFill>
-                  <a:srgbClr val="000000"/>
-                </a:solidFill>
-                <a:effectLst/>
-                <a:latin typeface="Courier New" panose="02070309020205020404" pitchFamily="49" charset="0"/>
-              </a:rPr>
-              <a:t>]</a:t>
-            </a:r>
-          </a:p>
-          <a:p>
-            <a:pPr marL="0" indent="0">
-              <a:buNone/>
-            </a:pPr>
-            <a:br>
-              <a:rPr lang="pt-BR" b="0" dirty="0">
-                <a:solidFill>
-                  <a:srgbClr val="000000"/>
-                </a:solidFill>
-                <a:effectLst/>
-                <a:latin typeface="Courier New" panose="02070309020205020404" pitchFamily="49" charset="0"/>
-              </a:rPr>
-            </a:br>
-            <a:r>
-              <a:rPr lang="pt-BR" b="0" dirty="0" err="1">
-                <a:solidFill>
-                  <a:srgbClr val="000000"/>
-                </a:solidFill>
-                <a:effectLst/>
-                <a:latin typeface="Courier New" panose="02070309020205020404" pitchFamily="49" charset="0"/>
-              </a:rPr>
-              <a:t>plt.subplot</a:t>
-            </a:r>
-            <a:r>
-              <a:rPr lang="pt-BR" b="0" dirty="0">
-                <a:solidFill>
-                  <a:srgbClr val="000000"/>
-                </a:solidFill>
-                <a:effectLst/>
-                <a:latin typeface="Courier New" panose="02070309020205020404" pitchFamily="49" charset="0"/>
-              </a:rPr>
-              <a:t>(</a:t>
-            </a:r>
-            <a:r>
-              <a:rPr lang="pt-BR" b="0" dirty="0">
-                <a:solidFill>
-                  <a:srgbClr val="098156"/>
-                </a:solidFill>
-                <a:effectLst/>
-                <a:latin typeface="Courier New" panose="02070309020205020404" pitchFamily="49" charset="0"/>
-              </a:rPr>
-              <a:t>1</a:t>
-            </a:r>
-            <a:r>
-              <a:rPr lang="pt-BR" b="0" dirty="0">
-                <a:solidFill>
-                  <a:srgbClr val="000000"/>
-                </a:solidFill>
-                <a:effectLst/>
-                <a:latin typeface="Courier New" panose="02070309020205020404" pitchFamily="49" charset="0"/>
-              </a:rPr>
-              <a:t>, </a:t>
-            </a:r>
-            <a:r>
-              <a:rPr lang="pt-BR" b="0" dirty="0">
-                <a:solidFill>
-                  <a:srgbClr val="098156"/>
-                </a:solidFill>
-                <a:effectLst/>
-                <a:latin typeface="Courier New" panose="02070309020205020404" pitchFamily="49" charset="0"/>
-              </a:rPr>
-              <a:t>2</a:t>
-            </a:r>
-            <a:r>
-              <a:rPr lang="pt-BR" b="0" dirty="0">
-                <a:solidFill>
-                  <a:srgbClr val="000000"/>
-                </a:solidFill>
-                <a:effectLst/>
-                <a:latin typeface="Courier New" panose="02070309020205020404" pitchFamily="49" charset="0"/>
-              </a:rPr>
-              <a:t>, </a:t>
-            </a:r>
-            <a:r>
-              <a:rPr lang="pt-BR" b="0" dirty="0">
-                <a:solidFill>
-                  <a:srgbClr val="098156"/>
-                </a:solidFill>
-                <a:effectLst/>
-                <a:latin typeface="Courier New" panose="02070309020205020404" pitchFamily="49" charset="0"/>
-              </a:rPr>
-              <a:t>1</a:t>
-            </a:r>
-            <a:r>
-              <a:rPr lang="pt-BR" b="0" dirty="0">
-                <a:solidFill>
-                  <a:srgbClr val="000000"/>
-                </a:solidFill>
-                <a:effectLst/>
-                <a:latin typeface="Courier New" panose="02070309020205020404" pitchFamily="49" charset="0"/>
-              </a:rPr>
-              <a:t>)</a:t>
-            </a:r>
-          </a:p>
-          <a:p>
-            <a:pPr marL="0" indent="0">
-              <a:buNone/>
-            </a:pPr>
-            <a:r>
-              <a:rPr lang="pt-BR" b="0" dirty="0" err="1">
-                <a:solidFill>
-                  <a:srgbClr val="000000"/>
-                </a:solidFill>
-                <a:effectLst/>
-                <a:latin typeface="Courier New" panose="02070309020205020404" pitchFamily="49" charset="0"/>
-              </a:rPr>
-              <a:t>plt.plot</a:t>
-            </a:r>
-            <a:r>
-              <a:rPr lang="pt-BR" b="0" dirty="0">
-                <a:solidFill>
-                  <a:srgbClr val="000000"/>
-                </a:solidFill>
-                <a:effectLst/>
-                <a:latin typeface="Courier New" panose="02070309020205020404" pitchFamily="49" charset="0"/>
-              </a:rPr>
-              <a:t>(</a:t>
-            </a:r>
-            <a:r>
-              <a:rPr lang="pt-BR" b="0" dirty="0" err="1">
-                <a:solidFill>
-                  <a:srgbClr val="000000"/>
-                </a:solidFill>
-                <a:effectLst/>
-                <a:latin typeface="Courier New" panose="02070309020205020404" pitchFamily="49" charset="0"/>
-              </a:rPr>
-              <a:t>x,y,color</a:t>
-            </a:r>
-            <a:r>
-              <a:rPr lang="pt-BR" b="0" dirty="0">
-                <a:solidFill>
-                  <a:srgbClr val="000000"/>
-                </a:solidFill>
-                <a:effectLst/>
-                <a:latin typeface="Courier New" panose="02070309020205020404" pitchFamily="49" charset="0"/>
-              </a:rPr>
-              <a:t> = </a:t>
-            </a:r>
-            <a:r>
-              <a:rPr lang="pt-BR" b="0" dirty="0">
-                <a:solidFill>
-                  <a:srgbClr val="A31515"/>
-                </a:solidFill>
-                <a:effectLst/>
-                <a:latin typeface="Courier New" panose="02070309020205020404" pitchFamily="49" charset="0"/>
-              </a:rPr>
-              <a:t>'r'</a:t>
-            </a:r>
-            <a:r>
-              <a:rPr lang="pt-BR" b="0" dirty="0">
-                <a:solidFill>
-                  <a:srgbClr val="000000"/>
-                </a:solidFill>
-                <a:effectLst/>
-                <a:latin typeface="Courier New" panose="02070309020205020404" pitchFamily="49" charset="0"/>
-              </a:rPr>
-              <a:t>)</a:t>
-            </a:r>
-          </a:p>
-          <a:p>
-            <a:pPr marL="0" indent="0">
-              <a:buNone/>
-            </a:pPr>
-            <a:r>
-              <a:rPr lang="pt-BR" b="0" dirty="0" err="1">
-                <a:solidFill>
-                  <a:srgbClr val="000000"/>
-                </a:solidFill>
-                <a:effectLst/>
-                <a:latin typeface="Courier New" panose="02070309020205020404" pitchFamily="49" charset="0"/>
-              </a:rPr>
-              <a:t>plt.grid</a:t>
-            </a:r>
-            <a:r>
-              <a:rPr lang="pt-BR" b="0" dirty="0">
-                <a:solidFill>
-                  <a:srgbClr val="000000"/>
-                </a:solidFill>
-                <a:effectLst/>
-                <a:latin typeface="Courier New" panose="02070309020205020404" pitchFamily="49" charset="0"/>
-              </a:rPr>
-              <a:t>()</a:t>
-            </a:r>
-          </a:p>
-          <a:p>
-            <a:pPr marL="0" indent="0">
-              <a:buNone/>
-            </a:pPr>
-            <a:r>
-              <a:rPr lang="pt-BR" b="0" dirty="0" err="1">
-                <a:solidFill>
-                  <a:srgbClr val="000000"/>
-                </a:solidFill>
-                <a:effectLst/>
-                <a:latin typeface="Courier New" panose="02070309020205020404" pitchFamily="49" charset="0"/>
-              </a:rPr>
-              <a:t>plt.title</a:t>
-            </a:r>
-            <a:r>
-              <a:rPr lang="pt-BR" b="0" dirty="0">
-                <a:solidFill>
-                  <a:srgbClr val="000000"/>
-                </a:solidFill>
-                <a:effectLst/>
-                <a:latin typeface="Courier New" panose="02070309020205020404" pitchFamily="49" charset="0"/>
-              </a:rPr>
-              <a:t>(</a:t>
-            </a:r>
-            <a:r>
-              <a:rPr lang="pt-BR" b="0" dirty="0">
-                <a:solidFill>
-                  <a:srgbClr val="A31515"/>
-                </a:solidFill>
-                <a:effectLst/>
-                <a:latin typeface="Courier New" panose="02070309020205020404" pitchFamily="49" charset="0"/>
-              </a:rPr>
-              <a:t>"plot1"</a:t>
-            </a:r>
-            <a:r>
-              <a:rPr lang="pt-BR" b="0" dirty="0">
-                <a:solidFill>
-                  <a:srgbClr val="000000"/>
-                </a:solidFill>
-                <a:effectLst/>
-                <a:latin typeface="Courier New" panose="02070309020205020404" pitchFamily="49" charset="0"/>
-              </a:rPr>
-              <a:t>)</a:t>
-            </a:r>
-          </a:p>
-          <a:p>
-            <a:pPr marL="0" indent="0">
-              <a:buNone/>
-            </a:pPr>
-            <a:r>
-              <a:rPr lang="pt-BR" b="0" dirty="0">
-                <a:solidFill>
-                  <a:srgbClr val="008000"/>
-                </a:solidFill>
-                <a:effectLst/>
-                <a:latin typeface="Courier New" panose="02070309020205020404" pitchFamily="49" charset="0"/>
-              </a:rPr>
-              <a:t>#plot 2:</a:t>
-            </a:r>
-            <a:endParaRPr lang="pt-BR" b="0" dirty="0">
-              <a:solidFill>
-                <a:srgbClr val="000000"/>
-              </a:solidFill>
-              <a:effectLst/>
-              <a:latin typeface="Courier New" panose="02070309020205020404" pitchFamily="49" charset="0"/>
-            </a:endParaRPr>
-          </a:p>
-          <a:p>
-            <a:pPr marL="0" indent="0">
-              <a:buNone/>
-            </a:pPr>
-            <a:r>
-              <a:rPr lang="pt-BR" b="0" dirty="0">
-                <a:solidFill>
-                  <a:srgbClr val="000000"/>
-                </a:solidFill>
-                <a:effectLst/>
-                <a:latin typeface="Courier New" panose="02070309020205020404" pitchFamily="49" charset="0"/>
-              </a:rPr>
-              <a:t>x = [</a:t>
-            </a:r>
-            <a:r>
-              <a:rPr lang="pt-BR" b="0" dirty="0">
-                <a:solidFill>
-                  <a:srgbClr val="098156"/>
-                </a:solidFill>
-                <a:effectLst/>
-                <a:latin typeface="Courier New" panose="02070309020205020404" pitchFamily="49" charset="0"/>
-              </a:rPr>
-              <a:t>0</a:t>
-            </a:r>
-            <a:r>
-              <a:rPr lang="pt-BR" b="0" dirty="0">
-                <a:solidFill>
-                  <a:srgbClr val="000000"/>
-                </a:solidFill>
-                <a:effectLst/>
-                <a:latin typeface="Courier New" panose="02070309020205020404" pitchFamily="49" charset="0"/>
-              </a:rPr>
-              <a:t>, </a:t>
-            </a:r>
-            <a:r>
-              <a:rPr lang="pt-BR" b="0" dirty="0">
-                <a:solidFill>
-                  <a:srgbClr val="098156"/>
-                </a:solidFill>
-                <a:effectLst/>
-                <a:latin typeface="Courier New" panose="02070309020205020404" pitchFamily="49" charset="0"/>
-              </a:rPr>
-              <a:t>1</a:t>
-            </a:r>
-            <a:r>
-              <a:rPr lang="pt-BR" b="0" dirty="0">
-                <a:solidFill>
-                  <a:srgbClr val="000000"/>
-                </a:solidFill>
-                <a:effectLst/>
-                <a:latin typeface="Courier New" panose="02070309020205020404" pitchFamily="49" charset="0"/>
-              </a:rPr>
-              <a:t>, </a:t>
-            </a:r>
-            <a:r>
-              <a:rPr lang="pt-BR" b="0" dirty="0">
-                <a:solidFill>
-                  <a:srgbClr val="098156"/>
-                </a:solidFill>
-                <a:effectLst/>
-                <a:latin typeface="Courier New" panose="02070309020205020404" pitchFamily="49" charset="0"/>
-              </a:rPr>
-              <a:t>2</a:t>
-            </a:r>
-            <a:r>
-              <a:rPr lang="pt-BR" b="0" dirty="0">
-                <a:solidFill>
-                  <a:srgbClr val="000000"/>
-                </a:solidFill>
-                <a:effectLst/>
-                <a:latin typeface="Courier New" panose="02070309020205020404" pitchFamily="49" charset="0"/>
-              </a:rPr>
-              <a:t>, </a:t>
-            </a:r>
-            <a:r>
-              <a:rPr lang="pt-BR" b="0" dirty="0">
-                <a:solidFill>
-                  <a:srgbClr val="098156"/>
-                </a:solidFill>
-                <a:effectLst/>
-                <a:latin typeface="Courier New" panose="02070309020205020404" pitchFamily="49" charset="0"/>
-              </a:rPr>
-              <a:t>3</a:t>
-            </a:r>
-            <a:r>
-              <a:rPr lang="pt-BR" b="0" dirty="0">
-                <a:solidFill>
-                  <a:srgbClr val="000000"/>
-                </a:solidFill>
-                <a:effectLst/>
-                <a:latin typeface="Courier New" panose="02070309020205020404" pitchFamily="49" charset="0"/>
-              </a:rPr>
-              <a:t>]</a:t>
-            </a:r>
-          </a:p>
-          <a:p>
-            <a:pPr marL="0" indent="0">
-              <a:buNone/>
-            </a:pPr>
-            <a:r>
-              <a:rPr lang="pt-BR" b="0" dirty="0">
-                <a:solidFill>
-                  <a:srgbClr val="000000"/>
-                </a:solidFill>
-                <a:effectLst/>
-                <a:latin typeface="Courier New" panose="02070309020205020404" pitchFamily="49" charset="0"/>
-              </a:rPr>
-              <a:t>y = [</a:t>
-            </a:r>
-            <a:r>
-              <a:rPr lang="pt-BR" b="0" dirty="0">
-                <a:solidFill>
-                  <a:srgbClr val="098156"/>
-                </a:solidFill>
-                <a:effectLst/>
-                <a:latin typeface="Courier New" panose="02070309020205020404" pitchFamily="49" charset="0"/>
-              </a:rPr>
-              <a:t>4</a:t>
-            </a:r>
-            <a:r>
-              <a:rPr lang="pt-BR" b="0">
-                <a:solidFill>
-                  <a:srgbClr val="000000"/>
-                </a:solidFill>
-                <a:effectLst/>
-                <a:latin typeface="Courier New" panose="02070309020205020404" pitchFamily="49" charset="0"/>
-              </a:rPr>
-              <a:t>, </a:t>
-            </a:r>
-            <a:r>
-              <a:rPr lang="pt-BR" b="0">
-                <a:solidFill>
-                  <a:srgbClr val="098156"/>
-                </a:solidFill>
-                <a:effectLst/>
-                <a:latin typeface="Courier New" panose="02070309020205020404" pitchFamily="49" charset="0"/>
-              </a:rPr>
-              <a:t>25</a:t>
-            </a:r>
-            <a:r>
-              <a:rPr lang="pt-BR" b="0">
-                <a:solidFill>
-                  <a:srgbClr val="000000"/>
-                </a:solidFill>
-                <a:effectLst/>
-                <a:latin typeface="Courier New" panose="02070309020205020404" pitchFamily="49" charset="0"/>
-              </a:rPr>
-              <a:t>, </a:t>
-            </a:r>
-            <a:r>
-              <a:rPr lang="pt-BR" b="0">
-                <a:solidFill>
-                  <a:srgbClr val="098156"/>
-                </a:solidFill>
-                <a:effectLst/>
-                <a:latin typeface="Courier New" panose="02070309020205020404" pitchFamily="49" charset="0"/>
-              </a:rPr>
-              <a:t>30</a:t>
-            </a:r>
-            <a:r>
-              <a:rPr lang="pt-BR" b="0">
-                <a:solidFill>
-                  <a:srgbClr val="000000"/>
-                </a:solidFill>
-                <a:effectLst/>
-                <a:latin typeface="Courier New" panose="02070309020205020404" pitchFamily="49" charset="0"/>
-              </a:rPr>
-              <a:t>, </a:t>
-            </a:r>
-            <a:r>
-              <a:rPr lang="pt-BR" b="0" dirty="0">
-                <a:solidFill>
-                  <a:srgbClr val="098156"/>
-                </a:solidFill>
-                <a:effectLst/>
-                <a:latin typeface="Courier New" panose="02070309020205020404" pitchFamily="49" charset="0"/>
-              </a:rPr>
-              <a:t>44</a:t>
-            </a:r>
-            <a:r>
-              <a:rPr lang="pt-BR" b="0" dirty="0">
-                <a:solidFill>
-                  <a:srgbClr val="000000"/>
-                </a:solidFill>
-                <a:effectLst/>
-                <a:latin typeface="Courier New" panose="02070309020205020404" pitchFamily="49" charset="0"/>
-              </a:rPr>
-              <a:t>]</a:t>
-            </a:r>
-          </a:p>
-          <a:p>
-            <a:pPr marL="0" indent="0">
-              <a:buNone/>
-            </a:pPr>
-            <a:br>
-              <a:rPr lang="pt-BR" b="0" dirty="0">
-                <a:solidFill>
-                  <a:srgbClr val="000000"/>
-                </a:solidFill>
-                <a:effectLst/>
-                <a:latin typeface="Courier New" panose="02070309020205020404" pitchFamily="49" charset="0"/>
-              </a:rPr>
-            </a:br>
-            <a:r>
-              <a:rPr lang="pt-BR" b="0" dirty="0" err="1">
-                <a:solidFill>
-                  <a:srgbClr val="000000"/>
-                </a:solidFill>
-                <a:effectLst/>
-                <a:latin typeface="Courier New" panose="02070309020205020404" pitchFamily="49" charset="0"/>
-              </a:rPr>
-              <a:t>plt.subplot</a:t>
-            </a:r>
-            <a:r>
-              <a:rPr lang="pt-BR" b="0" dirty="0">
-                <a:solidFill>
-                  <a:srgbClr val="000000"/>
-                </a:solidFill>
-                <a:effectLst/>
-                <a:latin typeface="Courier New" panose="02070309020205020404" pitchFamily="49" charset="0"/>
-              </a:rPr>
-              <a:t>(</a:t>
-            </a:r>
-            <a:r>
-              <a:rPr lang="pt-BR" b="0" dirty="0">
-                <a:solidFill>
-                  <a:srgbClr val="098156"/>
-                </a:solidFill>
-                <a:effectLst/>
-                <a:latin typeface="Courier New" panose="02070309020205020404" pitchFamily="49" charset="0"/>
-              </a:rPr>
-              <a:t>1</a:t>
-            </a:r>
-            <a:r>
-              <a:rPr lang="pt-BR" b="0" dirty="0">
-                <a:solidFill>
-                  <a:srgbClr val="000000"/>
-                </a:solidFill>
-                <a:effectLst/>
-                <a:latin typeface="Courier New" panose="02070309020205020404" pitchFamily="49" charset="0"/>
-              </a:rPr>
-              <a:t>, </a:t>
-            </a:r>
-            <a:r>
-              <a:rPr lang="pt-BR" b="0" dirty="0">
-                <a:solidFill>
-                  <a:srgbClr val="098156"/>
-                </a:solidFill>
-                <a:effectLst/>
-                <a:latin typeface="Courier New" panose="02070309020205020404" pitchFamily="49" charset="0"/>
-              </a:rPr>
-              <a:t>2</a:t>
-            </a:r>
-            <a:r>
-              <a:rPr lang="pt-BR" b="0" dirty="0">
-                <a:solidFill>
-                  <a:srgbClr val="000000"/>
-                </a:solidFill>
-                <a:effectLst/>
-                <a:latin typeface="Courier New" panose="02070309020205020404" pitchFamily="49" charset="0"/>
-              </a:rPr>
-              <a:t>, </a:t>
-            </a:r>
-            <a:r>
-              <a:rPr lang="pt-BR" b="0" dirty="0">
-                <a:solidFill>
-                  <a:srgbClr val="098156"/>
-                </a:solidFill>
-                <a:effectLst/>
-                <a:latin typeface="Courier New" panose="02070309020205020404" pitchFamily="49" charset="0"/>
-              </a:rPr>
-              <a:t>2</a:t>
-            </a:r>
-            <a:r>
-              <a:rPr lang="pt-BR" b="0" dirty="0">
-                <a:solidFill>
-                  <a:srgbClr val="000000"/>
-                </a:solidFill>
-                <a:effectLst/>
-                <a:latin typeface="Courier New" panose="02070309020205020404" pitchFamily="49" charset="0"/>
-              </a:rPr>
-              <a:t>)</a:t>
-            </a:r>
-          </a:p>
-          <a:p>
-            <a:pPr marL="0" indent="0">
-              <a:buNone/>
-            </a:pPr>
-            <a:r>
-              <a:rPr lang="pt-BR" b="0" dirty="0" err="1">
-                <a:solidFill>
-                  <a:srgbClr val="000000"/>
-                </a:solidFill>
-                <a:effectLst/>
-                <a:latin typeface="Courier New" panose="02070309020205020404" pitchFamily="49" charset="0"/>
-              </a:rPr>
-              <a:t>plt.plot</a:t>
-            </a:r>
-            <a:r>
-              <a:rPr lang="pt-BR" b="0" dirty="0">
-                <a:solidFill>
-                  <a:srgbClr val="000000"/>
-                </a:solidFill>
-                <a:effectLst/>
-                <a:latin typeface="Courier New" panose="02070309020205020404" pitchFamily="49" charset="0"/>
-              </a:rPr>
-              <a:t>(</a:t>
-            </a:r>
-            <a:r>
-              <a:rPr lang="pt-BR" b="0" dirty="0" err="1">
-                <a:solidFill>
-                  <a:srgbClr val="000000"/>
-                </a:solidFill>
-                <a:effectLst/>
-                <a:latin typeface="Courier New" panose="02070309020205020404" pitchFamily="49" charset="0"/>
-              </a:rPr>
-              <a:t>x,y,color</a:t>
-            </a:r>
-            <a:r>
-              <a:rPr lang="pt-BR" b="0" dirty="0">
-                <a:solidFill>
-                  <a:srgbClr val="000000"/>
-                </a:solidFill>
-                <a:effectLst/>
-                <a:latin typeface="Courier New" panose="02070309020205020404" pitchFamily="49" charset="0"/>
-              </a:rPr>
-              <a:t> = </a:t>
-            </a:r>
-            <a:r>
-              <a:rPr lang="pt-BR" b="0" dirty="0">
-                <a:solidFill>
-                  <a:srgbClr val="A31515"/>
-                </a:solidFill>
-                <a:effectLst/>
-                <a:latin typeface="Courier New" panose="02070309020205020404" pitchFamily="49" charset="0"/>
-              </a:rPr>
-              <a:t>'g'</a:t>
-            </a:r>
-            <a:r>
-              <a:rPr lang="pt-BR" b="0" dirty="0">
-                <a:solidFill>
-                  <a:srgbClr val="000000"/>
-                </a:solidFill>
-                <a:effectLst/>
-                <a:latin typeface="Courier New" panose="02070309020205020404" pitchFamily="49" charset="0"/>
-              </a:rPr>
-              <a:t>)</a:t>
-            </a:r>
-          </a:p>
-          <a:p>
-            <a:pPr marL="0" indent="0">
-              <a:buNone/>
-            </a:pPr>
-            <a:r>
-              <a:rPr lang="pt-BR" b="0" dirty="0" err="1">
-                <a:solidFill>
-                  <a:srgbClr val="000000"/>
-                </a:solidFill>
-                <a:effectLst/>
-                <a:latin typeface="Courier New" panose="02070309020205020404" pitchFamily="49" charset="0"/>
-              </a:rPr>
-              <a:t>plt.grid</a:t>
-            </a:r>
-            <a:r>
-              <a:rPr lang="pt-BR" b="0" dirty="0">
-                <a:solidFill>
-                  <a:srgbClr val="000000"/>
-                </a:solidFill>
-                <a:effectLst/>
-                <a:latin typeface="Courier New" panose="02070309020205020404" pitchFamily="49" charset="0"/>
-              </a:rPr>
-              <a:t>()</a:t>
-            </a:r>
-          </a:p>
-          <a:p>
-            <a:pPr marL="0" indent="0">
-              <a:buNone/>
-            </a:pPr>
-            <a:r>
-              <a:rPr lang="pt-BR" b="0" dirty="0" err="1">
-                <a:solidFill>
-                  <a:srgbClr val="000000"/>
-                </a:solidFill>
-                <a:effectLst/>
-                <a:latin typeface="Courier New" panose="02070309020205020404" pitchFamily="49" charset="0"/>
-              </a:rPr>
-              <a:t>plt.title</a:t>
-            </a:r>
-            <a:r>
-              <a:rPr lang="pt-BR" b="0" dirty="0">
-                <a:solidFill>
-                  <a:srgbClr val="000000"/>
-                </a:solidFill>
-                <a:effectLst/>
-                <a:latin typeface="Courier New" panose="02070309020205020404" pitchFamily="49" charset="0"/>
-              </a:rPr>
-              <a:t>(</a:t>
-            </a:r>
-            <a:r>
-              <a:rPr lang="pt-BR" b="0" dirty="0">
-                <a:solidFill>
-                  <a:srgbClr val="A31515"/>
-                </a:solidFill>
-                <a:effectLst/>
-                <a:latin typeface="Courier New" panose="02070309020205020404" pitchFamily="49" charset="0"/>
-              </a:rPr>
-              <a:t>"plot2"</a:t>
-            </a:r>
-            <a:r>
-              <a:rPr lang="pt-BR" b="0" dirty="0">
-                <a:solidFill>
-                  <a:srgbClr val="000000"/>
-                </a:solidFill>
-                <a:effectLst/>
-                <a:latin typeface="Courier New" panose="02070309020205020404" pitchFamily="49" charset="0"/>
-              </a:rPr>
-              <a:t>)</a:t>
-            </a:r>
-          </a:p>
-          <a:p>
-            <a:pPr marL="0" indent="0">
-              <a:buNone/>
-            </a:pPr>
-            <a:r>
-              <a:rPr lang="pt-BR" b="0" dirty="0" err="1">
-                <a:solidFill>
-                  <a:srgbClr val="000000"/>
-                </a:solidFill>
-                <a:effectLst/>
-                <a:latin typeface="Courier New" panose="02070309020205020404" pitchFamily="49" charset="0"/>
-              </a:rPr>
-              <a:t>plt.show</a:t>
-            </a:r>
-            <a:r>
-              <a:rPr lang="pt-BR" b="0" dirty="0">
-                <a:solidFill>
-                  <a:srgbClr val="000000"/>
-                </a:solidFill>
-                <a:effectLst/>
-                <a:latin typeface="Courier New" panose="02070309020205020404" pitchFamily="49" charset="0"/>
-              </a:rPr>
-              <a:t>()</a:t>
-            </a:r>
-          </a:p>
+          <a:bodyPr/>
+          <a:lstStyle/>
           <a:p>
             <a:endParaRPr lang="pt-BR" dirty="0"/>
           </a:p>
         </p:txBody>
       </p:sp>
+      <p:pic>
+        <p:nvPicPr>
+          <p:cNvPr id="4098" name="Picture 2">
+            <a:extLst>
+              <a:ext uri="{FF2B5EF4-FFF2-40B4-BE49-F238E27FC236}">
+                <a16:creationId xmlns:a16="http://schemas.microsoft.com/office/drawing/2014/main" id="{08A27EE4-5377-D15A-E312-FD9821840758}"/>
+              </a:ext>
+            </a:extLst>
+          </p:cNvPr>
+          <p:cNvPicPr>
+            <a:picLocks noChangeAspect="1" noChangeArrowheads="1"/>
+          </p:cNvPicPr>
+          <p:nvPr/>
+        </p:nvPicPr>
+        <p:blipFill>
+          <a:blip r:embed="rId2">
+            <a:extLst>
+              <a:ext uri="{28A0092B-C50C-407E-A947-70E740481C1C}">
+                <a14:useLocalDpi xmlns:a14="http://schemas.microsoft.com/office/drawing/2010/main" val="0"/>
+              </a:ext>
+            </a:extLst>
+          </a:blip>
+          <a:srcRect/>
+          <a:stretch>
+            <a:fillRect/>
+          </a:stretch>
+        </p:blipFill>
+        <p:spPr bwMode="auto">
+          <a:xfrm>
+            <a:off x="2633869" y="1430596"/>
+            <a:ext cx="6616148" cy="4746367"/>
+          </a:xfrm>
+          <a:prstGeom prst="rect">
+            <a:avLst/>
+          </a:prstGeom>
+          <a:noFill/>
+          <a:extLst>
+            <a:ext uri="{909E8E84-426E-40DD-AFC4-6F175D3DCCD1}">
+              <a14:hiddenFill xmlns:a14="http://schemas.microsoft.com/office/drawing/2010/main">
+                <a:solidFill>
+                  <a:srgbClr val="FFFFFF"/>
+                </a:solidFill>
+              </a14:hiddenFill>
+            </a:ext>
+          </a:extLst>
+        </p:spPr>
+      </p:pic>
     </p:spTree>
     <p:extLst>
       <p:ext uri="{BB962C8B-B14F-4D97-AF65-F5344CB8AC3E}">
-        <p14:creationId xmlns:p14="http://schemas.microsoft.com/office/powerpoint/2010/main" val="2543239947"/>
+        <p14:creationId xmlns:p14="http://schemas.microsoft.com/office/powerpoint/2010/main" val="1670998128"/>
+      </p:ext>
+    </p:extLst>
+  </p:cSld>
+  <p:clrMapOvr>
+    <a:masterClrMapping/>
+  </p:clrMapOvr>
+</p:sld>
+</file>
+
+<file path=ppt/slides/slide29.xml><?xml version="1.0" encoding="utf-8"?>
+<p:sld xmlns:a="http://schemas.openxmlformats.org/drawingml/2006/main" xmlns:r="http://schemas.openxmlformats.org/officeDocument/2006/relationships" xmlns:p="http://schemas.openxmlformats.org/presentationml/2006/main">
+  <p:cSld>
+    <p:spTree>
+      <p:nvGrpSpPr>
+        <p:cNvPr id="1" name=""/>
+        <p:cNvGrpSpPr/>
+        <p:nvPr/>
+      </p:nvGrpSpPr>
+      <p:grpSpPr>
+        <a:xfrm>
+          <a:off x="0" y="0"/>
+          <a:ext cx="0" cy="0"/>
+          <a:chOff x="0" y="0"/>
+          <a:chExt cx="0" cy="0"/>
+        </a:xfrm>
+      </p:grpSpPr>
+      <p:sp>
+        <p:nvSpPr>
+          <p:cNvPr id="2" name="Título 1">
+            <a:extLst>
+              <a:ext uri="{FF2B5EF4-FFF2-40B4-BE49-F238E27FC236}">
+                <a16:creationId xmlns:a16="http://schemas.microsoft.com/office/drawing/2014/main" id="{66E73ECC-5E90-6914-3A13-02302F5ACBA6}"/>
+              </a:ext>
+            </a:extLst>
+          </p:cNvPr>
+          <p:cNvSpPr>
+            <a:spLocks noGrp="1"/>
+          </p:cNvSpPr>
+          <p:nvPr>
+            <p:ph type="title"/>
+          </p:nvPr>
+        </p:nvSpPr>
+        <p:spPr/>
+        <p:txBody>
+          <a:bodyPr/>
+          <a:lstStyle/>
+          <a:p>
+            <a:r>
+              <a:rPr lang="pt-BR"/>
+              <a:t>FIM:</a:t>
+            </a:r>
+          </a:p>
+        </p:txBody>
+      </p:sp>
+      <p:sp>
+        <p:nvSpPr>
+          <p:cNvPr id="3" name="Espaço Reservado para Conteúdo 2">
+            <a:extLst>
+              <a:ext uri="{FF2B5EF4-FFF2-40B4-BE49-F238E27FC236}">
+                <a16:creationId xmlns:a16="http://schemas.microsoft.com/office/drawing/2014/main" id="{EB775132-27C2-F95A-7252-286D45AF5798}"/>
+              </a:ext>
+            </a:extLst>
+          </p:cNvPr>
+          <p:cNvSpPr>
+            <a:spLocks noGrp="1"/>
+          </p:cNvSpPr>
+          <p:nvPr>
+            <p:ph idx="1"/>
+          </p:nvPr>
+        </p:nvSpPr>
+        <p:spPr/>
+        <p:txBody>
+          <a:bodyPr/>
+          <a:lstStyle/>
+          <a:p>
+            <a:endParaRPr lang="pt-BR"/>
+          </a:p>
+        </p:txBody>
+      </p:sp>
+    </p:spTree>
+    <p:extLst>
+      <p:ext uri="{BB962C8B-B14F-4D97-AF65-F5344CB8AC3E}">
+        <p14:creationId xmlns:p14="http://schemas.microsoft.com/office/powerpoint/2010/main" val="590757318"/>
       </p:ext>
     </p:extLst>
   </p:cSld>
